--- a/documents/基于音频预处理过程的语音识别系统攻击3.0.pptx
+++ b/documents/基于音频预处理过程的语音识别系统攻击3.0.pptx
@@ -5,7 +5,7 @@
     <p:sldMasterId id="2147483648" r:id="rId1"/>
   </p:sldMasterIdLst>
   <p:notesMasterIdLst>
-    <p:notesMasterId r:id="rId65"/>
+    <p:notesMasterId r:id="rId74"/>
   </p:notesMasterIdLst>
   <p:sldIdLst>
     <p:sldId id="337" r:id="rId2"/>
@@ -70,7 +70,16 @@
     <p:sldId id="407" r:id="rId61"/>
     <p:sldId id="406" r:id="rId62"/>
     <p:sldId id="408" r:id="rId63"/>
-    <p:sldId id="404" r:id="rId64"/>
+    <p:sldId id="413" r:id="rId64"/>
+    <p:sldId id="404" r:id="rId65"/>
+    <p:sldId id="411" r:id="rId66"/>
+    <p:sldId id="412" r:id="rId67"/>
+    <p:sldId id="417" r:id="rId68"/>
+    <p:sldId id="414" r:id="rId69"/>
+    <p:sldId id="415" r:id="rId70"/>
+    <p:sldId id="416" r:id="rId71"/>
+    <p:sldId id="409" r:id="rId72"/>
+    <p:sldId id="410" r:id="rId73"/>
   </p:sldIdLst>
   <p:sldSz cx="12192000" cy="6858000"/>
   <p:notesSz cx="9874250" cy="6797675"/>
@@ -262,7 +271,7 @@
           <a:p>
             <a:fld id="{8F4F2EAB-82EF-4749-B0A6-32E8CB1FB1E4}" type="datetimeFigureOut">
               <a:rPr lang="zh-CN" altLang="en-US" smtClean="0"/>
-              <a:t>2020/4/12</a:t>
+              <a:t>2020/4/25</a:t>
             </a:fld>
             <a:endParaRPr lang="zh-CN" altLang="en-US"/>
           </a:p>
@@ -5495,7 +5504,375 @@
     </p:spTree>
     <p:extLst>
       <p:ext uri="{BB962C8B-B14F-4D97-AF65-F5344CB8AC3E}">
+        <p14:creationId xmlns:p14="http://schemas.microsoft.com/office/powerpoint/2010/main" val="4145310313"/>
+      </p:ext>
+    </p:extLst>
+  </p:cSld>
+  <p:clrMapOvr>
+    <a:masterClrMapping/>
+  </p:clrMapOvr>
+</p:notes>
+</file>
+
+<file path=ppt/notesSlides/notesSlide56.xml><?xml version="1.0" encoding="utf-8"?>
+<p:notes xmlns:a="http://schemas.openxmlformats.org/drawingml/2006/main" xmlns:r="http://schemas.openxmlformats.org/officeDocument/2006/relationships" xmlns:p="http://schemas.openxmlformats.org/presentationml/2006/main">
+  <p:cSld>
+    <p:spTree>
+      <p:nvGrpSpPr>
+        <p:cNvPr id="1" name=""/>
+        <p:cNvGrpSpPr/>
+        <p:nvPr/>
+      </p:nvGrpSpPr>
+      <p:grpSpPr>
+        <a:xfrm>
+          <a:off x="0" y="0"/>
+          <a:ext cx="0" cy="0"/>
+          <a:chOff x="0" y="0"/>
+          <a:chExt cx="0" cy="0"/>
+        </a:xfrm>
+      </p:grpSpPr>
+      <p:sp>
+        <p:nvSpPr>
+          <p:cNvPr id="2" name="幻灯片图像占位符 1"/>
+          <p:cNvSpPr>
+            <a:spLocks noGrp="1" noRot="1" noChangeAspect="1"/>
+          </p:cNvSpPr>
+          <p:nvPr>
+            <p:ph type="sldImg"/>
+          </p:nvPr>
+        </p:nvSpPr>
+        <p:spPr/>
+      </p:sp>
+      <p:sp>
+        <p:nvSpPr>
+          <p:cNvPr id="3" name="备注占位符 2"/>
+          <p:cNvSpPr>
+            <a:spLocks noGrp="1"/>
+          </p:cNvSpPr>
+          <p:nvPr>
+            <p:ph type="body" idx="1"/>
+          </p:nvPr>
+        </p:nvSpPr>
+        <p:spPr/>
+        <p:txBody>
+          <a:bodyPr/>
+          <a:lstStyle/>
+          <a:p>
+            <a:r>
+              <a:rPr lang="en-US" altLang="zh-CN" dirty="0" smtClean="0"/>
+              <a:t>1.</a:t>
+            </a:r>
+            <a:r>
+              <a:rPr lang="zh-CN" altLang="en-US" dirty="0" smtClean="0"/>
+              <a:t>正常功能即能识别对无处理语音样本</a:t>
+            </a:r>
+            <a:endParaRPr lang="zh-CN" altLang="en-US" dirty="0"/>
+          </a:p>
+        </p:txBody>
+      </p:sp>
+      <p:sp>
+        <p:nvSpPr>
+          <p:cNvPr id="4" name="灯片编号占位符 3"/>
+          <p:cNvSpPr>
+            <a:spLocks noGrp="1"/>
+          </p:cNvSpPr>
+          <p:nvPr>
+            <p:ph type="sldNum" sz="quarter" idx="10"/>
+          </p:nvPr>
+        </p:nvSpPr>
+        <p:spPr/>
+        <p:txBody>
+          <a:bodyPr/>
+          <a:lstStyle/>
+          <a:p>
+            <a:fld id="{2E13179B-82BD-4567-A6FC-5FF2E5270D1F}" type="slidenum">
+              <a:rPr lang="zh-CN" altLang="en-US" smtClean="0"/>
+              <a:t>64</a:t>
+            </a:fld>
+            <a:endParaRPr lang="zh-CN" altLang="en-US"/>
+          </a:p>
+        </p:txBody>
+      </p:sp>
+    </p:spTree>
+    <p:extLst>
+      <p:ext uri="{BB962C8B-B14F-4D97-AF65-F5344CB8AC3E}">
         <p14:creationId xmlns:p14="http://schemas.microsoft.com/office/powerpoint/2010/main" val="4119138466"/>
+      </p:ext>
+    </p:extLst>
+  </p:cSld>
+  <p:clrMapOvr>
+    <a:masterClrMapping/>
+  </p:clrMapOvr>
+</p:notes>
+</file>
+
+<file path=ppt/notesSlides/notesSlide57.xml><?xml version="1.0" encoding="utf-8"?>
+<p:notes xmlns:a="http://schemas.openxmlformats.org/drawingml/2006/main" xmlns:r="http://schemas.openxmlformats.org/officeDocument/2006/relationships" xmlns:p="http://schemas.openxmlformats.org/presentationml/2006/main">
+  <p:cSld>
+    <p:spTree>
+      <p:nvGrpSpPr>
+        <p:cNvPr id="1" name=""/>
+        <p:cNvGrpSpPr/>
+        <p:nvPr/>
+      </p:nvGrpSpPr>
+      <p:grpSpPr>
+        <a:xfrm>
+          <a:off x="0" y="0"/>
+          <a:ext cx="0" cy="0"/>
+          <a:chOff x="0" y="0"/>
+          <a:chExt cx="0" cy="0"/>
+        </a:xfrm>
+      </p:grpSpPr>
+      <p:sp>
+        <p:nvSpPr>
+          <p:cNvPr id="2" name="幻灯片图像占位符 1"/>
+          <p:cNvSpPr>
+            <a:spLocks noGrp="1" noRot="1" noChangeAspect="1"/>
+          </p:cNvSpPr>
+          <p:nvPr>
+            <p:ph type="sldImg"/>
+          </p:nvPr>
+        </p:nvSpPr>
+        <p:spPr/>
+      </p:sp>
+      <p:sp>
+        <p:nvSpPr>
+          <p:cNvPr id="3" name="备注占位符 2"/>
+          <p:cNvSpPr>
+            <a:spLocks noGrp="1"/>
+          </p:cNvSpPr>
+          <p:nvPr>
+            <p:ph type="body" idx="1"/>
+          </p:nvPr>
+        </p:nvSpPr>
+        <p:spPr/>
+        <p:txBody>
+          <a:bodyPr/>
+          <a:lstStyle/>
+          <a:p>
+            <a:r>
+              <a:rPr lang="en-US" altLang="zh-CN" dirty="0" smtClean="0"/>
+              <a:t>1.</a:t>
+            </a:r>
+            <a:r>
+              <a:rPr lang="zh-CN" altLang="en-US" dirty="0" smtClean="0"/>
+              <a:t>正常功能即能识别对无处理语音样本</a:t>
+            </a:r>
+            <a:endParaRPr lang="zh-CN" altLang="en-US" dirty="0"/>
+          </a:p>
+        </p:txBody>
+      </p:sp>
+      <p:sp>
+        <p:nvSpPr>
+          <p:cNvPr id="4" name="灯片编号占位符 3"/>
+          <p:cNvSpPr>
+            <a:spLocks noGrp="1"/>
+          </p:cNvSpPr>
+          <p:nvPr>
+            <p:ph type="sldNum" sz="quarter" idx="10"/>
+          </p:nvPr>
+        </p:nvSpPr>
+        <p:spPr/>
+        <p:txBody>
+          <a:bodyPr/>
+          <a:lstStyle/>
+          <a:p>
+            <a:fld id="{2E13179B-82BD-4567-A6FC-5FF2E5270D1F}" type="slidenum">
+              <a:rPr lang="zh-CN" altLang="en-US" smtClean="0"/>
+              <a:t>65</a:t>
+            </a:fld>
+            <a:endParaRPr lang="zh-CN" altLang="en-US"/>
+          </a:p>
+        </p:txBody>
+      </p:sp>
+    </p:spTree>
+    <p:extLst>
+      <p:ext uri="{BB962C8B-B14F-4D97-AF65-F5344CB8AC3E}">
+        <p14:creationId xmlns:p14="http://schemas.microsoft.com/office/powerpoint/2010/main" val="2511960380"/>
+      </p:ext>
+    </p:extLst>
+  </p:cSld>
+  <p:clrMapOvr>
+    <a:masterClrMapping/>
+  </p:clrMapOvr>
+</p:notes>
+</file>
+
+<file path=ppt/notesSlides/notesSlide58.xml><?xml version="1.0" encoding="utf-8"?>
+<p:notes xmlns:a="http://schemas.openxmlformats.org/drawingml/2006/main" xmlns:r="http://schemas.openxmlformats.org/officeDocument/2006/relationships" xmlns:p="http://schemas.openxmlformats.org/presentationml/2006/main">
+  <p:cSld>
+    <p:spTree>
+      <p:nvGrpSpPr>
+        <p:cNvPr id="1" name=""/>
+        <p:cNvGrpSpPr/>
+        <p:nvPr/>
+      </p:nvGrpSpPr>
+      <p:grpSpPr>
+        <a:xfrm>
+          <a:off x="0" y="0"/>
+          <a:ext cx="0" cy="0"/>
+          <a:chOff x="0" y="0"/>
+          <a:chExt cx="0" cy="0"/>
+        </a:xfrm>
+      </p:grpSpPr>
+      <p:sp>
+        <p:nvSpPr>
+          <p:cNvPr id="2" name="幻灯片图像占位符 1"/>
+          <p:cNvSpPr>
+            <a:spLocks noGrp="1" noRot="1" noChangeAspect="1"/>
+          </p:cNvSpPr>
+          <p:nvPr>
+            <p:ph type="sldImg"/>
+          </p:nvPr>
+        </p:nvSpPr>
+        <p:spPr/>
+      </p:sp>
+      <p:sp>
+        <p:nvSpPr>
+          <p:cNvPr id="3" name="备注占位符 2"/>
+          <p:cNvSpPr>
+            <a:spLocks noGrp="1"/>
+          </p:cNvSpPr>
+          <p:nvPr>
+            <p:ph type="body" idx="1"/>
+          </p:nvPr>
+        </p:nvSpPr>
+        <p:spPr/>
+        <p:txBody>
+          <a:bodyPr/>
+          <a:lstStyle/>
+          <a:p>
+            <a:r>
+              <a:rPr lang="en-US" altLang="zh-CN" dirty="0" smtClean="0"/>
+              <a:t>1.</a:t>
+            </a:r>
+            <a:r>
+              <a:rPr lang="zh-CN" altLang="en-US" dirty="0" smtClean="0"/>
+              <a:t>正常功能即能识别对无处理语音样本</a:t>
+            </a:r>
+            <a:endParaRPr lang="zh-CN" altLang="en-US" dirty="0"/>
+          </a:p>
+        </p:txBody>
+      </p:sp>
+      <p:sp>
+        <p:nvSpPr>
+          <p:cNvPr id="4" name="灯片编号占位符 3"/>
+          <p:cNvSpPr>
+            <a:spLocks noGrp="1"/>
+          </p:cNvSpPr>
+          <p:nvPr>
+            <p:ph type="sldNum" sz="quarter" idx="10"/>
+          </p:nvPr>
+        </p:nvSpPr>
+        <p:spPr/>
+        <p:txBody>
+          <a:bodyPr/>
+          <a:lstStyle/>
+          <a:p>
+            <a:fld id="{2E13179B-82BD-4567-A6FC-5FF2E5270D1F}" type="slidenum">
+              <a:rPr lang="zh-CN" altLang="en-US" smtClean="0"/>
+              <a:t>66</a:t>
+            </a:fld>
+            <a:endParaRPr lang="zh-CN" altLang="en-US"/>
+          </a:p>
+        </p:txBody>
+      </p:sp>
+    </p:spTree>
+    <p:extLst>
+      <p:ext uri="{BB962C8B-B14F-4D97-AF65-F5344CB8AC3E}">
+        <p14:creationId xmlns:p14="http://schemas.microsoft.com/office/powerpoint/2010/main" val="2694281882"/>
+      </p:ext>
+    </p:extLst>
+  </p:cSld>
+  <p:clrMapOvr>
+    <a:masterClrMapping/>
+  </p:clrMapOvr>
+</p:notes>
+</file>
+
+<file path=ppt/notesSlides/notesSlide59.xml><?xml version="1.0" encoding="utf-8"?>
+<p:notes xmlns:a="http://schemas.openxmlformats.org/drawingml/2006/main" xmlns:r="http://schemas.openxmlformats.org/officeDocument/2006/relationships" xmlns:p="http://schemas.openxmlformats.org/presentationml/2006/main">
+  <p:cSld>
+    <p:spTree>
+      <p:nvGrpSpPr>
+        <p:cNvPr id="1" name=""/>
+        <p:cNvGrpSpPr/>
+        <p:nvPr/>
+      </p:nvGrpSpPr>
+      <p:grpSpPr>
+        <a:xfrm>
+          <a:off x="0" y="0"/>
+          <a:ext cx="0" cy="0"/>
+          <a:chOff x="0" y="0"/>
+          <a:chExt cx="0" cy="0"/>
+        </a:xfrm>
+      </p:grpSpPr>
+      <p:sp>
+        <p:nvSpPr>
+          <p:cNvPr id="2" name="幻灯片图像占位符 1"/>
+          <p:cNvSpPr>
+            <a:spLocks noGrp="1" noRot="1" noChangeAspect="1"/>
+          </p:cNvSpPr>
+          <p:nvPr>
+            <p:ph type="sldImg"/>
+          </p:nvPr>
+        </p:nvSpPr>
+        <p:spPr/>
+      </p:sp>
+      <p:sp>
+        <p:nvSpPr>
+          <p:cNvPr id="3" name="备注占位符 2"/>
+          <p:cNvSpPr>
+            <a:spLocks noGrp="1"/>
+          </p:cNvSpPr>
+          <p:nvPr>
+            <p:ph type="body" idx="1"/>
+          </p:nvPr>
+        </p:nvSpPr>
+        <p:spPr/>
+        <p:txBody>
+          <a:bodyPr/>
+          <a:lstStyle/>
+          <a:p>
+            <a:r>
+              <a:rPr lang="en-US" altLang="zh-CN" dirty="0" smtClean="0"/>
+              <a:t>1.</a:t>
+            </a:r>
+            <a:r>
+              <a:rPr lang="zh-CN" altLang="en-US" dirty="0" smtClean="0"/>
+              <a:t>正常功能即能识别对无处理语音样本</a:t>
+            </a:r>
+            <a:endParaRPr lang="zh-CN" altLang="en-US" dirty="0"/>
+          </a:p>
+        </p:txBody>
+      </p:sp>
+      <p:sp>
+        <p:nvSpPr>
+          <p:cNvPr id="4" name="灯片编号占位符 3"/>
+          <p:cNvSpPr>
+            <a:spLocks noGrp="1"/>
+          </p:cNvSpPr>
+          <p:nvPr>
+            <p:ph type="sldNum" sz="quarter" idx="10"/>
+          </p:nvPr>
+        </p:nvSpPr>
+        <p:spPr/>
+        <p:txBody>
+          <a:bodyPr/>
+          <a:lstStyle/>
+          <a:p>
+            <a:fld id="{2E13179B-82BD-4567-A6FC-5FF2E5270D1F}" type="slidenum">
+              <a:rPr lang="zh-CN" altLang="en-US" smtClean="0"/>
+              <a:t>67</a:t>
+            </a:fld>
+            <a:endParaRPr lang="zh-CN" altLang="en-US"/>
+          </a:p>
+        </p:txBody>
+      </p:sp>
+    </p:spTree>
+    <p:extLst>
+      <p:ext uri="{BB962C8B-B14F-4D97-AF65-F5344CB8AC3E}">
+        <p14:creationId xmlns:p14="http://schemas.microsoft.com/office/powerpoint/2010/main" val="20169995"/>
       </p:ext>
     </p:extLst>
   </p:cSld>
@@ -5580,6 +5957,458 @@
     <p:extLst>
       <p:ext uri="{BB962C8B-B14F-4D97-AF65-F5344CB8AC3E}">
         <p14:creationId xmlns:p14="http://schemas.microsoft.com/office/powerpoint/2010/main" val="1300347594"/>
+      </p:ext>
+    </p:extLst>
+  </p:cSld>
+  <p:clrMapOvr>
+    <a:masterClrMapping/>
+  </p:clrMapOvr>
+</p:notes>
+</file>
+
+<file path=ppt/notesSlides/notesSlide60.xml><?xml version="1.0" encoding="utf-8"?>
+<p:notes xmlns:a="http://schemas.openxmlformats.org/drawingml/2006/main" xmlns:r="http://schemas.openxmlformats.org/officeDocument/2006/relationships" xmlns:p="http://schemas.openxmlformats.org/presentationml/2006/main">
+  <p:cSld>
+    <p:spTree>
+      <p:nvGrpSpPr>
+        <p:cNvPr id="1" name=""/>
+        <p:cNvGrpSpPr/>
+        <p:nvPr/>
+      </p:nvGrpSpPr>
+      <p:grpSpPr>
+        <a:xfrm>
+          <a:off x="0" y="0"/>
+          <a:ext cx="0" cy="0"/>
+          <a:chOff x="0" y="0"/>
+          <a:chExt cx="0" cy="0"/>
+        </a:xfrm>
+      </p:grpSpPr>
+      <p:sp>
+        <p:nvSpPr>
+          <p:cNvPr id="2" name="幻灯片图像占位符 1"/>
+          <p:cNvSpPr>
+            <a:spLocks noGrp="1" noRot="1" noChangeAspect="1"/>
+          </p:cNvSpPr>
+          <p:nvPr>
+            <p:ph type="sldImg"/>
+          </p:nvPr>
+        </p:nvSpPr>
+        <p:spPr/>
+      </p:sp>
+      <p:sp>
+        <p:nvSpPr>
+          <p:cNvPr id="3" name="备注占位符 2"/>
+          <p:cNvSpPr>
+            <a:spLocks noGrp="1"/>
+          </p:cNvSpPr>
+          <p:nvPr>
+            <p:ph type="body" idx="1"/>
+          </p:nvPr>
+        </p:nvSpPr>
+        <p:spPr/>
+        <p:txBody>
+          <a:bodyPr/>
+          <a:lstStyle/>
+          <a:p>
+            <a:r>
+              <a:rPr lang="en-US" altLang="zh-CN" dirty="0" smtClean="0"/>
+              <a:t>1.</a:t>
+            </a:r>
+            <a:r>
+              <a:rPr lang="zh-CN" altLang="en-US" dirty="0" smtClean="0"/>
+              <a:t>正常功能即能识别对无处理语音样本</a:t>
+            </a:r>
+            <a:endParaRPr lang="zh-CN" altLang="en-US" dirty="0"/>
+          </a:p>
+        </p:txBody>
+      </p:sp>
+      <p:sp>
+        <p:nvSpPr>
+          <p:cNvPr id="4" name="灯片编号占位符 3"/>
+          <p:cNvSpPr>
+            <a:spLocks noGrp="1"/>
+          </p:cNvSpPr>
+          <p:nvPr>
+            <p:ph type="sldNum" sz="quarter" idx="10"/>
+          </p:nvPr>
+        </p:nvSpPr>
+        <p:spPr/>
+        <p:txBody>
+          <a:bodyPr/>
+          <a:lstStyle/>
+          <a:p>
+            <a:fld id="{2E13179B-82BD-4567-A6FC-5FF2E5270D1F}" type="slidenum">
+              <a:rPr lang="zh-CN" altLang="en-US" smtClean="0"/>
+              <a:t>68</a:t>
+            </a:fld>
+            <a:endParaRPr lang="zh-CN" altLang="en-US"/>
+          </a:p>
+        </p:txBody>
+      </p:sp>
+    </p:spTree>
+    <p:extLst>
+      <p:ext uri="{BB962C8B-B14F-4D97-AF65-F5344CB8AC3E}">
+        <p14:creationId xmlns:p14="http://schemas.microsoft.com/office/powerpoint/2010/main" val="2720949720"/>
+      </p:ext>
+    </p:extLst>
+  </p:cSld>
+  <p:clrMapOvr>
+    <a:masterClrMapping/>
+  </p:clrMapOvr>
+</p:notes>
+</file>
+
+<file path=ppt/notesSlides/notesSlide61.xml><?xml version="1.0" encoding="utf-8"?>
+<p:notes xmlns:a="http://schemas.openxmlformats.org/drawingml/2006/main" xmlns:r="http://schemas.openxmlformats.org/officeDocument/2006/relationships" xmlns:p="http://schemas.openxmlformats.org/presentationml/2006/main">
+  <p:cSld>
+    <p:spTree>
+      <p:nvGrpSpPr>
+        <p:cNvPr id="1" name=""/>
+        <p:cNvGrpSpPr/>
+        <p:nvPr/>
+      </p:nvGrpSpPr>
+      <p:grpSpPr>
+        <a:xfrm>
+          <a:off x="0" y="0"/>
+          <a:ext cx="0" cy="0"/>
+          <a:chOff x="0" y="0"/>
+          <a:chExt cx="0" cy="0"/>
+        </a:xfrm>
+      </p:grpSpPr>
+      <p:sp>
+        <p:nvSpPr>
+          <p:cNvPr id="2" name="幻灯片图像占位符 1"/>
+          <p:cNvSpPr>
+            <a:spLocks noGrp="1" noRot="1" noChangeAspect="1"/>
+          </p:cNvSpPr>
+          <p:nvPr>
+            <p:ph type="sldImg"/>
+          </p:nvPr>
+        </p:nvSpPr>
+        <p:spPr/>
+      </p:sp>
+      <p:sp>
+        <p:nvSpPr>
+          <p:cNvPr id="3" name="备注占位符 2"/>
+          <p:cNvSpPr>
+            <a:spLocks noGrp="1"/>
+          </p:cNvSpPr>
+          <p:nvPr>
+            <p:ph type="body" idx="1"/>
+          </p:nvPr>
+        </p:nvSpPr>
+        <p:spPr/>
+        <p:txBody>
+          <a:bodyPr/>
+          <a:lstStyle/>
+          <a:p>
+            <a:r>
+              <a:rPr lang="en-US" altLang="zh-CN" dirty="0" smtClean="0"/>
+              <a:t>1.</a:t>
+            </a:r>
+            <a:r>
+              <a:rPr lang="zh-CN" altLang="en-US" dirty="0" smtClean="0"/>
+              <a:t>正常功能即能识别对无处理语音样本</a:t>
+            </a:r>
+            <a:endParaRPr lang="zh-CN" altLang="en-US" dirty="0"/>
+          </a:p>
+        </p:txBody>
+      </p:sp>
+      <p:sp>
+        <p:nvSpPr>
+          <p:cNvPr id="4" name="灯片编号占位符 3"/>
+          <p:cNvSpPr>
+            <a:spLocks noGrp="1"/>
+          </p:cNvSpPr>
+          <p:nvPr>
+            <p:ph type="sldNum" sz="quarter" idx="10"/>
+          </p:nvPr>
+        </p:nvSpPr>
+        <p:spPr/>
+        <p:txBody>
+          <a:bodyPr/>
+          <a:lstStyle/>
+          <a:p>
+            <a:fld id="{2E13179B-82BD-4567-A6FC-5FF2E5270D1F}" type="slidenum">
+              <a:rPr lang="zh-CN" altLang="en-US" smtClean="0"/>
+              <a:t>69</a:t>
+            </a:fld>
+            <a:endParaRPr lang="zh-CN" altLang="en-US"/>
+          </a:p>
+        </p:txBody>
+      </p:sp>
+    </p:spTree>
+    <p:extLst>
+      <p:ext uri="{BB962C8B-B14F-4D97-AF65-F5344CB8AC3E}">
+        <p14:creationId xmlns:p14="http://schemas.microsoft.com/office/powerpoint/2010/main" val="3834975448"/>
+      </p:ext>
+    </p:extLst>
+  </p:cSld>
+  <p:clrMapOvr>
+    <a:masterClrMapping/>
+  </p:clrMapOvr>
+</p:notes>
+</file>
+
+<file path=ppt/notesSlides/notesSlide62.xml><?xml version="1.0" encoding="utf-8"?>
+<p:notes xmlns:a="http://schemas.openxmlformats.org/drawingml/2006/main" xmlns:r="http://schemas.openxmlformats.org/officeDocument/2006/relationships" xmlns:p="http://schemas.openxmlformats.org/presentationml/2006/main">
+  <p:cSld>
+    <p:spTree>
+      <p:nvGrpSpPr>
+        <p:cNvPr id="1" name=""/>
+        <p:cNvGrpSpPr/>
+        <p:nvPr/>
+      </p:nvGrpSpPr>
+      <p:grpSpPr>
+        <a:xfrm>
+          <a:off x="0" y="0"/>
+          <a:ext cx="0" cy="0"/>
+          <a:chOff x="0" y="0"/>
+          <a:chExt cx="0" cy="0"/>
+        </a:xfrm>
+      </p:grpSpPr>
+      <p:sp>
+        <p:nvSpPr>
+          <p:cNvPr id="2" name="幻灯片图像占位符 1"/>
+          <p:cNvSpPr>
+            <a:spLocks noGrp="1" noRot="1" noChangeAspect="1"/>
+          </p:cNvSpPr>
+          <p:nvPr>
+            <p:ph type="sldImg"/>
+          </p:nvPr>
+        </p:nvSpPr>
+        <p:spPr/>
+      </p:sp>
+      <p:sp>
+        <p:nvSpPr>
+          <p:cNvPr id="3" name="备注占位符 2"/>
+          <p:cNvSpPr>
+            <a:spLocks noGrp="1"/>
+          </p:cNvSpPr>
+          <p:nvPr>
+            <p:ph type="body" idx="1"/>
+          </p:nvPr>
+        </p:nvSpPr>
+        <p:spPr/>
+        <p:txBody>
+          <a:bodyPr/>
+          <a:lstStyle/>
+          <a:p>
+            <a:r>
+              <a:rPr lang="en-US" altLang="zh-CN" dirty="0" smtClean="0"/>
+              <a:t>1.</a:t>
+            </a:r>
+            <a:r>
+              <a:rPr lang="zh-CN" altLang="en-US" dirty="0" smtClean="0"/>
+              <a:t>正常功能即能识别对无处理语音样本</a:t>
+            </a:r>
+            <a:endParaRPr lang="zh-CN" altLang="en-US" dirty="0"/>
+          </a:p>
+        </p:txBody>
+      </p:sp>
+      <p:sp>
+        <p:nvSpPr>
+          <p:cNvPr id="4" name="灯片编号占位符 3"/>
+          <p:cNvSpPr>
+            <a:spLocks noGrp="1"/>
+          </p:cNvSpPr>
+          <p:nvPr>
+            <p:ph type="sldNum" sz="quarter" idx="10"/>
+          </p:nvPr>
+        </p:nvSpPr>
+        <p:spPr/>
+        <p:txBody>
+          <a:bodyPr/>
+          <a:lstStyle/>
+          <a:p>
+            <a:fld id="{2E13179B-82BD-4567-A6FC-5FF2E5270D1F}" type="slidenum">
+              <a:rPr lang="zh-CN" altLang="en-US" smtClean="0"/>
+              <a:t>70</a:t>
+            </a:fld>
+            <a:endParaRPr lang="zh-CN" altLang="en-US"/>
+          </a:p>
+        </p:txBody>
+      </p:sp>
+    </p:spTree>
+    <p:extLst>
+      <p:ext uri="{BB962C8B-B14F-4D97-AF65-F5344CB8AC3E}">
+        <p14:creationId xmlns:p14="http://schemas.microsoft.com/office/powerpoint/2010/main" val="632957114"/>
+      </p:ext>
+    </p:extLst>
+  </p:cSld>
+  <p:clrMapOvr>
+    <a:masterClrMapping/>
+  </p:clrMapOvr>
+</p:notes>
+</file>
+
+<file path=ppt/notesSlides/notesSlide63.xml><?xml version="1.0" encoding="utf-8"?>
+<p:notes xmlns:a="http://schemas.openxmlformats.org/drawingml/2006/main" xmlns:r="http://schemas.openxmlformats.org/officeDocument/2006/relationships" xmlns:p="http://schemas.openxmlformats.org/presentationml/2006/main">
+  <p:cSld>
+    <p:spTree>
+      <p:nvGrpSpPr>
+        <p:cNvPr id="1" name=""/>
+        <p:cNvGrpSpPr/>
+        <p:nvPr/>
+      </p:nvGrpSpPr>
+      <p:grpSpPr>
+        <a:xfrm>
+          <a:off x="0" y="0"/>
+          <a:ext cx="0" cy="0"/>
+          <a:chOff x="0" y="0"/>
+          <a:chExt cx="0" cy="0"/>
+        </a:xfrm>
+      </p:grpSpPr>
+      <p:sp>
+        <p:nvSpPr>
+          <p:cNvPr id="2" name="幻灯片图像占位符 1"/>
+          <p:cNvSpPr>
+            <a:spLocks noGrp="1" noRot="1" noChangeAspect="1"/>
+          </p:cNvSpPr>
+          <p:nvPr>
+            <p:ph type="sldImg"/>
+          </p:nvPr>
+        </p:nvSpPr>
+        <p:spPr/>
+      </p:sp>
+      <p:sp>
+        <p:nvSpPr>
+          <p:cNvPr id="3" name="备注占位符 2"/>
+          <p:cNvSpPr>
+            <a:spLocks noGrp="1"/>
+          </p:cNvSpPr>
+          <p:nvPr>
+            <p:ph type="body" idx="1"/>
+          </p:nvPr>
+        </p:nvSpPr>
+        <p:spPr/>
+        <p:txBody>
+          <a:bodyPr/>
+          <a:lstStyle/>
+          <a:p>
+            <a:endParaRPr lang="zh-CN" altLang="en-US" dirty="0"/>
+          </a:p>
+        </p:txBody>
+      </p:sp>
+      <p:sp>
+        <p:nvSpPr>
+          <p:cNvPr id="4" name="灯片编号占位符 3"/>
+          <p:cNvSpPr>
+            <a:spLocks noGrp="1"/>
+          </p:cNvSpPr>
+          <p:nvPr>
+            <p:ph type="sldNum" sz="quarter" idx="10"/>
+          </p:nvPr>
+        </p:nvSpPr>
+        <p:spPr/>
+        <p:txBody>
+          <a:bodyPr/>
+          <a:lstStyle/>
+          <a:p>
+            <a:fld id="{2E13179B-82BD-4567-A6FC-5FF2E5270D1F}" type="slidenum">
+              <a:rPr lang="zh-CN" altLang="en-US" smtClean="0"/>
+              <a:t>71</a:t>
+            </a:fld>
+            <a:endParaRPr lang="zh-CN" altLang="en-US"/>
+          </a:p>
+        </p:txBody>
+      </p:sp>
+    </p:spTree>
+    <p:extLst>
+      <p:ext uri="{BB962C8B-B14F-4D97-AF65-F5344CB8AC3E}">
+        <p14:creationId xmlns:p14="http://schemas.microsoft.com/office/powerpoint/2010/main" val="2891218763"/>
+      </p:ext>
+    </p:extLst>
+  </p:cSld>
+  <p:clrMapOvr>
+    <a:masterClrMapping/>
+  </p:clrMapOvr>
+</p:notes>
+</file>
+
+<file path=ppt/notesSlides/notesSlide64.xml><?xml version="1.0" encoding="utf-8"?>
+<p:notes xmlns:a="http://schemas.openxmlformats.org/drawingml/2006/main" xmlns:r="http://schemas.openxmlformats.org/officeDocument/2006/relationships" xmlns:p="http://schemas.openxmlformats.org/presentationml/2006/main">
+  <p:cSld>
+    <p:spTree>
+      <p:nvGrpSpPr>
+        <p:cNvPr id="1" name=""/>
+        <p:cNvGrpSpPr/>
+        <p:nvPr/>
+      </p:nvGrpSpPr>
+      <p:grpSpPr>
+        <a:xfrm>
+          <a:off x="0" y="0"/>
+          <a:ext cx="0" cy="0"/>
+          <a:chOff x="0" y="0"/>
+          <a:chExt cx="0" cy="0"/>
+        </a:xfrm>
+      </p:grpSpPr>
+      <p:sp>
+        <p:nvSpPr>
+          <p:cNvPr id="2" name="幻灯片图像占位符 1"/>
+          <p:cNvSpPr>
+            <a:spLocks noGrp="1" noRot="1" noChangeAspect="1"/>
+          </p:cNvSpPr>
+          <p:nvPr>
+            <p:ph type="sldImg"/>
+          </p:nvPr>
+        </p:nvSpPr>
+        <p:spPr/>
+      </p:sp>
+      <p:sp>
+        <p:nvSpPr>
+          <p:cNvPr id="3" name="备注占位符 2"/>
+          <p:cNvSpPr>
+            <a:spLocks noGrp="1"/>
+          </p:cNvSpPr>
+          <p:nvPr>
+            <p:ph type="body" idx="1"/>
+          </p:nvPr>
+        </p:nvSpPr>
+        <p:spPr/>
+        <p:txBody>
+          <a:bodyPr/>
+          <a:lstStyle/>
+          <a:p>
+            <a:r>
+              <a:rPr lang="en-US" altLang="zh-CN" dirty="0" smtClean="0"/>
+              <a:t>1.</a:t>
+            </a:r>
+            <a:r>
+              <a:rPr lang="zh-CN" altLang="en-US" dirty="0" smtClean="0"/>
+              <a:t>正常功能即能识别对无处理语音样本</a:t>
+            </a:r>
+            <a:endParaRPr lang="zh-CN" altLang="en-US" dirty="0"/>
+          </a:p>
+        </p:txBody>
+      </p:sp>
+      <p:sp>
+        <p:nvSpPr>
+          <p:cNvPr id="4" name="灯片编号占位符 3"/>
+          <p:cNvSpPr>
+            <a:spLocks noGrp="1"/>
+          </p:cNvSpPr>
+          <p:nvPr>
+            <p:ph type="sldNum" sz="quarter" idx="10"/>
+          </p:nvPr>
+        </p:nvSpPr>
+        <p:spPr/>
+        <p:txBody>
+          <a:bodyPr/>
+          <a:lstStyle/>
+          <a:p>
+            <a:fld id="{2E13179B-82BD-4567-A6FC-5FF2E5270D1F}" type="slidenum">
+              <a:rPr lang="zh-CN" altLang="en-US" smtClean="0"/>
+              <a:t>72</a:t>
+            </a:fld>
+            <a:endParaRPr lang="zh-CN" altLang="en-US"/>
+          </a:p>
+        </p:txBody>
+      </p:sp>
+    </p:spTree>
+    <p:extLst>
+      <p:ext uri="{BB962C8B-B14F-4D97-AF65-F5344CB8AC3E}">
+        <p14:creationId xmlns:p14="http://schemas.microsoft.com/office/powerpoint/2010/main" val="3663460747"/>
       </p:ext>
     </p:extLst>
   </p:cSld>
@@ -8134,7 +8963,7 @@
           <p:cNvPr id="5" name="矩形 4">
             <a:extLst>
               <a:ext uri="{FF2B5EF4-FFF2-40B4-BE49-F238E27FC236}">
-                <a16:creationId xmlns:a16="http://schemas.microsoft.com/office/drawing/2014/main" xmlns="" id="{AB1DF3D9-EC08-40CA-853D-48B16F99EE56}"/>
+                <a16:creationId xmlns="" xmlns:a16="http://schemas.microsoft.com/office/drawing/2014/main" id="{AB1DF3D9-EC08-40CA-853D-48B16F99EE56}"/>
               </a:ext>
             </a:extLst>
           </p:cNvPr>
@@ -8310,7 +9139,7 @@
           <p:cNvPr id="8" name="矩形 7">
             <a:extLst>
               <a:ext uri="{FF2B5EF4-FFF2-40B4-BE49-F238E27FC236}">
-                <a16:creationId xmlns:a16="http://schemas.microsoft.com/office/drawing/2014/main" xmlns="" id="{0FDAD747-108F-4A6D-9220-5EA05067FF1E}"/>
+                <a16:creationId xmlns="" xmlns:a16="http://schemas.microsoft.com/office/drawing/2014/main" id="{0FDAD747-108F-4A6D-9220-5EA05067FF1E}"/>
               </a:ext>
             </a:extLst>
           </p:cNvPr>
@@ -8453,7 +9282,7 @@
           <p:cNvPr id="5" name="矩形 4">
             <a:extLst>
               <a:ext uri="{FF2B5EF4-FFF2-40B4-BE49-F238E27FC236}">
-                <a16:creationId xmlns:a16="http://schemas.microsoft.com/office/drawing/2014/main" xmlns="" id="{AB1DF3D9-EC08-40CA-853D-48B16F99EE56}"/>
+                <a16:creationId xmlns="" xmlns:a16="http://schemas.microsoft.com/office/drawing/2014/main" id="{AB1DF3D9-EC08-40CA-853D-48B16F99EE56}"/>
               </a:ext>
             </a:extLst>
           </p:cNvPr>
@@ -8539,7 +9368,7 @@
           <p:cNvPr id="6" name="矩形 5">
             <a:extLst>
               <a:ext uri="{FF2B5EF4-FFF2-40B4-BE49-F238E27FC236}">
-                <a16:creationId xmlns:a16="http://schemas.microsoft.com/office/drawing/2014/main" xmlns="" id="{0FDAD747-108F-4A6D-9220-5EA05067FF1E}"/>
+                <a16:creationId xmlns="" xmlns:a16="http://schemas.microsoft.com/office/drawing/2014/main" id="{0FDAD747-108F-4A6D-9220-5EA05067FF1E}"/>
               </a:ext>
             </a:extLst>
           </p:cNvPr>
@@ -8682,7 +9511,7 @@
           <p:cNvPr id="5" name="矩形 4">
             <a:extLst>
               <a:ext uri="{FF2B5EF4-FFF2-40B4-BE49-F238E27FC236}">
-                <a16:creationId xmlns:a16="http://schemas.microsoft.com/office/drawing/2014/main" xmlns="" id="{AB1DF3D9-EC08-40CA-853D-48B16F99EE56}"/>
+                <a16:creationId xmlns="" xmlns:a16="http://schemas.microsoft.com/office/drawing/2014/main" id="{AB1DF3D9-EC08-40CA-853D-48B16F99EE56}"/>
               </a:ext>
             </a:extLst>
           </p:cNvPr>
@@ -8769,7 +9598,7 @@
           <p:cNvPr id="7" name="矩形 6">
             <a:extLst>
               <a:ext uri="{FF2B5EF4-FFF2-40B4-BE49-F238E27FC236}">
-                <a16:creationId xmlns:a16="http://schemas.microsoft.com/office/drawing/2014/main" xmlns="" id="{0FDAD747-108F-4A6D-9220-5EA05067FF1E}"/>
+                <a16:creationId xmlns="" xmlns:a16="http://schemas.microsoft.com/office/drawing/2014/main" id="{0FDAD747-108F-4A6D-9220-5EA05067FF1E}"/>
               </a:ext>
             </a:extLst>
           </p:cNvPr>
@@ -8882,7 +9711,7 @@
           <p:cNvPr id="9" name="矩形 13" descr="紫色网格">
             <a:extLst>
               <a:ext uri="{FF2B5EF4-FFF2-40B4-BE49-F238E27FC236}">
-                <a16:creationId xmlns:a16="http://schemas.microsoft.com/office/drawing/2014/main" xmlns="" id="{44AEA09D-FD0A-4CA0-883D-93E5EAF762D6}"/>
+                <a16:creationId xmlns="" xmlns:a16="http://schemas.microsoft.com/office/drawing/2014/main" id="{44AEA09D-FD0A-4CA0-883D-93E5EAF762D6}"/>
               </a:ext>
             </a:extLst>
           </p:cNvPr>
@@ -9403,7 +10232,7 @@
           <p:cNvPr id="5" name="矩形 4">
             <a:extLst>
               <a:ext uri="{FF2B5EF4-FFF2-40B4-BE49-F238E27FC236}">
-                <a16:creationId xmlns:a16="http://schemas.microsoft.com/office/drawing/2014/main" xmlns="" id="{AB1DF3D9-EC08-40CA-853D-48B16F99EE56}"/>
+                <a16:creationId xmlns="" xmlns:a16="http://schemas.microsoft.com/office/drawing/2014/main" id="{AB1DF3D9-EC08-40CA-853D-48B16F99EE56}"/>
               </a:ext>
             </a:extLst>
           </p:cNvPr>
@@ -9545,7 +10374,7 @@
           <p:cNvPr id="7" name="矩形 6">
             <a:extLst>
               <a:ext uri="{FF2B5EF4-FFF2-40B4-BE49-F238E27FC236}">
-                <a16:creationId xmlns:a16="http://schemas.microsoft.com/office/drawing/2014/main" xmlns="" id="{0FDAD747-108F-4A6D-9220-5EA05067FF1E}"/>
+                <a16:creationId xmlns="" xmlns:a16="http://schemas.microsoft.com/office/drawing/2014/main" id="{0FDAD747-108F-4A6D-9220-5EA05067FF1E}"/>
               </a:ext>
             </a:extLst>
           </p:cNvPr>
@@ -9688,7 +10517,7 @@
           <p:cNvPr id="5" name="矩形 4">
             <a:extLst>
               <a:ext uri="{FF2B5EF4-FFF2-40B4-BE49-F238E27FC236}">
-                <a16:creationId xmlns:a16="http://schemas.microsoft.com/office/drawing/2014/main" xmlns="" id="{AB1DF3D9-EC08-40CA-853D-48B16F99EE56}"/>
+                <a16:creationId xmlns="" xmlns:a16="http://schemas.microsoft.com/office/drawing/2014/main" id="{AB1DF3D9-EC08-40CA-853D-48B16F99EE56}"/>
               </a:ext>
             </a:extLst>
           </p:cNvPr>
@@ -9876,7 +10705,7 @@
           <p:cNvPr id="9" name="矩形 8">
             <a:extLst>
               <a:ext uri="{FF2B5EF4-FFF2-40B4-BE49-F238E27FC236}">
-                <a16:creationId xmlns:a16="http://schemas.microsoft.com/office/drawing/2014/main" xmlns="" id="{0FDAD747-108F-4A6D-9220-5EA05067FF1E}"/>
+                <a16:creationId xmlns="" xmlns:a16="http://schemas.microsoft.com/office/drawing/2014/main" id="{0FDAD747-108F-4A6D-9220-5EA05067FF1E}"/>
               </a:ext>
             </a:extLst>
           </p:cNvPr>
@@ -10019,7 +10848,7 @@
           <p:cNvPr id="5" name="矩形 4">
             <a:extLst>
               <a:ext uri="{FF2B5EF4-FFF2-40B4-BE49-F238E27FC236}">
-                <a16:creationId xmlns:a16="http://schemas.microsoft.com/office/drawing/2014/main" xmlns="" id="{AB1DF3D9-EC08-40CA-853D-48B16F99EE56}"/>
+                <a16:creationId xmlns="" xmlns:a16="http://schemas.microsoft.com/office/drawing/2014/main" id="{AB1DF3D9-EC08-40CA-853D-48B16F99EE56}"/>
               </a:ext>
             </a:extLst>
           </p:cNvPr>
@@ -10106,7 +10935,7 @@
           <p:cNvPr id="7" name="矩形 6">
             <a:extLst>
               <a:ext uri="{FF2B5EF4-FFF2-40B4-BE49-F238E27FC236}">
-                <a16:creationId xmlns:a16="http://schemas.microsoft.com/office/drawing/2014/main" xmlns="" id="{0FDAD747-108F-4A6D-9220-5EA05067FF1E}"/>
+                <a16:creationId xmlns="" xmlns:a16="http://schemas.microsoft.com/office/drawing/2014/main" id="{0FDAD747-108F-4A6D-9220-5EA05067FF1E}"/>
               </a:ext>
             </a:extLst>
           </p:cNvPr>
@@ -10315,7 +11144,7 @@
           <p:cNvPr id="8" name="矩形 7">
             <a:extLst>
               <a:ext uri="{FF2B5EF4-FFF2-40B4-BE49-F238E27FC236}">
-                <a16:creationId xmlns:a16="http://schemas.microsoft.com/office/drawing/2014/main" xmlns="" id="{0FDAD747-108F-4A6D-9220-5EA05067FF1E}"/>
+                <a16:creationId xmlns="" xmlns:a16="http://schemas.microsoft.com/office/drawing/2014/main" id="{0FDAD747-108F-4A6D-9220-5EA05067FF1E}"/>
               </a:ext>
             </a:extLst>
           </p:cNvPr>
@@ -10428,7 +11257,7 @@
           <p:cNvPr id="10" name="矩形 13" descr="紫色网格">
             <a:extLst>
               <a:ext uri="{FF2B5EF4-FFF2-40B4-BE49-F238E27FC236}">
-                <a16:creationId xmlns:a16="http://schemas.microsoft.com/office/drawing/2014/main" xmlns="" id="{44AEA09D-FD0A-4CA0-883D-93E5EAF762D6}"/>
+                <a16:creationId xmlns="" xmlns:a16="http://schemas.microsoft.com/office/drawing/2014/main" id="{44AEA09D-FD0A-4CA0-883D-93E5EAF762D6}"/>
               </a:ext>
             </a:extLst>
           </p:cNvPr>
@@ -10734,7 +11563,7 @@
           <p:cNvPr id="12" name="矩形 11">
             <a:extLst>
               <a:ext uri="{FF2B5EF4-FFF2-40B4-BE49-F238E27FC236}">
-                <a16:creationId xmlns:a16="http://schemas.microsoft.com/office/drawing/2014/main" xmlns="" id="{0FDAD747-108F-4A6D-9220-5EA05067FF1E}"/>
+                <a16:creationId xmlns="" xmlns:a16="http://schemas.microsoft.com/office/drawing/2014/main" id="{0FDAD747-108F-4A6D-9220-5EA05067FF1E}"/>
               </a:ext>
             </a:extLst>
           </p:cNvPr>
@@ -10828,7 +11657,7 @@
           <p:cNvPr id="9" name="矩形 13" descr="紫色网格">
             <a:extLst>
               <a:ext uri="{FF2B5EF4-FFF2-40B4-BE49-F238E27FC236}">
-                <a16:creationId xmlns:a16="http://schemas.microsoft.com/office/drawing/2014/main" xmlns="" id="{44AEA09D-FD0A-4CA0-883D-93E5EAF762D6}"/>
+                <a16:creationId xmlns="" xmlns:a16="http://schemas.microsoft.com/office/drawing/2014/main" id="{44AEA09D-FD0A-4CA0-883D-93E5EAF762D6}"/>
               </a:ext>
             </a:extLst>
           </p:cNvPr>
@@ -11128,7 +11957,7 @@
           <p:cNvPr id="4" name="矩形 3">
             <a:extLst>
               <a:ext uri="{FF2B5EF4-FFF2-40B4-BE49-F238E27FC236}">
-                <a16:creationId xmlns:a16="http://schemas.microsoft.com/office/drawing/2014/main" xmlns="" id="{0FDAD747-108F-4A6D-9220-5EA05067FF1E}"/>
+                <a16:creationId xmlns="" xmlns:a16="http://schemas.microsoft.com/office/drawing/2014/main" id="{0FDAD747-108F-4A6D-9220-5EA05067FF1E}"/>
               </a:ext>
             </a:extLst>
           </p:cNvPr>
@@ -11219,7 +12048,7 @@
           <p:cNvPr id="7" name="矩形 6">
             <a:extLst>
               <a:ext uri="{FF2B5EF4-FFF2-40B4-BE49-F238E27FC236}">
-                <a16:creationId xmlns:a16="http://schemas.microsoft.com/office/drawing/2014/main" xmlns="" id="{0FDAD747-108F-4A6D-9220-5EA05067FF1E}"/>
+                <a16:creationId xmlns="" xmlns:a16="http://schemas.microsoft.com/office/drawing/2014/main" id="{0FDAD747-108F-4A6D-9220-5EA05067FF1E}"/>
               </a:ext>
             </a:extLst>
           </p:cNvPr>
@@ -11315,7 +12144,7 @@
           <p:cNvPr id="9" name="矩形 13" descr="紫色网格">
             <a:extLst>
               <a:ext uri="{FF2B5EF4-FFF2-40B4-BE49-F238E27FC236}">
-                <a16:creationId xmlns:a16="http://schemas.microsoft.com/office/drawing/2014/main" xmlns="" id="{44AEA09D-FD0A-4CA0-883D-93E5EAF762D6}"/>
+                <a16:creationId xmlns="" xmlns:a16="http://schemas.microsoft.com/office/drawing/2014/main" id="{44AEA09D-FD0A-4CA0-883D-93E5EAF762D6}"/>
               </a:ext>
             </a:extLst>
           </p:cNvPr>
@@ -11615,7 +12444,7 @@
           <p:cNvPr id="12" name="矩形 11">
             <a:extLst>
               <a:ext uri="{FF2B5EF4-FFF2-40B4-BE49-F238E27FC236}">
-                <a16:creationId xmlns:a16="http://schemas.microsoft.com/office/drawing/2014/main" xmlns="" id="{0FDAD747-108F-4A6D-9220-5EA05067FF1E}"/>
+                <a16:creationId xmlns="" xmlns:a16="http://schemas.microsoft.com/office/drawing/2014/main" id="{0FDAD747-108F-4A6D-9220-5EA05067FF1E}"/>
               </a:ext>
             </a:extLst>
           </p:cNvPr>
@@ -11709,7 +12538,7 @@
           <p:cNvPr id="6" name="矩形 13" descr="紫色网格">
             <a:extLst>
               <a:ext uri="{FF2B5EF4-FFF2-40B4-BE49-F238E27FC236}">
-                <a16:creationId xmlns:a16="http://schemas.microsoft.com/office/drawing/2014/main" xmlns="" id="{44AEA09D-FD0A-4CA0-883D-93E5EAF762D6}"/>
+                <a16:creationId xmlns="" xmlns:a16="http://schemas.microsoft.com/office/drawing/2014/main" id="{44AEA09D-FD0A-4CA0-883D-93E5EAF762D6}"/>
               </a:ext>
             </a:extLst>
           </p:cNvPr>
@@ -12041,7 +12870,7 @@
           <p:cNvPr id="52" name="矩形 51">
             <a:extLst>
               <a:ext uri="{FF2B5EF4-FFF2-40B4-BE49-F238E27FC236}">
-                <a16:creationId xmlns:a16="http://schemas.microsoft.com/office/drawing/2014/main" xmlns="" id="{C2B44424-4CFE-4BA2-9FCF-F0A911E8A749}"/>
+                <a16:creationId xmlns="" xmlns:a16="http://schemas.microsoft.com/office/drawing/2014/main" id="{C2B44424-4CFE-4BA2-9FCF-F0A911E8A749}"/>
               </a:ext>
             </a:extLst>
           </p:cNvPr>
@@ -12195,7 +13024,7 @@
           <p:cNvPr id="55" name="直接箭头连接符 54">
             <a:extLst>
               <a:ext uri="{FF2B5EF4-FFF2-40B4-BE49-F238E27FC236}">
-                <a16:creationId xmlns:a16="http://schemas.microsoft.com/office/drawing/2014/main" xmlns="" id="{EDD84E7C-3200-40E5-A3C0-E57D7F9E754E}"/>
+                <a16:creationId xmlns="" xmlns:a16="http://schemas.microsoft.com/office/drawing/2014/main" id="{EDD84E7C-3200-40E5-A3C0-E57D7F9E754E}"/>
               </a:ext>
             </a:extLst>
           </p:cNvPr>
@@ -12228,7 +13057,7 @@
           <p:cNvPr id="59" name="矩形 58">
             <a:extLst>
               <a:ext uri="{FF2B5EF4-FFF2-40B4-BE49-F238E27FC236}">
-                <a16:creationId xmlns:a16="http://schemas.microsoft.com/office/drawing/2014/main" xmlns="" id="{0FDAD747-108F-4A6D-9220-5EA05067FF1E}"/>
+                <a16:creationId xmlns="" xmlns:a16="http://schemas.microsoft.com/office/drawing/2014/main" id="{0FDAD747-108F-4A6D-9220-5EA05067FF1E}"/>
               </a:ext>
             </a:extLst>
           </p:cNvPr>
@@ -12275,7 +13104,7 @@
           <p:cNvPr id="60" name="矩形 59">
             <a:extLst>
               <a:ext uri="{FF2B5EF4-FFF2-40B4-BE49-F238E27FC236}">
-                <a16:creationId xmlns:a16="http://schemas.microsoft.com/office/drawing/2014/main" xmlns="" id="{5CEC9FB1-9CBF-4B7B-A321-DF404030F08B}"/>
+                <a16:creationId xmlns="" xmlns:a16="http://schemas.microsoft.com/office/drawing/2014/main" id="{5CEC9FB1-9CBF-4B7B-A321-DF404030F08B}"/>
               </a:ext>
             </a:extLst>
           </p:cNvPr>
@@ -12361,7 +13190,7 @@
           <p:cNvPr id="63" name="直接箭头连接符 62">
             <a:extLst>
               <a:ext uri="{FF2B5EF4-FFF2-40B4-BE49-F238E27FC236}">
-                <a16:creationId xmlns:a16="http://schemas.microsoft.com/office/drawing/2014/main" xmlns="" id="{5A7FC920-9D22-4290-B80F-F4BDC1DE109A}"/>
+                <a16:creationId xmlns="" xmlns:a16="http://schemas.microsoft.com/office/drawing/2014/main" id="{5A7FC920-9D22-4290-B80F-F4BDC1DE109A}"/>
               </a:ext>
             </a:extLst>
           </p:cNvPr>
@@ -12394,7 +13223,7 @@
           <p:cNvPr id="64" name="矩形 63">
             <a:extLst>
               <a:ext uri="{FF2B5EF4-FFF2-40B4-BE49-F238E27FC236}">
-                <a16:creationId xmlns:a16="http://schemas.microsoft.com/office/drawing/2014/main" xmlns="" id="{45B27A13-37E3-4777-9299-E75CAF1F6F9A}"/>
+                <a16:creationId xmlns="" xmlns:a16="http://schemas.microsoft.com/office/drawing/2014/main" id="{45B27A13-37E3-4777-9299-E75CAF1F6F9A}"/>
               </a:ext>
             </a:extLst>
           </p:cNvPr>
@@ -12442,7 +13271,7 @@
           <p:cNvPr id="65" name="图片 64">
             <a:extLst>
               <a:ext uri="{FF2B5EF4-FFF2-40B4-BE49-F238E27FC236}">
-                <a16:creationId xmlns:a16="http://schemas.microsoft.com/office/drawing/2014/main" xmlns="" id="{36569B5B-566F-4C60-9D63-318931B70CA2}"/>
+                <a16:creationId xmlns="" xmlns:a16="http://schemas.microsoft.com/office/drawing/2014/main" id="{36569B5B-566F-4C60-9D63-318931B70CA2}"/>
               </a:ext>
             </a:extLst>
           </p:cNvPr>
@@ -12478,7 +13307,7 @@
           <p:cNvPr id="66" name="矩形 65">
             <a:extLst>
               <a:ext uri="{FF2B5EF4-FFF2-40B4-BE49-F238E27FC236}">
-                <a16:creationId xmlns:a16="http://schemas.microsoft.com/office/drawing/2014/main" xmlns="" id="{2A55BA5B-CE30-435B-95FB-B00B8161E590}"/>
+                <a16:creationId xmlns="" xmlns:a16="http://schemas.microsoft.com/office/drawing/2014/main" id="{2A55BA5B-CE30-435B-95FB-B00B8161E590}"/>
               </a:ext>
             </a:extLst>
           </p:cNvPr>
@@ -12536,7 +13365,7 @@
           <p:cNvPr id="67" name="矩形 66">
             <a:extLst>
               <a:ext uri="{FF2B5EF4-FFF2-40B4-BE49-F238E27FC236}">
-                <a16:creationId xmlns:a16="http://schemas.microsoft.com/office/drawing/2014/main" xmlns="" id="{C2B44424-4CFE-4BA2-9FCF-F0A911E8A749}"/>
+                <a16:creationId xmlns="" xmlns:a16="http://schemas.microsoft.com/office/drawing/2014/main" id="{C2B44424-4CFE-4BA2-9FCF-F0A911E8A749}"/>
               </a:ext>
             </a:extLst>
           </p:cNvPr>
@@ -12647,7 +13476,7 @@
           <p:cNvPr id="72" name="矩形 13" descr="紫色网格">
             <a:extLst>
               <a:ext uri="{FF2B5EF4-FFF2-40B4-BE49-F238E27FC236}">
-                <a16:creationId xmlns:a16="http://schemas.microsoft.com/office/drawing/2014/main" xmlns="" id="{44AEA09D-FD0A-4CA0-883D-93E5EAF762D6}"/>
+                <a16:creationId xmlns="" xmlns:a16="http://schemas.microsoft.com/office/drawing/2014/main" id="{44AEA09D-FD0A-4CA0-883D-93E5EAF762D6}"/>
               </a:ext>
             </a:extLst>
           </p:cNvPr>
@@ -12914,7 +13743,7 @@
           <p:cNvPr id="73" name="矩形 72">
             <a:extLst>
               <a:ext uri="{FF2B5EF4-FFF2-40B4-BE49-F238E27FC236}">
-                <a16:creationId xmlns:a16="http://schemas.microsoft.com/office/drawing/2014/main" xmlns="" id="{0FDAD747-108F-4A6D-9220-5EA05067FF1E}"/>
+                <a16:creationId xmlns="" xmlns:a16="http://schemas.microsoft.com/office/drawing/2014/main" id="{0FDAD747-108F-4A6D-9220-5EA05067FF1E}"/>
               </a:ext>
             </a:extLst>
           </p:cNvPr>
@@ -12961,7 +13790,7 @@
           <p:cNvPr id="76" name="矩形 75">
             <a:extLst>
               <a:ext uri="{FF2B5EF4-FFF2-40B4-BE49-F238E27FC236}">
-                <a16:creationId xmlns:a16="http://schemas.microsoft.com/office/drawing/2014/main" xmlns="" id="{5CEC9FB1-9CBF-4B7B-A321-DF404030F08B}"/>
+                <a16:creationId xmlns="" xmlns:a16="http://schemas.microsoft.com/office/drawing/2014/main" id="{5CEC9FB1-9CBF-4B7B-A321-DF404030F08B}"/>
               </a:ext>
             </a:extLst>
           </p:cNvPr>
@@ -13047,7 +13876,7 @@
           <p:cNvPr id="77" name="矩形 76">
             <a:extLst>
               <a:ext uri="{FF2B5EF4-FFF2-40B4-BE49-F238E27FC236}">
-                <a16:creationId xmlns:a16="http://schemas.microsoft.com/office/drawing/2014/main" xmlns="" id="{5CEC9FB1-9CBF-4B7B-A321-DF404030F08B}"/>
+                <a16:creationId xmlns="" xmlns:a16="http://schemas.microsoft.com/office/drawing/2014/main" id="{5CEC9FB1-9CBF-4B7B-A321-DF404030F08B}"/>
               </a:ext>
             </a:extLst>
           </p:cNvPr>
@@ -13175,7 +14004,7 @@
           <p:cNvPr id="82" name="直接箭头连接符 81">
             <a:extLst>
               <a:ext uri="{FF2B5EF4-FFF2-40B4-BE49-F238E27FC236}">
-                <a16:creationId xmlns:a16="http://schemas.microsoft.com/office/drawing/2014/main" xmlns="" id="{EDD84E7C-3200-40E5-A3C0-E57D7F9E754E}"/>
+                <a16:creationId xmlns="" xmlns:a16="http://schemas.microsoft.com/office/drawing/2014/main" id="{EDD84E7C-3200-40E5-A3C0-E57D7F9E754E}"/>
               </a:ext>
             </a:extLst>
           </p:cNvPr>
@@ -13208,7 +14037,7 @@
           <p:cNvPr id="85" name="直接箭头连接符 84">
             <a:extLst>
               <a:ext uri="{FF2B5EF4-FFF2-40B4-BE49-F238E27FC236}">
-                <a16:creationId xmlns:a16="http://schemas.microsoft.com/office/drawing/2014/main" xmlns="" id="{EDD84E7C-3200-40E5-A3C0-E57D7F9E754E}"/>
+                <a16:creationId xmlns="" xmlns:a16="http://schemas.microsoft.com/office/drawing/2014/main" id="{EDD84E7C-3200-40E5-A3C0-E57D7F9E754E}"/>
               </a:ext>
             </a:extLst>
           </p:cNvPr>
@@ -13364,7 +14193,7 @@
           <p:cNvPr id="12" name="矩形 11">
             <a:extLst>
               <a:ext uri="{FF2B5EF4-FFF2-40B4-BE49-F238E27FC236}">
-                <a16:creationId xmlns:a16="http://schemas.microsoft.com/office/drawing/2014/main" xmlns="" id="{0FDAD747-108F-4A6D-9220-5EA05067FF1E}"/>
+                <a16:creationId xmlns="" xmlns:a16="http://schemas.microsoft.com/office/drawing/2014/main" id="{0FDAD747-108F-4A6D-9220-5EA05067FF1E}"/>
               </a:ext>
             </a:extLst>
           </p:cNvPr>
@@ -13411,7 +14240,7 @@
           <p:cNvPr id="4" name="矩形 3">
             <a:extLst>
               <a:ext uri="{FF2B5EF4-FFF2-40B4-BE49-F238E27FC236}">
-                <a16:creationId xmlns:a16="http://schemas.microsoft.com/office/drawing/2014/main" xmlns="" id="{0FDAD747-108F-4A6D-9220-5EA05067FF1E}"/>
+                <a16:creationId xmlns="" xmlns:a16="http://schemas.microsoft.com/office/drawing/2014/main" id="{0FDAD747-108F-4A6D-9220-5EA05067FF1E}"/>
               </a:ext>
             </a:extLst>
           </p:cNvPr>
@@ -13669,7 +14498,7 @@
           <p:cNvPr id="12" name="矩形 11">
             <a:extLst>
               <a:ext uri="{FF2B5EF4-FFF2-40B4-BE49-F238E27FC236}">
-                <a16:creationId xmlns:a16="http://schemas.microsoft.com/office/drawing/2014/main" xmlns="" id="{0FDAD747-108F-4A6D-9220-5EA05067FF1E}"/>
+                <a16:creationId xmlns="" xmlns:a16="http://schemas.microsoft.com/office/drawing/2014/main" id="{0FDAD747-108F-4A6D-9220-5EA05067FF1E}"/>
               </a:ext>
             </a:extLst>
           </p:cNvPr>
@@ -13719,7 +14548,7 @@
           <p:cNvPr id="4" name="矩形 3">
             <a:extLst>
               <a:ext uri="{FF2B5EF4-FFF2-40B4-BE49-F238E27FC236}">
-                <a16:creationId xmlns:a16="http://schemas.microsoft.com/office/drawing/2014/main" xmlns="" id="{0FDAD747-108F-4A6D-9220-5EA05067FF1E}"/>
+                <a16:creationId xmlns="" xmlns:a16="http://schemas.microsoft.com/office/drawing/2014/main" id="{0FDAD747-108F-4A6D-9220-5EA05067FF1E}"/>
               </a:ext>
             </a:extLst>
           </p:cNvPr>
@@ -14272,7 +15101,7 @@
           <p:cNvPr id="7" name="矩形 13" descr="紫色网格">
             <a:extLst>
               <a:ext uri="{FF2B5EF4-FFF2-40B4-BE49-F238E27FC236}">
-                <a16:creationId xmlns:a16="http://schemas.microsoft.com/office/drawing/2014/main" xmlns="" id="{44AEA09D-FD0A-4CA0-883D-93E5EAF762D6}"/>
+                <a16:creationId xmlns="" xmlns:a16="http://schemas.microsoft.com/office/drawing/2014/main" id="{44AEA09D-FD0A-4CA0-883D-93E5EAF762D6}"/>
               </a:ext>
             </a:extLst>
           </p:cNvPr>
@@ -14582,7 +15411,7 @@
           <p:cNvPr id="12" name="矩形 11">
             <a:extLst>
               <a:ext uri="{FF2B5EF4-FFF2-40B4-BE49-F238E27FC236}">
-                <a16:creationId xmlns:a16="http://schemas.microsoft.com/office/drawing/2014/main" xmlns="" id="{0FDAD747-108F-4A6D-9220-5EA05067FF1E}"/>
+                <a16:creationId xmlns="" xmlns:a16="http://schemas.microsoft.com/office/drawing/2014/main" id="{0FDAD747-108F-4A6D-9220-5EA05067FF1E}"/>
               </a:ext>
             </a:extLst>
           </p:cNvPr>
@@ -14639,7 +15468,7 @@
           <p:cNvPr id="4" name="矩形 3">
             <a:extLst>
               <a:ext uri="{FF2B5EF4-FFF2-40B4-BE49-F238E27FC236}">
-                <a16:creationId xmlns:a16="http://schemas.microsoft.com/office/drawing/2014/main" xmlns="" id="{0FDAD747-108F-4A6D-9220-5EA05067FF1E}"/>
+                <a16:creationId xmlns="" xmlns:a16="http://schemas.microsoft.com/office/drawing/2014/main" id="{0FDAD747-108F-4A6D-9220-5EA05067FF1E}"/>
               </a:ext>
             </a:extLst>
           </p:cNvPr>
@@ -15016,7 +15845,7 @@
           <p:cNvPr id="12" name="矩形 11">
             <a:extLst>
               <a:ext uri="{FF2B5EF4-FFF2-40B4-BE49-F238E27FC236}">
-                <a16:creationId xmlns:a16="http://schemas.microsoft.com/office/drawing/2014/main" xmlns="" id="{0FDAD747-108F-4A6D-9220-5EA05067FF1E}"/>
+                <a16:creationId xmlns="" xmlns:a16="http://schemas.microsoft.com/office/drawing/2014/main" id="{0FDAD747-108F-4A6D-9220-5EA05067FF1E}"/>
               </a:ext>
             </a:extLst>
           </p:cNvPr>
@@ -15063,7 +15892,7 @@
           <p:cNvPr id="4" name="矩形 3">
             <a:extLst>
               <a:ext uri="{FF2B5EF4-FFF2-40B4-BE49-F238E27FC236}">
-                <a16:creationId xmlns:a16="http://schemas.microsoft.com/office/drawing/2014/main" xmlns="" id="{0FDAD747-108F-4A6D-9220-5EA05067FF1E}"/>
+                <a16:creationId xmlns="" xmlns:a16="http://schemas.microsoft.com/office/drawing/2014/main" id="{0FDAD747-108F-4A6D-9220-5EA05067FF1E}"/>
               </a:ext>
             </a:extLst>
           </p:cNvPr>
@@ -15392,7 +16221,7 @@
           <p:cNvPr id="12" name="矩形 11">
             <a:extLst>
               <a:ext uri="{FF2B5EF4-FFF2-40B4-BE49-F238E27FC236}">
-                <a16:creationId xmlns:a16="http://schemas.microsoft.com/office/drawing/2014/main" xmlns="" id="{0FDAD747-108F-4A6D-9220-5EA05067FF1E}"/>
+                <a16:creationId xmlns="" xmlns:a16="http://schemas.microsoft.com/office/drawing/2014/main" id="{0FDAD747-108F-4A6D-9220-5EA05067FF1E}"/>
               </a:ext>
             </a:extLst>
           </p:cNvPr>
@@ -15452,7 +16281,7 @@
           <p:cNvPr id="4" name="矩形 3">
             <a:extLst>
               <a:ext uri="{FF2B5EF4-FFF2-40B4-BE49-F238E27FC236}">
-                <a16:creationId xmlns:a16="http://schemas.microsoft.com/office/drawing/2014/main" xmlns="" id="{0FDAD747-108F-4A6D-9220-5EA05067FF1E}"/>
+                <a16:creationId xmlns="" xmlns:a16="http://schemas.microsoft.com/office/drawing/2014/main" id="{0FDAD747-108F-4A6D-9220-5EA05067FF1E}"/>
               </a:ext>
             </a:extLst>
           </p:cNvPr>
@@ -15971,7 +16800,7 @@
           <p:cNvPr id="12" name="矩形 11">
             <a:extLst>
               <a:ext uri="{FF2B5EF4-FFF2-40B4-BE49-F238E27FC236}">
-                <a16:creationId xmlns:a16="http://schemas.microsoft.com/office/drawing/2014/main" xmlns="" id="{0FDAD747-108F-4A6D-9220-5EA05067FF1E}"/>
+                <a16:creationId xmlns="" xmlns:a16="http://schemas.microsoft.com/office/drawing/2014/main" id="{0FDAD747-108F-4A6D-9220-5EA05067FF1E}"/>
               </a:ext>
             </a:extLst>
           </p:cNvPr>
@@ -16038,7 +16867,7 @@
           <p:cNvPr id="4" name="矩形 3">
             <a:extLst>
               <a:ext uri="{FF2B5EF4-FFF2-40B4-BE49-F238E27FC236}">
-                <a16:creationId xmlns:a16="http://schemas.microsoft.com/office/drawing/2014/main" xmlns="" id="{0FDAD747-108F-4A6D-9220-5EA05067FF1E}"/>
+                <a16:creationId xmlns="" xmlns:a16="http://schemas.microsoft.com/office/drawing/2014/main" id="{0FDAD747-108F-4A6D-9220-5EA05067FF1E}"/>
               </a:ext>
             </a:extLst>
           </p:cNvPr>
@@ -16368,7 +17197,7 @@
           <p:cNvPr id="12" name="矩形 11">
             <a:extLst>
               <a:ext uri="{FF2B5EF4-FFF2-40B4-BE49-F238E27FC236}">
-                <a16:creationId xmlns:a16="http://schemas.microsoft.com/office/drawing/2014/main" xmlns="" id="{0FDAD747-108F-4A6D-9220-5EA05067FF1E}"/>
+                <a16:creationId xmlns="" xmlns:a16="http://schemas.microsoft.com/office/drawing/2014/main" id="{0FDAD747-108F-4A6D-9220-5EA05067FF1E}"/>
               </a:ext>
             </a:extLst>
           </p:cNvPr>
@@ -16415,7 +17244,7 @@
           <p:cNvPr id="4" name="矩形 3">
             <a:extLst>
               <a:ext uri="{FF2B5EF4-FFF2-40B4-BE49-F238E27FC236}">
-                <a16:creationId xmlns:a16="http://schemas.microsoft.com/office/drawing/2014/main" xmlns="" id="{0FDAD747-108F-4A6D-9220-5EA05067FF1E}"/>
+                <a16:creationId xmlns="" xmlns:a16="http://schemas.microsoft.com/office/drawing/2014/main" id="{0FDAD747-108F-4A6D-9220-5EA05067FF1E}"/>
               </a:ext>
             </a:extLst>
           </p:cNvPr>
@@ -16518,7 +17347,7 @@
           <p:cNvPr id="12" name="矩形 11">
             <a:extLst>
               <a:ext uri="{FF2B5EF4-FFF2-40B4-BE49-F238E27FC236}">
-                <a16:creationId xmlns:a16="http://schemas.microsoft.com/office/drawing/2014/main" xmlns="" id="{0FDAD747-108F-4A6D-9220-5EA05067FF1E}"/>
+                <a16:creationId xmlns="" xmlns:a16="http://schemas.microsoft.com/office/drawing/2014/main" id="{0FDAD747-108F-4A6D-9220-5EA05067FF1E}"/>
               </a:ext>
             </a:extLst>
           </p:cNvPr>
@@ -16626,7 +17455,7 @@
           <p:cNvPr id="12" name="矩形 11">
             <a:extLst>
               <a:ext uri="{FF2B5EF4-FFF2-40B4-BE49-F238E27FC236}">
-                <a16:creationId xmlns:a16="http://schemas.microsoft.com/office/drawing/2014/main" xmlns="" id="{0FDAD747-108F-4A6D-9220-5EA05067FF1E}"/>
+                <a16:creationId xmlns="" xmlns:a16="http://schemas.microsoft.com/office/drawing/2014/main" id="{0FDAD747-108F-4A6D-9220-5EA05067FF1E}"/>
               </a:ext>
             </a:extLst>
           </p:cNvPr>
@@ -16673,7 +17502,7 @@
           <p:cNvPr id="4" name="矩形 3">
             <a:extLst>
               <a:ext uri="{FF2B5EF4-FFF2-40B4-BE49-F238E27FC236}">
-                <a16:creationId xmlns:a16="http://schemas.microsoft.com/office/drawing/2014/main" xmlns="" id="{0FDAD747-108F-4A6D-9220-5EA05067FF1E}"/>
+                <a16:creationId xmlns="" xmlns:a16="http://schemas.microsoft.com/office/drawing/2014/main" id="{0FDAD747-108F-4A6D-9220-5EA05067FF1E}"/>
               </a:ext>
             </a:extLst>
           </p:cNvPr>
@@ -16817,7 +17646,7 @@
           <p:cNvPr id="5" name="矩形 13" descr="紫色网格">
             <a:extLst>
               <a:ext uri="{FF2B5EF4-FFF2-40B4-BE49-F238E27FC236}">
-                <a16:creationId xmlns:a16="http://schemas.microsoft.com/office/drawing/2014/main" xmlns="" id="{44AEA09D-FD0A-4CA0-883D-93E5EAF762D6}"/>
+                <a16:creationId xmlns="" xmlns:a16="http://schemas.microsoft.com/office/drawing/2014/main" id="{44AEA09D-FD0A-4CA0-883D-93E5EAF762D6}"/>
               </a:ext>
             </a:extLst>
           </p:cNvPr>
@@ -17137,7 +17966,7 @@
           <p:cNvPr id="52" name="矩形 51">
             <a:extLst>
               <a:ext uri="{FF2B5EF4-FFF2-40B4-BE49-F238E27FC236}">
-                <a16:creationId xmlns:a16="http://schemas.microsoft.com/office/drawing/2014/main" xmlns="" id="{C2B44424-4CFE-4BA2-9FCF-F0A911E8A749}"/>
+                <a16:creationId xmlns="" xmlns:a16="http://schemas.microsoft.com/office/drawing/2014/main" id="{C2B44424-4CFE-4BA2-9FCF-F0A911E8A749}"/>
               </a:ext>
             </a:extLst>
           </p:cNvPr>
@@ -17291,7 +18120,7 @@
           <p:cNvPr id="55" name="直接箭头连接符 54">
             <a:extLst>
               <a:ext uri="{FF2B5EF4-FFF2-40B4-BE49-F238E27FC236}">
-                <a16:creationId xmlns:a16="http://schemas.microsoft.com/office/drawing/2014/main" xmlns="" id="{EDD84E7C-3200-40E5-A3C0-E57D7F9E754E}"/>
+                <a16:creationId xmlns="" xmlns:a16="http://schemas.microsoft.com/office/drawing/2014/main" id="{EDD84E7C-3200-40E5-A3C0-E57D7F9E754E}"/>
               </a:ext>
             </a:extLst>
           </p:cNvPr>
@@ -17324,7 +18153,7 @@
           <p:cNvPr id="59" name="矩形 58">
             <a:extLst>
               <a:ext uri="{FF2B5EF4-FFF2-40B4-BE49-F238E27FC236}">
-                <a16:creationId xmlns:a16="http://schemas.microsoft.com/office/drawing/2014/main" xmlns="" id="{0FDAD747-108F-4A6D-9220-5EA05067FF1E}"/>
+                <a16:creationId xmlns="" xmlns:a16="http://schemas.microsoft.com/office/drawing/2014/main" id="{0FDAD747-108F-4A6D-9220-5EA05067FF1E}"/>
               </a:ext>
             </a:extLst>
           </p:cNvPr>
@@ -17391,7 +18220,7 @@
           <p:cNvPr id="63" name="直接箭头连接符 62">
             <a:extLst>
               <a:ext uri="{FF2B5EF4-FFF2-40B4-BE49-F238E27FC236}">
-                <a16:creationId xmlns:a16="http://schemas.microsoft.com/office/drawing/2014/main" xmlns="" id="{5A7FC920-9D22-4290-B80F-F4BDC1DE109A}"/>
+                <a16:creationId xmlns="" xmlns:a16="http://schemas.microsoft.com/office/drawing/2014/main" id="{5A7FC920-9D22-4290-B80F-F4BDC1DE109A}"/>
               </a:ext>
             </a:extLst>
           </p:cNvPr>
@@ -17424,7 +18253,7 @@
           <p:cNvPr id="64" name="矩形 63">
             <a:extLst>
               <a:ext uri="{FF2B5EF4-FFF2-40B4-BE49-F238E27FC236}">
-                <a16:creationId xmlns:a16="http://schemas.microsoft.com/office/drawing/2014/main" xmlns="" id="{45B27A13-37E3-4777-9299-E75CAF1F6F9A}"/>
+                <a16:creationId xmlns="" xmlns:a16="http://schemas.microsoft.com/office/drawing/2014/main" id="{45B27A13-37E3-4777-9299-E75CAF1F6F9A}"/>
               </a:ext>
             </a:extLst>
           </p:cNvPr>
@@ -17472,7 +18301,7 @@
           <p:cNvPr id="65" name="图片 64">
             <a:extLst>
               <a:ext uri="{FF2B5EF4-FFF2-40B4-BE49-F238E27FC236}">
-                <a16:creationId xmlns:a16="http://schemas.microsoft.com/office/drawing/2014/main" xmlns="" id="{36569B5B-566F-4C60-9D63-318931B70CA2}"/>
+                <a16:creationId xmlns="" xmlns:a16="http://schemas.microsoft.com/office/drawing/2014/main" id="{36569B5B-566F-4C60-9D63-318931B70CA2}"/>
               </a:ext>
             </a:extLst>
           </p:cNvPr>
@@ -17508,7 +18337,7 @@
           <p:cNvPr id="66" name="矩形 65">
             <a:extLst>
               <a:ext uri="{FF2B5EF4-FFF2-40B4-BE49-F238E27FC236}">
-                <a16:creationId xmlns:a16="http://schemas.microsoft.com/office/drawing/2014/main" xmlns="" id="{2A55BA5B-CE30-435B-95FB-B00B8161E590}"/>
+                <a16:creationId xmlns="" xmlns:a16="http://schemas.microsoft.com/office/drawing/2014/main" id="{2A55BA5B-CE30-435B-95FB-B00B8161E590}"/>
               </a:ext>
             </a:extLst>
           </p:cNvPr>
@@ -17576,7 +18405,7 @@
           <p:cNvPr id="67" name="矩形 66">
             <a:extLst>
               <a:ext uri="{FF2B5EF4-FFF2-40B4-BE49-F238E27FC236}">
-                <a16:creationId xmlns:a16="http://schemas.microsoft.com/office/drawing/2014/main" xmlns="" id="{C2B44424-4CFE-4BA2-9FCF-F0A911E8A749}"/>
+                <a16:creationId xmlns="" xmlns:a16="http://schemas.microsoft.com/office/drawing/2014/main" id="{C2B44424-4CFE-4BA2-9FCF-F0A911E8A749}"/>
               </a:ext>
             </a:extLst>
           </p:cNvPr>
@@ -17654,7 +18483,7 @@
           <p:cNvPr id="73" name="矩形 72">
             <a:extLst>
               <a:ext uri="{FF2B5EF4-FFF2-40B4-BE49-F238E27FC236}">
-                <a16:creationId xmlns:a16="http://schemas.microsoft.com/office/drawing/2014/main" xmlns="" id="{0FDAD747-108F-4A6D-9220-5EA05067FF1E}"/>
+                <a16:creationId xmlns="" xmlns:a16="http://schemas.microsoft.com/office/drawing/2014/main" id="{0FDAD747-108F-4A6D-9220-5EA05067FF1E}"/>
               </a:ext>
             </a:extLst>
           </p:cNvPr>
@@ -17701,7 +18530,7 @@
           <p:cNvPr id="15" name="图片 14">
             <a:extLst>
               <a:ext uri="{FF2B5EF4-FFF2-40B4-BE49-F238E27FC236}">
-                <a16:creationId xmlns:a16="http://schemas.microsoft.com/office/drawing/2014/main" xmlns="" id="{36569B5B-566F-4C60-9D63-318931B70CA2}"/>
+                <a16:creationId xmlns="" xmlns:a16="http://schemas.microsoft.com/office/drawing/2014/main" id="{36569B5B-566F-4C60-9D63-318931B70CA2}"/>
               </a:ext>
             </a:extLst>
           </p:cNvPr>
@@ -17744,7 +18573,7 @@
           <p:cNvPr id="16" name="矩形 13" descr="紫色网格">
             <a:extLst>
               <a:ext uri="{FF2B5EF4-FFF2-40B4-BE49-F238E27FC236}">
-                <a16:creationId xmlns:a16="http://schemas.microsoft.com/office/drawing/2014/main" xmlns="" id="{44AEA09D-FD0A-4CA0-883D-93E5EAF762D6}"/>
+                <a16:creationId xmlns="" xmlns:a16="http://schemas.microsoft.com/office/drawing/2014/main" id="{44AEA09D-FD0A-4CA0-883D-93E5EAF762D6}"/>
               </a:ext>
             </a:extLst>
           </p:cNvPr>
@@ -18150,7 +18979,7 @@
           <p:cNvPr id="12" name="矩形 11">
             <a:extLst>
               <a:ext uri="{FF2B5EF4-FFF2-40B4-BE49-F238E27FC236}">
-                <a16:creationId xmlns:a16="http://schemas.microsoft.com/office/drawing/2014/main" xmlns="" id="{0FDAD747-108F-4A6D-9220-5EA05067FF1E}"/>
+                <a16:creationId xmlns="" xmlns:a16="http://schemas.microsoft.com/office/drawing/2014/main" id="{0FDAD747-108F-4A6D-9220-5EA05067FF1E}"/>
               </a:ext>
             </a:extLst>
           </p:cNvPr>
@@ -18197,7 +19026,7 @@
           <p:cNvPr id="4" name="矩形 3">
             <a:extLst>
               <a:ext uri="{FF2B5EF4-FFF2-40B4-BE49-F238E27FC236}">
-                <a16:creationId xmlns:a16="http://schemas.microsoft.com/office/drawing/2014/main" xmlns="" id="{0FDAD747-108F-4A6D-9220-5EA05067FF1E}"/>
+                <a16:creationId xmlns="" xmlns:a16="http://schemas.microsoft.com/office/drawing/2014/main" id="{0FDAD747-108F-4A6D-9220-5EA05067FF1E}"/>
               </a:ext>
             </a:extLst>
           </p:cNvPr>
@@ -18396,7 +19225,7 @@
           <p:cNvPr id="5" name="矩形 4">
             <a:extLst>
               <a:ext uri="{FF2B5EF4-FFF2-40B4-BE49-F238E27FC236}">
-                <a16:creationId xmlns:a16="http://schemas.microsoft.com/office/drawing/2014/main" xmlns="" id="{AB1DF3D9-EC08-40CA-853D-48B16F99EE56}"/>
+                <a16:creationId xmlns="" xmlns:a16="http://schemas.microsoft.com/office/drawing/2014/main" id="{AB1DF3D9-EC08-40CA-853D-48B16F99EE56}"/>
               </a:ext>
             </a:extLst>
           </p:cNvPr>
@@ -18511,7 +19340,7 @@
           <p:cNvPr id="12" name="矩形 11">
             <a:extLst>
               <a:ext uri="{FF2B5EF4-FFF2-40B4-BE49-F238E27FC236}">
-                <a16:creationId xmlns:a16="http://schemas.microsoft.com/office/drawing/2014/main" xmlns="" id="{0FDAD747-108F-4A6D-9220-5EA05067FF1E}"/>
+                <a16:creationId xmlns="" xmlns:a16="http://schemas.microsoft.com/office/drawing/2014/main" id="{0FDAD747-108F-4A6D-9220-5EA05067FF1E}"/>
               </a:ext>
             </a:extLst>
           </p:cNvPr>
@@ -18558,7 +19387,7 @@
           <p:cNvPr id="6" name="矩形 5">
             <a:extLst>
               <a:ext uri="{FF2B5EF4-FFF2-40B4-BE49-F238E27FC236}">
-                <a16:creationId xmlns:a16="http://schemas.microsoft.com/office/drawing/2014/main" xmlns="" id="{0FDAD747-108F-4A6D-9220-5EA05067FF1E}"/>
+                <a16:creationId xmlns="" xmlns:a16="http://schemas.microsoft.com/office/drawing/2014/main" id="{0FDAD747-108F-4A6D-9220-5EA05067FF1E}"/>
               </a:ext>
             </a:extLst>
           </p:cNvPr>
@@ -18734,7 +19563,7 @@
           <p:cNvPr id="12" name="矩形 11">
             <a:extLst>
               <a:ext uri="{FF2B5EF4-FFF2-40B4-BE49-F238E27FC236}">
-                <a16:creationId xmlns:a16="http://schemas.microsoft.com/office/drawing/2014/main" xmlns="" id="{0FDAD747-108F-4A6D-9220-5EA05067FF1E}"/>
+                <a16:creationId xmlns="" xmlns:a16="http://schemas.microsoft.com/office/drawing/2014/main" id="{0FDAD747-108F-4A6D-9220-5EA05067FF1E}"/>
               </a:ext>
             </a:extLst>
           </p:cNvPr>
@@ -18783,7 +19612,7 @@
               <p:cNvPr id="4" name="矩形 3">
                 <a:extLst>
                   <a:ext uri="{FF2B5EF4-FFF2-40B4-BE49-F238E27FC236}">
-                    <a16:creationId xmlns:a16="http://schemas.microsoft.com/office/drawing/2014/main" xmlns="" id="{0FDAD747-108F-4A6D-9220-5EA05067FF1E}"/>
+                    <a16:creationId xmlns="" xmlns:a16="http://schemas.microsoft.com/office/drawing/2014/main" id="{0FDAD747-108F-4A6D-9220-5EA05067FF1E}"/>
                   </a:ext>
                 </a:extLst>
               </p:cNvPr>
@@ -19132,7 +19961,7 @@
           <p:cNvPr id="6" name="矩形 5">
             <a:extLst>
               <a:ext uri="{FF2B5EF4-FFF2-40B4-BE49-F238E27FC236}">
-                <a16:creationId xmlns:a16="http://schemas.microsoft.com/office/drawing/2014/main" xmlns="" id="{AB1DF3D9-EC08-40CA-853D-48B16F99EE56}"/>
+                <a16:creationId xmlns="" xmlns:a16="http://schemas.microsoft.com/office/drawing/2014/main" id="{AB1DF3D9-EC08-40CA-853D-48B16F99EE56}"/>
               </a:ext>
             </a:extLst>
           </p:cNvPr>
@@ -19224,7 +20053,7 @@
           <p:cNvPr id="12" name="矩形 11">
             <a:extLst>
               <a:ext uri="{FF2B5EF4-FFF2-40B4-BE49-F238E27FC236}">
-                <a16:creationId xmlns:a16="http://schemas.microsoft.com/office/drawing/2014/main" xmlns="" id="{0FDAD747-108F-4A6D-9220-5EA05067FF1E}"/>
+                <a16:creationId xmlns="" xmlns:a16="http://schemas.microsoft.com/office/drawing/2014/main" id="{0FDAD747-108F-4A6D-9220-5EA05067FF1E}"/>
               </a:ext>
             </a:extLst>
           </p:cNvPr>
@@ -19273,7 +20102,7 @@
               <p:cNvPr id="4" name="矩形 3">
                 <a:extLst>
                   <a:ext uri="{FF2B5EF4-FFF2-40B4-BE49-F238E27FC236}">
-                    <a16:creationId xmlns:a16="http://schemas.microsoft.com/office/drawing/2014/main" xmlns="" id="{0FDAD747-108F-4A6D-9220-5EA05067FF1E}"/>
+                    <a16:creationId xmlns="" xmlns:a16="http://schemas.microsoft.com/office/drawing/2014/main" id="{0FDAD747-108F-4A6D-9220-5EA05067FF1E}"/>
                   </a:ext>
                 </a:extLst>
               </p:cNvPr>
@@ -19598,7 +20427,7 @@
           <p:cNvPr id="6" name="矩形 5">
             <a:extLst>
               <a:ext uri="{FF2B5EF4-FFF2-40B4-BE49-F238E27FC236}">
-                <a16:creationId xmlns:a16="http://schemas.microsoft.com/office/drawing/2014/main" xmlns="" id="{AB1DF3D9-EC08-40CA-853D-48B16F99EE56}"/>
+                <a16:creationId xmlns="" xmlns:a16="http://schemas.microsoft.com/office/drawing/2014/main" id="{AB1DF3D9-EC08-40CA-853D-48B16F99EE56}"/>
               </a:ext>
             </a:extLst>
           </p:cNvPr>
@@ -19714,7 +20543,7 @@
           <p:cNvPr id="12" name="矩形 11">
             <a:extLst>
               <a:ext uri="{FF2B5EF4-FFF2-40B4-BE49-F238E27FC236}">
-                <a16:creationId xmlns:a16="http://schemas.microsoft.com/office/drawing/2014/main" xmlns="" id="{0FDAD747-108F-4A6D-9220-5EA05067FF1E}"/>
+                <a16:creationId xmlns="" xmlns:a16="http://schemas.microsoft.com/office/drawing/2014/main" id="{0FDAD747-108F-4A6D-9220-5EA05067FF1E}"/>
               </a:ext>
             </a:extLst>
           </p:cNvPr>
@@ -19761,7 +20590,7 @@
           <p:cNvPr id="4" name="矩形 3">
             <a:extLst>
               <a:ext uri="{FF2B5EF4-FFF2-40B4-BE49-F238E27FC236}">
-                <a16:creationId xmlns:a16="http://schemas.microsoft.com/office/drawing/2014/main" xmlns="" id="{0FDAD747-108F-4A6D-9220-5EA05067FF1E}"/>
+                <a16:creationId xmlns="" xmlns:a16="http://schemas.microsoft.com/office/drawing/2014/main" id="{0FDAD747-108F-4A6D-9220-5EA05067FF1E}"/>
               </a:ext>
             </a:extLst>
           </p:cNvPr>
@@ -19915,7 +20744,7 @@
           <p:cNvPr id="8" name="矩形 7">
             <a:extLst>
               <a:ext uri="{FF2B5EF4-FFF2-40B4-BE49-F238E27FC236}">
-                <a16:creationId xmlns:a16="http://schemas.microsoft.com/office/drawing/2014/main" xmlns="" id="{AB1DF3D9-EC08-40CA-853D-48B16F99EE56}"/>
+                <a16:creationId xmlns="" xmlns:a16="http://schemas.microsoft.com/office/drawing/2014/main" id="{AB1DF3D9-EC08-40CA-853D-48B16F99EE56}"/>
               </a:ext>
             </a:extLst>
           </p:cNvPr>
@@ -20055,7 +20884,7 @@
           <p:cNvPr id="12" name="矩形 11">
             <a:extLst>
               <a:ext uri="{FF2B5EF4-FFF2-40B4-BE49-F238E27FC236}">
-                <a16:creationId xmlns:a16="http://schemas.microsoft.com/office/drawing/2014/main" xmlns="" id="{0FDAD747-108F-4A6D-9220-5EA05067FF1E}"/>
+                <a16:creationId xmlns="" xmlns:a16="http://schemas.microsoft.com/office/drawing/2014/main" id="{0FDAD747-108F-4A6D-9220-5EA05067FF1E}"/>
               </a:ext>
             </a:extLst>
           </p:cNvPr>
@@ -20102,7 +20931,7 @@
           <p:cNvPr id="4" name="矩形 3">
             <a:extLst>
               <a:ext uri="{FF2B5EF4-FFF2-40B4-BE49-F238E27FC236}">
-                <a16:creationId xmlns:a16="http://schemas.microsoft.com/office/drawing/2014/main" xmlns="" id="{0FDAD747-108F-4A6D-9220-5EA05067FF1E}"/>
+                <a16:creationId xmlns="" xmlns:a16="http://schemas.microsoft.com/office/drawing/2014/main" id="{0FDAD747-108F-4A6D-9220-5EA05067FF1E}"/>
               </a:ext>
             </a:extLst>
           </p:cNvPr>
@@ -20227,7 +21056,7 @@
           <p:cNvPr id="6" name="矩形 5">
             <a:extLst>
               <a:ext uri="{FF2B5EF4-FFF2-40B4-BE49-F238E27FC236}">
-                <a16:creationId xmlns:a16="http://schemas.microsoft.com/office/drawing/2014/main" xmlns="" id="{AB1DF3D9-EC08-40CA-853D-48B16F99EE56}"/>
+                <a16:creationId xmlns="" xmlns:a16="http://schemas.microsoft.com/office/drawing/2014/main" id="{AB1DF3D9-EC08-40CA-853D-48B16F99EE56}"/>
               </a:ext>
             </a:extLst>
           </p:cNvPr>
@@ -20366,7 +21195,7 @@
           <p:cNvPr id="12" name="矩形 11">
             <a:extLst>
               <a:ext uri="{FF2B5EF4-FFF2-40B4-BE49-F238E27FC236}">
-                <a16:creationId xmlns:a16="http://schemas.microsoft.com/office/drawing/2014/main" xmlns="" id="{0FDAD747-108F-4A6D-9220-5EA05067FF1E}"/>
+                <a16:creationId xmlns="" xmlns:a16="http://schemas.microsoft.com/office/drawing/2014/main" id="{0FDAD747-108F-4A6D-9220-5EA05067FF1E}"/>
               </a:ext>
             </a:extLst>
           </p:cNvPr>
@@ -20413,7 +21242,7 @@
           <p:cNvPr id="4" name="矩形 3">
             <a:extLst>
               <a:ext uri="{FF2B5EF4-FFF2-40B4-BE49-F238E27FC236}">
-                <a16:creationId xmlns:a16="http://schemas.microsoft.com/office/drawing/2014/main" xmlns="" id="{0FDAD747-108F-4A6D-9220-5EA05067FF1E}"/>
+                <a16:creationId xmlns="" xmlns:a16="http://schemas.microsoft.com/office/drawing/2014/main" id="{0FDAD747-108F-4A6D-9220-5EA05067FF1E}"/>
               </a:ext>
             </a:extLst>
           </p:cNvPr>
@@ -20581,7 +21410,7 @@
           <p:cNvPr id="6" name="矩形 5">
             <a:extLst>
               <a:ext uri="{FF2B5EF4-FFF2-40B4-BE49-F238E27FC236}">
-                <a16:creationId xmlns:a16="http://schemas.microsoft.com/office/drawing/2014/main" xmlns="" id="{AB1DF3D9-EC08-40CA-853D-48B16F99EE56}"/>
+                <a16:creationId xmlns="" xmlns:a16="http://schemas.microsoft.com/office/drawing/2014/main" id="{AB1DF3D9-EC08-40CA-853D-48B16F99EE56}"/>
               </a:ext>
             </a:extLst>
           </p:cNvPr>
@@ -20721,7 +21550,7 @@
           <p:cNvPr id="12" name="矩形 11">
             <a:extLst>
               <a:ext uri="{FF2B5EF4-FFF2-40B4-BE49-F238E27FC236}">
-                <a16:creationId xmlns:a16="http://schemas.microsoft.com/office/drawing/2014/main" xmlns="" id="{0FDAD747-108F-4A6D-9220-5EA05067FF1E}"/>
+                <a16:creationId xmlns="" xmlns:a16="http://schemas.microsoft.com/office/drawing/2014/main" id="{0FDAD747-108F-4A6D-9220-5EA05067FF1E}"/>
               </a:ext>
             </a:extLst>
           </p:cNvPr>
@@ -20768,7 +21597,7 @@
           <p:cNvPr id="6" name="矩形 5">
             <a:extLst>
               <a:ext uri="{FF2B5EF4-FFF2-40B4-BE49-F238E27FC236}">
-                <a16:creationId xmlns:a16="http://schemas.microsoft.com/office/drawing/2014/main" xmlns="" id="{AB1DF3D9-EC08-40CA-853D-48B16F99EE56}"/>
+                <a16:creationId xmlns="" xmlns:a16="http://schemas.microsoft.com/office/drawing/2014/main" id="{AB1DF3D9-EC08-40CA-853D-48B16F99EE56}"/>
               </a:ext>
             </a:extLst>
           </p:cNvPr>
@@ -20908,7 +21737,7 @@
           <p:cNvPr id="12" name="矩形 11">
             <a:extLst>
               <a:ext uri="{FF2B5EF4-FFF2-40B4-BE49-F238E27FC236}">
-                <a16:creationId xmlns:a16="http://schemas.microsoft.com/office/drawing/2014/main" xmlns="" id="{0FDAD747-108F-4A6D-9220-5EA05067FF1E}"/>
+                <a16:creationId xmlns="" xmlns:a16="http://schemas.microsoft.com/office/drawing/2014/main" id="{0FDAD747-108F-4A6D-9220-5EA05067FF1E}"/>
               </a:ext>
             </a:extLst>
           </p:cNvPr>
@@ -20955,7 +21784,7 @@
           <p:cNvPr id="4" name="矩形 3">
             <a:extLst>
               <a:ext uri="{FF2B5EF4-FFF2-40B4-BE49-F238E27FC236}">
-                <a16:creationId xmlns:a16="http://schemas.microsoft.com/office/drawing/2014/main" xmlns="" id="{0FDAD747-108F-4A6D-9220-5EA05067FF1E}"/>
+                <a16:creationId xmlns="" xmlns:a16="http://schemas.microsoft.com/office/drawing/2014/main" id="{0FDAD747-108F-4A6D-9220-5EA05067FF1E}"/>
               </a:ext>
             </a:extLst>
           </p:cNvPr>
@@ -21435,7 +22264,7 @@
           <p:cNvPr id="6" name="矩形 5">
             <a:extLst>
               <a:ext uri="{FF2B5EF4-FFF2-40B4-BE49-F238E27FC236}">
-                <a16:creationId xmlns:a16="http://schemas.microsoft.com/office/drawing/2014/main" xmlns="" id="{AB1DF3D9-EC08-40CA-853D-48B16F99EE56}"/>
+                <a16:creationId xmlns="" xmlns:a16="http://schemas.microsoft.com/office/drawing/2014/main" id="{AB1DF3D9-EC08-40CA-853D-48B16F99EE56}"/>
               </a:ext>
             </a:extLst>
           </p:cNvPr>
@@ -21527,7 +22356,7 @@
           <p:cNvPr id="12" name="矩形 11">
             <a:extLst>
               <a:ext uri="{FF2B5EF4-FFF2-40B4-BE49-F238E27FC236}">
-                <a16:creationId xmlns:a16="http://schemas.microsoft.com/office/drawing/2014/main" xmlns="" id="{0FDAD747-108F-4A6D-9220-5EA05067FF1E}"/>
+                <a16:creationId xmlns="" xmlns:a16="http://schemas.microsoft.com/office/drawing/2014/main" id="{0FDAD747-108F-4A6D-9220-5EA05067FF1E}"/>
               </a:ext>
             </a:extLst>
           </p:cNvPr>
@@ -21606,7 +22435,7 @@
           <p:cNvPr id="14" name="矩形 13">
             <a:extLst>
               <a:ext uri="{FF2B5EF4-FFF2-40B4-BE49-F238E27FC236}">
-                <a16:creationId xmlns:a16="http://schemas.microsoft.com/office/drawing/2014/main" xmlns="" id="{C2B44424-4CFE-4BA2-9FCF-F0A911E8A749}"/>
+                <a16:creationId xmlns="" xmlns:a16="http://schemas.microsoft.com/office/drawing/2014/main" id="{C2B44424-4CFE-4BA2-9FCF-F0A911E8A749}"/>
               </a:ext>
             </a:extLst>
           </p:cNvPr>
@@ -21760,7 +22589,7 @@
           <p:cNvPr id="16" name="直接箭头连接符 15">
             <a:extLst>
               <a:ext uri="{FF2B5EF4-FFF2-40B4-BE49-F238E27FC236}">
-                <a16:creationId xmlns:a16="http://schemas.microsoft.com/office/drawing/2014/main" xmlns="" id="{EDD84E7C-3200-40E5-A3C0-E57D7F9E754E}"/>
+                <a16:creationId xmlns="" xmlns:a16="http://schemas.microsoft.com/office/drawing/2014/main" id="{EDD84E7C-3200-40E5-A3C0-E57D7F9E754E}"/>
               </a:ext>
             </a:extLst>
           </p:cNvPr>
@@ -21793,7 +22622,7 @@
           <p:cNvPr id="17" name="矩形 16">
             <a:extLst>
               <a:ext uri="{FF2B5EF4-FFF2-40B4-BE49-F238E27FC236}">
-                <a16:creationId xmlns:a16="http://schemas.microsoft.com/office/drawing/2014/main" xmlns="" id="{0FDAD747-108F-4A6D-9220-5EA05067FF1E}"/>
+                <a16:creationId xmlns="" xmlns:a16="http://schemas.microsoft.com/office/drawing/2014/main" id="{0FDAD747-108F-4A6D-9220-5EA05067FF1E}"/>
               </a:ext>
             </a:extLst>
           </p:cNvPr>
@@ -21840,7 +22669,7 @@
           <p:cNvPr id="18" name="矩形 17">
             <a:extLst>
               <a:ext uri="{FF2B5EF4-FFF2-40B4-BE49-F238E27FC236}">
-                <a16:creationId xmlns:a16="http://schemas.microsoft.com/office/drawing/2014/main" xmlns="" id="{5CEC9FB1-9CBF-4B7B-A321-DF404030F08B}"/>
+                <a16:creationId xmlns="" xmlns:a16="http://schemas.microsoft.com/office/drawing/2014/main" id="{5CEC9FB1-9CBF-4B7B-A321-DF404030F08B}"/>
               </a:ext>
             </a:extLst>
           </p:cNvPr>
@@ -21926,7 +22755,7 @@
           <p:cNvPr id="19" name="直接箭头连接符 18">
             <a:extLst>
               <a:ext uri="{FF2B5EF4-FFF2-40B4-BE49-F238E27FC236}">
-                <a16:creationId xmlns:a16="http://schemas.microsoft.com/office/drawing/2014/main" xmlns="" id="{5A7FC920-9D22-4290-B80F-F4BDC1DE109A}"/>
+                <a16:creationId xmlns="" xmlns:a16="http://schemas.microsoft.com/office/drawing/2014/main" id="{5A7FC920-9D22-4290-B80F-F4BDC1DE109A}"/>
               </a:ext>
             </a:extLst>
           </p:cNvPr>
@@ -21959,7 +22788,7 @@
           <p:cNvPr id="20" name="矩形 19">
             <a:extLst>
               <a:ext uri="{FF2B5EF4-FFF2-40B4-BE49-F238E27FC236}">
-                <a16:creationId xmlns:a16="http://schemas.microsoft.com/office/drawing/2014/main" xmlns="" id="{45B27A13-37E3-4777-9299-E75CAF1F6F9A}"/>
+                <a16:creationId xmlns="" xmlns:a16="http://schemas.microsoft.com/office/drawing/2014/main" id="{45B27A13-37E3-4777-9299-E75CAF1F6F9A}"/>
               </a:ext>
             </a:extLst>
           </p:cNvPr>
@@ -22007,7 +22836,7 @@
           <p:cNvPr id="21" name="图片 20">
             <a:extLst>
               <a:ext uri="{FF2B5EF4-FFF2-40B4-BE49-F238E27FC236}">
-                <a16:creationId xmlns:a16="http://schemas.microsoft.com/office/drawing/2014/main" xmlns="" id="{36569B5B-566F-4C60-9D63-318931B70CA2}"/>
+                <a16:creationId xmlns="" xmlns:a16="http://schemas.microsoft.com/office/drawing/2014/main" id="{36569B5B-566F-4C60-9D63-318931B70CA2}"/>
               </a:ext>
             </a:extLst>
           </p:cNvPr>
@@ -22043,7 +22872,7 @@
           <p:cNvPr id="22" name="矩形 21">
             <a:extLst>
               <a:ext uri="{FF2B5EF4-FFF2-40B4-BE49-F238E27FC236}">
-                <a16:creationId xmlns:a16="http://schemas.microsoft.com/office/drawing/2014/main" xmlns="" id="{2A55BA5B-CE30-435B-95FB-B00B8161E590}"/>
+                <a16:creationId xmlns="" xmlns:a16="http://schemas.microsoft.com/office/drawing/2014/main" id="{2A55BA5B-CE30-435B-95FB-B00B8161E590}"/>
               </a:ext>
             </a:extLst>
           </p:cNvPr>
@@ -22101,7 +22930,7 @@
           <p:cNvPr id="23" name="矩形 22">
             <a:extLst>
               <a:ext uri="{FF2B5EF4-FFF2-40B4-BE49-F238E27FC236}">
-                <a16:creationId xmlns:a16="http://schemas.microsoft.com/office/drawing/2014/main" xmlns="" id="{C2B44424-4CFE-4BA2-9FCF-F0A911E8A749}"/>
+                <a16:creationId xmlns="" xmlns:a16="http://schemas.microsoft.com/office/drawing/2014/main" id="{C2B44424-4CFE-4BA2-9FCF-F0A911E8A749}"/>
               </a:ext>
             </a:extLst>
           </p:cNvPr>
@@ -22212,7 +23041,7 @@
           <p:cNvPr id="25" name="矩形 24">
             <a:extLst>
               <a:ext uri="{FF2B5EF4-FFF2-40B4-BE49-F238E27FC236}">
-                <a16:creationId xmlns:a16="http://schemas.microsoft.com/office/drawing/2014/main" xmlns="" id="{0FDAD747-108F-4A6D-9220-5EA05067FF1E}"/>
+                <a16:creationId xmlns="" xmlns:a16="http://schemas.microsoft.com/office/drawing/2014/main" id="{0FDAD747-108F-4A6D-9220-5EA05067FF1E}"/>
               </a:ext>
             </a:extLst>
           </p:cNvPr>
@@ -22363,7 +23192,7 @@
           <p:cNvPr id="30" name="矩形 29">
             <a:extLst>
               <a:ext uri="{FF2B5EF4-FFF2-40B4-BE49-F238E27FC236}">
-                <a16:creationId xmlns:a16="http://schemas.microsoft.com/office/drawing/2014/main" xmlns="" id="{2A55BA5B-CE30-435B-95FB-B00B8161E590}"/>
+                <a16:creationId xmlns="" xmlns:a16="http://schemas.microsoft.com/office/drawing/2014/main" id="{2A55BA5B-CE30-435B-95FB-B00B8161E590}"/>
               </a:ext>
             </a:extLst>
           </p:cNvPr>
@@ -22431,7 +23260,7 @@
           <p:cNvPr id="31" name="矩形 30">
             <a:extLst>
               <a:ext uri="{FF2B5EF4-FFF2-40B4-BE49-F238E27FC236}">
-                <a16:creationId xmlns:a16="http://schemas.microsoft.com/office/drawing/2014/main" xmlns="" id="{2A55BA5B-CE30-435B-95FB-B00B8161E590}"/>
+                <a16:creationId xmlns="" xmlns:a16="http://schemas.microsoft.com/office/drawing/2014/main" id="{2A55BA5B-CE30-435B-95FB-B00B8161E590}"/>
               </a:ext>
             </a:extLst>
           </p:cNvPr>
@@ -22539,7 +23368,7 @@
           <p:cNvPr id="33" name="矩形 13" descr="紫色网格">
             <a:extLst>
               <a:ext uri="{FF2B5EF4-FFF2-40B4-BE49-F238E27FC236}">
-                <a16:creationId xmlns:a16="http://schemas.microsoft.com/office/drawing/2014/main" xmlns="" id="{44AEA09D-FD0A-4CA0-883D-93E5EAF762D6}"/>
+                <a16:creationId xmlns="" xmlns:a16="http://schemas.microsoft.com/office/drawing/2014/main" id="{44AEA09D-FD0A-4CA0-883D-93E5EAF762D6}"/>
               </a:ext>
             </a:extLst>
           </p:cNvPr>
@@ -22869,7 +23698,7 @@
           <p:cNvPr id="12" name="矩形 11">
             <a:extLst>
               <a:ext uri="{FF2B5EF4-FFF2-40B4-BE49-F238E27FC236}">
-                <a16:creationId xmlns:a16="http://schemas.microsoft.com/office/drawing/2014/main" xmlns="" id="{0FDAD747-108F-4A6D-9220-5EA05067FF1E}"/>
+                <a16:creationId xmlns="" xmlns:a16="http://schemas.microsoft.com/office/drawing/2014/main" id="{0FDAD747-108F-4A6D-9220-5EA05067FF1E}"/>
               </a:ext>
             </a:extLst>
           </p:cNvPr>
@@ -22916,7 +23745,7 @@
           <p:cNvPr id="4" name="矩形 3">
             <a:extLst>
               <a:ext uri="{FF2B5EF4-FFF2-40B4-BE49-F238E27FC236}">
-                <a16:creationId xmlns:a16="http://schemas.microsoft.com/office/drawing/2014/main" xmlns="" id="{0FDAD747-108F-4A6D-9220-5EA05067FF1E}"/>
+                <a16:creationId xmlns="" xmlns:a16="http://schemas.microsoft.com/office/drawing/2014/main" id="{0FDAD747-108F-4A6D-9220-5EA05067FF1E}"/>
               </a:ext>
             </a:extLst>
           </p:cNvPr>
@@ -23065,7 +23894,7 @@
           <p:cNvPr id="6" name="矩形 5">
             <a:extLst>
               <a:ext uri="{FF2B5EF4-FFF2-40B4-BE49-F238E27FC236}">
-                <a16:creationId xmlns:a16="http://schemas.microsoft.com/office/drawing/2014/main" xmlns="" id="{AB1DF3D9-EC08-40CA-853D-48B16F99EE56}"/>
+                <a16:creationId xmlns="" xmlns:a16="http://schemas.microsoft.com/office/drawing/2014/main" id="{AB1DF3D9-EC08-40CA-853D-48B16F99EE56}"/>
               </a:ext>
             </a:extLst>
           </p:cNvPr>
@@ -23241,7 +24070,7 @@
           <p:cNvPr id="12" name="矩形 11">
             <a:extLst>
               <a:ext uri="{FF2B5EF4-FFF2-40B4-BE49-F238E27FC236}">
-                <a16:creationId xmlns:a16="http://schemas.microsoft.com/office/drawing/2014/main" xmlns="" id="{0FDAD747-108F-4A6D-9220-5EA05067FF1E}"/>
+                <a16:creationId xmlns="" xmlns:a16="http://schemas.microsoft.com/office/drawing/2014/main" id="{0FDAD747-108F-4A6D-9220-5EA05067FF1E}"/>
               </a:ext>
             </a:extLst>
           </p:cNvPr>
@@ -23288,7 +24117,7 @@
           <p:cNvPr id="4" name="矩形 3">
             <a:extLst>
               <a:ext uri="{FF2B5EF4-FFF2-40B4-BE49-F238E27FC236}">
-                <a16:creationId xmlns:a16="http://schemas.microsoft.com/office/drawing/2014/main" xmlns="" id="{0FDAD747-108F-4A6D-9220-5EA05067FF1E}"/>
+                <a16:creationId xmlns="" xmlns:a16="http://schemas.microsoft.com/office/drawing/2014/main" id="{0FDAD747-108F-4A6D-9220-5EA05067FF1E}"/>
               </a:ext>
             </a:extLst>
           </p:cNvPr>
@@ -23607,7 +24436,7 @@
           <p:cNvPr id="26" name="矩形 25" descr="紫色网格">
             <a:extLst>
               <a:ext uri="{FF2B5EF4-FFF2-40B4-BE49-F238E27FC236}">
-                <a16:creationId xmlns:a16="http://schemas.microsoft.com/office/drawing/2014/main" xmlns="" id="{44AEA09D-FD0A-4CA0-883D-93E5EAF762D6}"/>
+                <a16:creationId xmlns="" xmlns:a16="http://schemas.microsoft.com/office/drawing/2014/main" id="{44AEA09D-FD0A-4CA0-883D-93E5EAF762D6}"/>
               </a:ext>
             </a:extLst>
           </p:cNvPr>
@@ -23820,7 +24649,7 @@
           <p:cNvPr id="12" name="矩形 11">
             <a:extLst>
               <a:ext uri="{FF2B5EF4-FFF2-40B4-BE49-F238E27FC236}">
-                <a16:creationId xmlns:a16="http://schemas.microsoft.com/office/drawing/2014/main" xmlns="" id="{0FDAD747-108F-4A6D-9220-5EA05067FF1E}"/>
+                <a16:creationId xmlns="" xmlns:a16="http://schemas.microsoft.com/office/drawing/2014/main" id="{0FDAD747-108F-4A6D-9220-5EA05067FF1E}"/>
               </a:ext>
             </a:extLst>
           </p:cNvPr>
@@ -23880,7 +24709,7 @@
           <p:cNvPr id="11" name="矩形 10">
             <a:extLst>
               <a:ext uri="{FF2B5EF4-FFF2-40B4-BE49-F238E27FC236}">
-                <a16:creationId xmlns:a16="http://schemas.microsoft.com/office/drawing/2014/main" xmlns="" id="{C2B44424-4CFE-4BA2-9FCF-F0A911E8A749}"/>
+                <a16:creationId xmlns="" xmlns:a16="http://schemas.microsoft.com/office/drawing/2014/main" id="{C2B44424-4CFE-4BA2-9FCF-F0A911E8A749}"/>
               </a:ext>
             </a:extLst>
           </p:cNvPr>
@@ -23979,7 +24808,7 @@
           <p:cNvPr id="13" name="直接箭头连接符 12">
             <a:extLst>
               <a:ext uri="{FF2B5EF4-FFF2-40B4-BE49-F238E27FC236}">
-                <a16:creationId xmlns:a16="http://schemas.microsoft.com/office/drawing/2014/main" xmlns="" id="{EDD84E7C-3200-40E5-A3C0-E57D7F9E754E}"/>
+                <a16:creationId xmlns="" xmlns:a16="http://schemas.microsoft.com/office/drawing/2014/main" id="{EDD84E7C-3200-40E5-A3C0-E57D7F9E754E}"/>
               </a:ext>
             </a:extLst>
           </p:cNvPr>
@@ -24012,7 +24841,7 @@
           <p:cNvPr id="14" name="矩形 13">
             <a:extLst>
               <a:ext uri="{FF2B5EF4-FFF2-40B4-BE49-F238E27FC236}">
-                <a16:creationId xmlns:a16="http://schemas.microsoft.com/office/drawing/2014/main" xmlns="" id="{0FDAD747-108F-4A6D-9220-5EA05067FF1E}"/>
+                <a16:creationId xmlns="" xmlns:a16="http://schemas.microsoft.com/office/drawing/2014/main" id="{0FDAD747-108F-4A6D-9220-5EA05067FF1E}"/>
               </a:ext>
             </a:extLst>
           </p:cNvPr>
@@ -24100,7 +24929,7 @@
           <p:cNvPr id="15" name="矩形 14">
             <a:extLst>
               <a:ext uri="{FF2B5EF4-FFF2-40B4-BE49-F238E27FC236}">
-                <a16:creationId xmlns:a16="http://schemas.microsoft.com/office/drawing/2014/main" xmlns="" id="{5CEC9FB1-9CBF-4B7B-A321-DF404030F08B}"/>
+                <a16:creationId xmlns="" xmlns:a16="http://schemas.microsoft.com/office/drawing/2014/main" id="{5CEC9FB1-9CBF-4B7B-A321-DF404030F08B}"/>
               </a:ext>
             </a:extLst>
           </p:cNvPr>
@@ -24186,7 +25015,7 @@
           <p:cNvPr id="16" name="直接箭头连接符 15">
             <a:extLst>
               <a:ext uri="{FF2B5EF4-FFF2-40B4-BE49-F238E27FC236}">
-                <a16:creationId xmlns:a16="http://schemas.microsoft.com/office/drawing/2014/main" xmlns="" id="{5A7FC920-9D22-4290-B80F-F4BDC1DE109A}"/>
+                <a16:creationId xmlns="" xmlns:a16="http://schemas.microsoft.com/office/drawing/2014/main" id="{5A7FC920-9D22-4290-B80F-F4BDC1DE109A}"/>
               </a:ext>
             </a:extLst>
           </p:cNvPr>
@@ -24219,7 +25048,7 @@
           <p:cNvPr id="19" name="矩形 18">
             <a:extLst>
               <a:ext uri="{FF2B5EF4-FFF2-40B4-BE49-F238E27FC236}">
-                <a16:creationId xmlns:a16="http://schemas.microsoft.com/office/drawing/2014/main" xmlns="" id="{2A55BA5B-CE30-435B-95FB-B00B8161E590}"/>
+                <a16:creationId xmlns="" xmlns:a16="http://schemas.microsoft.com/office/drawing/2014/main" id="{2A55BA5B-CE30-435B-95FB-B00B8161E590}"/>
               </a:ext>
             </a:extLst>
           </p:cNvPr>
@@ -24277,7 +25106,7 @@
           <p:cNvPr id="23" name="矩形 22">
             <a:extLst>
               <a:ext uri="{FF2B5EF4-FFF2-40B4-BE49-F238E27FC236}">
-                <a16:creationId xmlns:a16="http://schemas.microsoft.com/office/drawing/2014/main" xmlns="" id="{C2B44424-4CFE-4BA2-9FCF-F0A911E8A749}"/>
+                <a16:creationId xmlns="" xmlns:a16="http://schemas.microsoft.com/office/drawing/2014/main" id="{C2B44424-4CFE-4BA2-9FCF-F0A911E8A749}"/>
               </a:ext>
             </a:extLst>
           </p:cNvPr>
@@ -24361,7 +25190,7 @@
           <p:cNvPr id="24" name="矩形 23">
             <a:extLst>
               <a:ext uri="{FF2B5EF4-FFF2-40B4-BE49-F238E27FC236}">
-                <a16:creationId xmlns:a16="http://schemas.microsoft.com/office/drawing/2014/main" xmlns="" id="{0FDAD747-108F-4A6D-9220-5EA05067FF1E}"/>
+                <a16:creationId xmlns="" xmlns:a16="http://schemas.microsoft.com/office/drawing/2014/main" id="{0FDAD747-108F-4A6D-9220-5EA05067FF1E}"/>
               </a:ext>
             </a:extLst>
           </p:cNvPr>
@@ -24469,7 +25298,7 @@
           <p:cNvPr id="25" name="矩形 24" descr="紫色网格">
             <a:extLst>
               <a:ext uri="{FF2B5EF4-FFF2-40B4-BE49-F238E27FC236}">
-                <a16:creationId xmlns:a16="http://schemas.microsoft.com/office/drawing/2014/main" xmlns="" id="{44AEA09D-FD0A-4CA0-883D-93E5EAF762D6}"/>
+                <a16:creationId xmlns="" xmlns:a16="http://schemas.microsoft.com/office/drawing/2014/main" id="{44AEA09D-FD0A-4CA0-883D-93E5EAF762D6}"/>
               </a:ext>
             </a:extLst>
           </p:cNvPr>
@@ -24633,7 +25462,7 @@
           <p:cNvPr id="27" name="矩形 26" descr="紫色网格">
             <a:extLst>
               <a:ext uri="{FF2B5EF4-FFF2-40B4-BE49-F238E27FC236}">
-                <a16:creationId xmlns:a16="http://schemas.microsoft.com/office/drawing/2014/main" xmlns="" id="{44AEA09D-FD0A-4CA0-883D-93E5EAF762D6}"/>
+                <a16:creationId xmlns="" xmlns:a16="http://schemas.microsoft.com/office/drawing/2014/main" id="{44AEA09D-FD0A-4CA0-883D-93E5EAF762D6}"/>
               </a:ext>
             </a:extLst>
           </p:cNvPr>
@@ -24842,7 +25671,7 @@
           <p:cNvPr id="28" name="矩形 27" descr="紫色网格">
             <a:extLst>
               <a:ext uri="{FF2B5EF4-FFF2-40B4-BE49-F238E27FC236}">
-                <a16:creationId xmlns:a16="http://schemas.microsoft.com/office/drawing/2014/main" xmlns="" id="{44AEA09D-FD0A-4CA0-883D-93E5EAF762D6}"/>
+                <a16:creationId xmlns="" xmlns:a16="http://schemas.microsoft.com/office/drawing/2014/main" id="{44AEA09D-FD0A-4CA0-883D-93E5EAF762D6}"/>
               </a:ext>
             </a:extLst>
           </p:cNvPr>
@@ -25017,7 +25846,7 @@
           <p:cNvPr id="29" name="矩形 28" descr="紫色网格">
             <a:extLst>
               <a:ext uri="{FF2B5EF4-FFF2-40B4-BE49-F238E27FC236}">
-                <a16:creationId xmlns:a16="http://schemas.microsoft.com/office/drawing/2014/main" xmlns="" id="{44AEA09D-FD0A-4CA0-883D-93E5EAF762D6}"/>
+                <a16:creationId xmlns="" xmlns:a16="http://schemas.microsoft.com/office/drawing/2014/main" id="{44AEA09D-FD0A-4CA0-883D-93E5EAF762D6}"/>
               </a:ext>
             </a:extLst>
           </p:cNvPr>
@@ -25242,7 +26071,7 @@
           <p:cNvPr id="30" name="矩形 29" descr="紫色网格">
             <a:extLst>
               <a:ext uri="{FF2B5EF4-FFF2-40B4-BE49-F238E27FC236}">
-                <a16:creationId xmlns:a16="http://schemas.microsoft.com/office/drawing/2014/main" xmlns="" id="{44AEA09D-FD0A-4CA0-883D-93E5EAF762D6}"/>
+                <a16:creationId xmlns="" xmlns:a16="http://schemas.microsoft.com/office/drawing/2014/main" id="{44AEA09D-FD0A-4CA0-883D-93E5EAF762D6}"/>
               </a:ext>
             </a:extLst>
           </p:cNvPr>
@@ -25443,7 +26272,7 @@
           <p:cNvPr id="12" name="矩形 11">
             <a:extLst>
               <a:ext uri="{FF2B5EF4-FFF2-40B4-BE49-F238E27FC236}">
-                <a16:creationId xmlns:a16="http://schemas.microsoft.com/office/drawing/2014/main" xmlns="" id="{0FDAD747-108F-4A6D-9220-5EA05067FF1E}"/>
+                <a16:creationId xmlns="" xmlns:a16="http://schemas.microsoft.com/office/drawing/2014/main" id="{0FDAD747-108F-4A6D-9220-5EA05067FF1E}"/>
               </a:ext>
             </a:extLst>
           </p:cNvPr>
@@ -25503,7 +26332,7 @@
           <p:cNvPr id="4" name="矩形 3">
             <a:extLst>
               <a:ext uri="{FF2B5EF4-FFF2-40B4-BE49-F238E27FC236}">
-                <a16:creationId xmlns:a16="http://schemas.microsoft.com/office/drawing/2014/main" xmlns="" id="{0FDAD747-108F-4A6D-9220-5EA05067FF1E}"/>
+                <a16:creationId xmlns="" xmlns:a16="http://schemas.microsoft.com/office/drawing/2014/main" id="{0FDAD747-108F-4A6D-9220-5EA05067FF1E}"/>
               </a:ext>
             </a:extLst>
           </p:cNvPr>
@@ -25747,7 +26576,7 @@
           <p:cNvPr id="5" name="矩形 4" descr="紫色网格">
             <a:extLst>
               <a:ext uri="{FF2B5EF4-FFF2-40B4-BE49-F238E27FC236}">
-                <a16:creationId xmlns:a16="http://schemas.microsoft.com/office/drawing/2014/main" xmlns="" id="{44AEA09D-FD0A-4CA0-883D-93E5EAF762D6}"/>
+                <a16:creationId xmlns="" xmlns:a16="http://schemas.microsoft.com/office/drawing/2014/main" id="{44AEA09D-FD0A-4CA0-883D-93E5EAF762D6}"/>
               </a:ext>
             </a:extLst>
           </p:cNvPr>
@@ -26040,7 +26869,7 @@
           <p:cNvPr id="6" name="矩形 5" descr="紫色网格">
             <a:extLst>
               <a:ext uri="{FF2B5EF4-FFF2-40B4-BE49-F238E27FC236}">
-                <a16:creationId xmlns:a16="http://schemas.microsoft.com/office/drawing/2014/main" xmlns="" id="{44AEA09D-FD0A-4CA0-883D-93E5EAF762D6}"/>
+                <a16:creationId xmlns="" xmlns:a16="http://schemas.microsoft.com/office/drawing/2014/main" id="{44AEA09D-FD0A-4CA0-883D-93E5EAF762D6}"/>
               </a:ext>
             </a:extLst>
           </p:cNvPr>
@@ -26341,7 +27170,7 @@
           <p:cNvPr id="7" name="矩形 6" descr="紫色网格">
             <a:extLst>
               <a:ext uri="{FF2B5EF4-FFF2-40B4-BE49-F238E27FC236}">
-                <a16:creationId xmlns:a16="http://schemas.microsoft.com/office/drawing/2014/main" xmlns="" id="{44AEA09D-FD0A-4CA0-883D-93E5EAF762D6}"/>
+                <a16:creationId xmlns="" xmlns:a16="http://schemas.microsoft.com/office/drawing/2014/main" id="{44AEA09D-FD0A-4CA0-883D-93E5EAF762D6}"/>
               </a:ext>
             </a:extLst>
           </p:cNvPr>
@@ -26551,7 +27380,7 @@
           <p:cNvPr id="8" name="矩形 7" descr="紫色网格">
             <a:extLst>
               <a:ext uri="{FF2B5EF4-FFF2-40B4-BE49-F238E27FC236}">
-                <a16:creationId xmlns:a16="http://schemas.microsoft.com/office/drawing/2014/main" xmlns="" id="{44AEA09D-FD0A-4CA0-883D-93E5EAF762D6}"/>
+                <a16:creationId xmlns="" xmlns:a16="http://schemas.microsoft.com/office/drawing/2014/main" id="{44AEA09D-FD0A-4CA0-883D-93E5EAF762D6}"/>
               </a:ext>
             </a:extLst>
           </p:cNvPr>
@@ -26750,7 +27579,7 @@
           <p:cNvPr id="9" name="矩形 8" descr="紫色网格">
             <a:extLst>
               <a:ext uri="{FF2B5EF4-FFF2-40B4-BE49-F238E27FC236}">
-                <a16:creationId xmlns:a16="http://schemas.microsoft.com/office/drawing/2014/main" xmlns="" id="{44AEA09D-FD0A-4CA0-883D-93E5EAF762D6}"/>
+                <a16:creationId xmlns="" xmlns:a16="http://schemas.microsoft.com/office/drawing/2014/main" id="{44AEA09D-FD0A-4CA0-883D-93E5EAF762D6}"/>
               </a:ext>
             </a:extLst>
           </p:cNvPr>
@@ -26986,7 +27815,7 @@
           <p:cNvPr id="12" name="矩形 11">
             <a:extLst>
               <a:ext uri="{FF2B5EF4-FFF2-40B4-BE49-F238E27FC236}">
-                <a16:creationId xmlns:a16="http://schemas.microsoft.com/office/drawing/2014/main" xmlns="" id="{0FDAD747-108F-4A6D-9220-5EA05067FF1E}"/>
+                <a16:creationId xmlns="" xmlns:a16="http://schemas.microsoft.com/office/drawing/2014/main" id="{0FDAD747-108F-4A6D-9220-5EA05067FF1E}"/>
               </a:ext>
             </a:extLst>
           </p:cNvPr>
@@ -27046,7 +27875,7 @@
           <p:cNvPr id="4" name="矩形 3">
             <a:extLst>
               <a:ext uri="{FF2B5EF4-FFF2-40B4-BE49-F238E27FC236}">
-                <a16:creationId xmlns:a16="http://schemas.microsoft.com/office/drawing/2014/main" xmlns="" id="{0FDAD747-108F-4A6D-9220-5EA05067FF1E}"/>
+                <a16:creationId xmlns="" xmlns:a16="http://schemas.microsoft.com/office/drawing/2014/main" id="{0FDAD747-108F-4A6D-9220-5EA05067FF1E}"/>
               </a:ext>
             </a:extLst>
           </p:cNvPr>
@@ -27417,7 +28246,7 @@
           <p:cNvPr id="12" name="矩形 11">
             <a:extLst>
               <a:ext uri="{FF2B5EF4-FFF2-40B4-BE49-F238E27FC236}">
-                <a16:creationId xmlns:a16="http://schemas.microsoft.com/office/drawing/2014/main" xmlns="" id="{0FDAD747-108F-4A6D-9220-5EA05067FF1E}"/>
+                <a16:creationId xmlns="" xmlns:a16="http://schemas.microsoft.com/office/drawing/2014/main" id="{0FDAD747-108F-4A6D-9220-5EA05067FF1E}"/>
               </a:ext>
             </a:extLst>
           </p:cNvPr>
@@ -27487,42 +28316,42 @@
                 <a:gridCol w="1879600">
                   <a:extLst>
                     <a:ext uri="{9D8B030D-6E8A-4147-A177-3AD203B41FA5}">
-                      <a16:colId xmlns:a16="http://schemas.microsoft.com/office/drawing/2014/main" xmlns="" val="20000"/>
+                      <a16:colId xmlns="" xmlns:a16="http://schemas.microsoft.com/office/drawing/2014/main" val="20000"/>
                     </a:ext>
                   </a:extLst>
                 </a:gridCol>
                 <a:gridCol w="1879600">
                   <a:extLst>
                     <a:ext uri="{9D8B030D-6E8A-4147-A177-3AD203B41FA5}">
-                      <a16:colId xmlns:a16="http://schemas.microsoft.com/office/drawing/2014/main" xmlns="" val="20001"/>
+                      <a16:colId xmlns="" xmlns:a16="http://schemas.microsoft.com/office/drawing/2014/main" val="20001"/>
                     </a:ext>
                   </a:extLst>
                 </a:gridCol>
                 <a:gridCol w="1879600">
                   <a:extLst>
                     <a:ext uri="{9D8B030D-6E8A-4147-A177-3AD203B41FA5}">
-                      <a16:colId xmlns:a16="http://schemas.microsoft.com/office/drawing/2014/main" xmlns="" val="20002"/>
+                      <a16:colId xmlns="" xmlns:a16="http://schemas.microsoft.com/office/drawing/2014/main" val="20002"/>
                     </a:ext>
                   </a:extLst>
                 </a:gridCol>
                 <a:gridCol w="1879600">
                   <a:extLst>
                     <a:ext uri="{9D8B030D-6E8A-4147-A177-3AD203B41FA5}">
-                      <a16:colId xmlns:a16="http://schemas.microsoft.com/office/drawing/2014/main" xmlns="" val="20003"/>
+                      <a16:colId xmlns="" xmlns:a16="http://schemas.microsoft.com/office/drawing/2014/main" val="20003"/>
                     </a:ext>
                   </a:extLst>
                 </a:gridCol>
                 <a:gridCol w="1879600">
                   <a:extLst>
                     <a:ext uri="{9D8B030D-6E8A-4147-A177-3AD203B41FA5}">
-                      <a16:colId xmlns:a16="http://schemas.microsoft.com/office/drawing/2014/main" xmlns="" val="20004"/>
+                      <a16:colId xmlns="" xmlns:a16="http://schemas.microsoft.com/office/drawing/2014/main" val="20004"/>
                     </a:ext>
                   </a:extLst>
                 </a:gridCol>
                 <a:gridCol w="1879600">
                   <a:extLst>
                     <a:ext uri="{9D8B030D-6E8A-4147-A177-3AD203B41FA5}">
-                      <a16:colId xmlns:a16="http://schemas.microsoft.com/office/drawing/2014/main" xmlns="" val="20005"/>
+                      <a16:colId xmlns="" xmlns:a16="http://schemas.microsoft.com/office/drawing/2014/main" val="20005"/>
                     </a:ext>
                   </a:extLst>
                 </a:gridCol>
@@ -27669,7 +28498,7 @@
                 </a:tc>
                 <a:extLst>
                   <a:ext uri="{0D108BD9-81ED-4DB2-BD59-A6C34878D82A}">
-                    <a16:rowId xmlns:a16="http://schemas.microsoft.com/office/drawing/2014/main" xmlns="" val="10000"/>
+                    <a16:rowId xmlns="" xmlns:a16="http://schemas.microsoft.com/office/drawing/2014/main" val="10000"/>
                   </a:ext>
                 </a:extLst>
               </a:tr>
@@ -27774,7 +28603,7 @@
                 </a:tc>
                 <a:extLst>
                   <a:ext uri="{0D108BD9-81ED-4DB2-BD59-A6C34878D82A}">
-                    <a16:rowId xmlns:a16="http://schemas.microsoft.com/office/drawing/2014/main" xmlns="" val="10001"/>
+                    <a16:rowId xmlns="" xmlns:a16="http://schemas.microsoft.com/office/drawing/2014/main" val="10001"/>
                   </a:ext>
                 </a:extLst>
               </a:tr>
@@ -27872,7 +28701,7 @@
                 </a:tc>
                 <a:extLst>
                   <a:ext uri="{0D108BD9-81ED-4DB2-BD59-A6C34878D82A}">
-                    <a16:rowId xmlns:a16="http://schemas.microsoft.com/office/drawing/2014/main" xmlns="" val="10002"/>
+                    <a16:rowId xmlns="" xmlns:a16="http://schemas.microsoft.com/office/drawing/2014/main" val="10002"/>
                   </a:ext>
                 </a:extLst>
               </a:tr>
@@ -27970,7 +28799,7 @@
                 </a:tc>
                 <a:extLst>
                   <a:ext uri="{0D108BD9-81ED-4DB2-BD59-A6C34878D82A}">
-                    <a16:rowId xmlns:a16="http://schemas.microsoft.com/office/drawing/2014/main" xmlns="" val="10003"/>
+                    <a16:rowId xmlns="" xmlns:a16="http://schemas.microsoft.com/office/drawing/2014/main" val="10003"/>
                   </a:ext>
                 </a:extLst>
               </a:tr>
@@ -28068,7 +28897,7 @@
                 </a:tc>
                 <a:extLst>
                   <a:ext uri="{0D108BD9-81ED-4DB2-BD59-A6C34878D82A}">
-                    <a16:rowId xmlns:a16="http://schemas.microsoft.com/office/drawing/2014/main" xmlns="" val="10004"/>
+                    <a16:rowId xmlns="" xmlns:a16="http://schemas.microsoft.com/office/drawing/2014/main" val="10004"/>
                   </a:ext>
                 </a:extLst>
               </a:tr>
@@ -28173,7 +29002,7 @@
                 </a:tc>
                 <a:extLst>
                   <a:ext uri="{0D108BD9-81ED-4DB2-BD59-A6C34878D82A}">
-                    <a16:rowId xmlns:a16="http://schemas.microsoft.com/office/drawing/2014/main" xmlns="" val="10005"/>
+                    <a16:rowId xmlns="" xmlns:a16="http://schemas.microsoft.com/office/drawing/2014/main" val="10005"/>
                   </a:ext>
                 </a:extLst>
               </a:tr>
@@ -28271,7 +29100,7 @@
                 </a:tc>
                 <a:extLst>
                   <a:ext uri="{0D108BD9-81ED-4DB2-BD59-A6C34878D82A}">
-                    <a16:rowId xmlns:a16="http://schemas.microsoft.com/office/drawing/2014/main" xmlns="" val="10006"/>
+                    <a16:rowId xmlns="" xmlns:a16="http://schemas.microsoft.com/office/drawing/2014/main" val="10006"/>
                   </a:ext>
                 </a:extLst>
               </a:tr>
@@ -28369,7 +29198,7 @@
                 </a:tc>
                 <a:extLst>
                   <a:ext uri="{0D108BD9-81ED-4DB2-BD59-A6C34878D82A}">
-                    <a16:rowId xmlns:a16="http://schemas.microsoft.com/office/drawing/2014/main" xmlns="" val="10007"/>
+                    <a16:rowId xmlns="" xmlns:a16="http://schemas.microsoft.com/office/drawing/2014/main" val="10007"/>
                   </a:ext>
                 </a:extLst>
               </a:tr>
@@ -28467,7 +29296,7 @@
                 </a:tc>
                 <a:extLst>
                   <a:ext uri="{0D108BD9-81ED-4DB2-BD59-A6C34878D82A}">
-                    <a16:rowId xmlns:a16="http://schemas.microsoft.com/office/drawing/2014/main" xmlns="" val="10008"/>
+                    <a16:rowId xmlns="" xmlns:a16="http://schemas.microsoft.com/office/drawing/2014/main" val="10008"/>
                   </a:ext>
                 </a:extLst>
               </a:tr>
@@ -28480,7 +29309,7 @@
           <p:cNvPr id="10" name="矩形 9" descr="紫色网格">
             <a:extLst>
               <a:ext uri="{FF2B5EF4-FFF2-40B4-BE49-F238E27FC236}">
-                <a16:creationId xmlns:a16="http://schemas.microsoft.com/office/drawing/2014/main" xmlns="" id="{44AEA09D-FD0A-4CA0-883D-93E5EAF762D6}"/>
+                <a16:creationId xmlns="" xmlns:a16="http://schemas.microsoft.com/office/drawing/2014/main" id="{44AEA09D-FD0A-4CA0-883D-93E5EAF762D6}"/>
               </a:ext>
             </a:extLst>
           </p:cNvPr>
@@ -28694,7 +29523,7 @@
           <p:cNvPr id="12" name="矩形 11">
             <a:extLst>
               <a:ext uri="{FF2B5EF4-FFF2-40B4-BE49-F238E27FC236}">
-                <a16:creationId xmlns:a16="http://schemas.microsoft.com/office/drawing/2014/main" xmlns="" id="{0FDAD747-108F-4A6D-9220-5EA05067FF1E}"/>
+                <a16:creationId xmlns="" xmlns:a16="http://schemas.microsoft.com/office/drawing/2014/main" id="{0FDAD747-108F-4A6D-9220-5EA05067FF1E}"/>
               </a:ext>
             </a:extLst>
           </p:cNvPr>
@@ -28761,7 +29590,7 @@
           <p:cNvPr id="4" name="矩形 3">
             <a:extLst>
               <a:ext uri="{FF2B5EF4-FFF2-40B4-BE49-F238E27FC236}">
-                <a16:creationId xmlns:a16="http://schemas.microsoft.com/office/drawing/2014/main" xmlns="" id="{0FDAD747-108F-4A6D-9220-5EA05067FF1E}"/>
+                <a16:creationId xmlns="" xmlns:a16="http://schemas.microsoft.com/office/drawing/2014/main" id="{0FDAD747-108F-4A6D-9220-5EA05067FF1E}"/>
               </a:ext>
             </a:extLst>
           </p:cNvPr>
@@ -29131,7 +29960,7 @@
           <p:cNvPr id="12" name="矩形 11">
             <a:extLst>
               <a:ext uri="{FF2B5EF4-FFF2-40B4-BE49-F238E27FC236}">
-                <a16:creationId xmlns:a16="http://schemas.microsoft.com/office/drawing/2014/main" xmlns="" id="{0FDAD747-108F-4A6D-9220-5EA05067FF1E}"/>
+                <a16:creationId xmlns="" xmlns:a16="http://schemas.microsoft.com/office/drawing/2014/main" id="{0FDAD747-108F-4A6D-9220-5EA05067FF1E}"/>
               </a:ext>
             </a:extLst>
           </p:cNvPr>
@@ -29210,7 +30039,7 @@
           <p:cNvPr id="14" name="矩形 13">
             <a:extLst>
               <a:ext uri="{FF2B5EF4-FFF2-40B4-BE49-F238E27FC236}">
-                <a16:creationId xmlns:a16="http://schemas.microsoft.com/office/drawing/2014/main" xmlns="" id="{C2B44424-4CFE-4BA2-9FCF-F0A911E8A749}"/>
+                <a16:creationId xmlns="" xmlns:a16="http://schemas.microsoft.com/office/drawing/2014/main" id="{C2B44424-4CFE-4BA2-9FCF-F0A911E8A749}"/>
               </a:ext>
             </a:extLst>
           </p:cNvPr>
@@ -29364,7 +30193,7 @@
           <p:cNvPr id="16" name="直接箭头连接符 15">
             <a:extLst>
               <a:ext uri="{FF2B5EF4-FFF2-40B4-BE49-F238E27FC236}">
-                <a16:creationId xmlns:a16="http://schemas.microsoft.com/office/drawing/2014/main" xmlns="" id="{EDD84E7C-3200-40E5-A3C0-E57D7F9E754E}"/>
+                <a16:creationId xmlns="" xmlns:a16="http://schemas.microsoft.com/office/drawing/2014/main" id="{EDD84E7C-3200-40E5-A3C0-E57D7F9E754E}"/>
               </a:ext>
             </a:extLst>
           </p:cNvPr>
@@ -29397,7 +30226,7 @@
           <p:cNvPr id="17" name="矩形 16">
             <a:extLst>
               <a:ext uri="{FF2B5EF4-FFF2-40B4-BE49-F238E27FC236}">
-                <a16:creationId xmlns:a16="http://schemas.microsoft.com/office/drawing/2014/main" xmlns="" id="{0FDAD747-108F-4A6D-9220-5EA05067FF1E}"/>
+                <a16:creationId xmlns="" xmlns:a16="http://schemas.microsoft.com/office/drawing/2014/main" id="{0FDAD747-108F-4A6D-9220-5EA05067FF1E}"/>
               </a:ext>
             </a:extLst>
           </p:cNvPr>
@@ -29444,7 +30273,7 @@
           <p:cNvPr id="18" name="矩形 17">
             <a:extLst>
               <a:ext uri="{FF2B5EF4-FFF2-40B4-BE49-F238E27FC236}">
-                <a16:creationId xmlns:a16="http://schemas.microsoft.com/office/drawing/2014/main" xmlns="" id="{5CEC9FB1-9CBF-4B7B-A321-DF404030F08B}"/>
+                <a16:creationId xmlns="" xmlns:a16="http://schemas.microsoft.com/office/drawing/2014/main" id="{5CEC9FB1-9CBF-4B7B-A321-DF404030F08B}"/>
               </a:ext>
             </a:extLst>
           </p:cNvPr>
@@ -29530,7 +30359,7 @@
           <p:cNvPr id="19" name="直接箭头连接符 18">
             <a:extLst>
               <a:ext uri="{FF2B5EF4-FFF2-40B4-BE49-F238E27FC236}">
-                <a16:creationId xmlns:a16="http://schemas.microsoft.com/office/drawing/2014/main" xmlns="" id="{5A7FC920-9D22-4290-B80F-F4BDC1DE109A}"/>
+                <a16:creationId xmlns="" xmlns:a16="http://schemas.microsoft.com/office/drawing/2014/main" id="{5A7FC920-9D22-4290-B80F-F4BDC1DE109A}"/>
               </a:ext>
             </a:extLst>
           </p:cNvPr>
@@ -29563,7 +30392,7 @@
           <p:cNvPr id="20" name="矩形 19">
             <a:extLst>
               <a:ext uri="{FF2B5EF4-FFF2-40B4-BE49-F238E27FC236}">
-                <a16:creationId xmlns:a16="http://schemas.microsoft.com/office/drawing/2014/main" xmlns="" id="{45B27A13-37E3-4777-9299-E75CAF1F6F9A}"/>
+                <a16:creationId xmlns="" xmlns:a16="http://schemas.microsoft.com/office/drawing/2014/main" id="{45B27A13-37E3-4777-9299-E75CAF1F6F9A}"/>
               </a:ext>
             </a:extLst>
           </p:cNvPr>
@@ -29611,7 +30440,7 @@
           <p:cNvPr id="21" name="图片 20">
             <a:extLst>
               <a:ext uri="{FF2B5EF4-FFF2-40B4-BE49-F238E27FC236}">
-                <a16:creationId xmlns:a16="http://schemas.microsoft.com/office/drawing/2014/main" xmlns="" id="{36569B5B-566F-4C60-9D63-318931B70CA2}"/>
+                <a16:creationId xmlns="" xmlns:a16="http://schemas.microsoft.com/office/drawing/2014/main" id="{36569B5B-566F-4C60-9D63-318931B70CA2}"/>
               </a:ext>
             </a:extLst>
           </p:cNvPr>
@@ -29647,7 +30476,7 @@
           <p:cNvPr id="22" name="矩形 21">
             <a:extLst>
               <a:ext uri="{FF2B5EF4-FFF2-40B4-BE49-F238E27FC236}">
-                <a16:creationId xmlns:a16="http://schemas.microsoft.com/office/drawing/2014/main" xmlns="" id="{2A55BA5B-CE30-435B-95FB-B00B8161E590}"/>
+                <a16:creationId xmlns="" xmlns:a16="http://schemas.microsoft.com/office/drawing/2014/main" id="{2A55BA5B-CE30-435B-95FB-B00B8161E590}"/>
               </a:ext>
             </a:extLst>
           </p:cNvPr>
@@ -29705,7 +30534,7 @@
           <p:cNvPr id="23" name="矩形 22">
             <a:extLst>
               <a:ext uri="{FF2B5EF4-FFF2-40B4-BE49-F238E27FC236}">
-                <a16:creationId xmlns:a16="http://schemas.microsoft.com/office/drawing/2014/main" xmlns="" id="{C2B44424-4CFE-4BA2-9FCF-F0A911E8A749}"/>
+                <a16:creationId xmlns="" xmlns:a16="http://schemas.microsoft.com/office/drawing/2014/main" id="{C2B44424-4CFE-4BA2-9FCF-F0A911E8A749}"/>
               </a:ext>
             </a:extLst>
           </p:cNvPr>
@@ -29816,7 +30645,7 @@
           <p:cNvPr id="25" name="矩形 24">
             <a:extLst>
               <a:ext uri="{FF2B5EF4-FFF2-40B4-BE49-F238E27FC236}">
-                <a16:creationId xmlns:a16="http://schemas.microsoft.com/office/drawing/2014/main" xmlns="" id="{0FDAD747-108F-4A6D-9220-5EA05067FF1E}"/>
+                <a16:creationId xmlns="" xmlns:a16="http://schemas.microsoft.com/office/drawing/2014/main" id="{0FDAD747-108F-4A6D-9220-5EA05067FF1E}"/>
               </a:ext>
             </a:extLst>
           </p:cNvPr>
@@ -30015,7 +30844,7 @@
           <p:cNvPr id="30" name="矩形 29">
             <a:extLst>
               <a:ext uri="{FF2B5EF4-FFF2-40B4-BE49-F238E27FC236}">
-                <a16:creationId xmlns:a16="http://schemas.microsoft.com/office/drawing/2014/main" xmlns="" id="{2A55BA5B-CE30-435B-95FB-B00B8161E590}"/>
+                <a16:creationId xmlns="" xmlns:a16="http://schemas.microsoft.com/office/drawing/2014/main" id="{2A55BA5B-CE30-435B-95FB-B00B8161E590}"/>
               </a:ext>
             </a:extLst>
           </p:cNvPr>
@@ -30083,7 +30912,7 @@
           <p:cNvPr id="27" name="矩形 26">
             <a:extLst>
               <a:ext uri="{FF2B5EF4-FFF2-40B4-BE49-F238E27FC236}">
-                <a16:creationId xmlns:a16="http://schemas.microsoft.com/office/drawing/2014/main" xmlns="" id="{0FDAD747-108F-4A6D-9220-5EA05067FF1E}"/>
+                <a16:creationId xmlns="" xmlns:a16="http://schemas.microsoft.com/office/drawing/2014/main" id="{0FDAD747-108F-4A6D-9220-5EA05067FF1E}"/>
               </a:ext>
             </a:extLst>
           </p:cNvPr>
@@ -30150,7 +30979,7 @@
           <p:cNvPr id="28" name="矩形 13" descr="紫色网格">
             <a:extLst>
               <a:ext uri="{FF2B5EF4-FFF2-40B4-BE49-F238E27FC236}">
-                <a16:creationId xmlns:a16="http://schemas.microsoft.com/office/drawing/2014/main" xmlns="" id="{44AEA09D-FD0A-4CA0-883D-93E5EAF762D6}"/>
+                <a16:creationId xmlns="" xmlns:a16="http://schemas.microsoft.com/office/drawing/2014/main" id="{44AEA09D-FD0A-4CA0-883D-93E5EAF762D6}"/>
               </a:ext>
             </a:extLst>
           </p:cNvPr>
@@ -30450,7 +31279,7 @@
           <p:cNvPr id="12" name="矩形 11">
             <a:extLst>
               <a:ext uri="{FF2B5EF4-FFF2-40B4-BE49-F238E27FC236}">
-                <a16:creationId xmlns:a16="http://schemas.microsoft.com/office/drawing/2014/main" xmlns="" id="{0FDAD747-108F-4A6D-9220-5EA05067FF1E}"/>
+                <a16:creationId xmlns="" xmlns:a16="http://schemas.microsoft.com/office/drawing/2014/main" id="{0FDAD747-108F-4A6D-9220-5EA05067FF1E}"/>
               </a:ext>
             </a:extLst>
           </p:cNvPr>
@@ -30517,7 +31346,7 @@
           <p:cNvPr id="4" name="矩形 3">
             <a:extLst>
               <a:ext uri="{FF2B5EF4-FFF2-40B4-BE49-F238E27FC236}">
-                <a16:creationId xmlns:a16="http://schemas.microsoft.com/office/drawing/2014/main" xmlns="" id="{0FDAD747-108F-4A6D-9220-5EA05067FF1E}"/>
+                <a16:creationId xmlns="" xmlns:a16="http://schemas.microsoft.com/office/drawing/2014/main" id="{0FDAD747-108F-4A6D-9220-5EA05067FF1E}"/>
               </a:ext>
             </a:extLst>
           </p:cNvPr>
@@ -31089,7 +31918,7 @@
           <p:cNvPr id="12" name="矩形 11">
             <a:extLst>
               <a:ext uri="{FF2B5EF4-FFF2-40B4-BE49-F238E27FC236}">
-                <a16:creationId xmlns:a16="http://schemas.microsoft.com/office/drawing/2014/main" xmlns="" id="{0FDAD747-108F-4A6D-9220-5EA05067FF1E}"/>
+                <a16:creationId xmlns="" xmlns:a16="http://schemas.microsoft.com/office/drawing/2014/main" id="{0FDAD747-108F-4A6D-9220-5EA05067FF1E}"/>
               </a:ext>
             </a:extLst>
           </p:cNvPr>
@@ -31136,7 +31965,7 @@
           <p:cNvPr id="4" name="矩形 3">
             <a:extLst>
               <a:ext uri="{FF2B5EF4-FFF2-40B4-BE49-F238E27FC236}">
-                <a16:creationId xmlns:a16="http://schemas.microsoft.com/office/drawing/2014/main" xmlns="" id="{0FDAD747-108F-4A6D-9220-5EA05067FF1E}"/>
+                <a16:creationId xmlns="" xmlns:a16="http://schemas.microsoft.com/office/drawing/2014/main" id="{0FDAD747-108F-4A6D-9220-5EA05067FF1E}"/>
               </a:ext>
             </a:extLst>
           </p:cNvPr>
@@ -31769,7 +32598,7 @@
           <p:cNvPr id="12" name="矩形 11">
             <a:extLst>
               <a:ext uri="{FF2B5EF4-FFF2-40B4-BE49-F238E27FC236}">
-                <a16:creationId xmlns:a16="http://schemas.microsoft.com/office/drawing/2014/main" xmlns="" id="{0FDAD747-108F-4A6D-9220-5EA05067FF1E}"/>
+                <a16:creationId xmlns="" xmlns:a16="http://schemas.microsoft.com/office/drawing/2014/main" id="{0FDAD747-108F-4A6D-9220-5EA05067FF1E}"/>
               </a:ext>
             </a:extLst>
           </p:cNvPr>
@@ -31816,7 +32645,7 @@
           <p:cNvPr id="4" name="矩形 3">
             <a:extLst>
               <a:ext uri="{FF2B5EF4-FFF2-40B4-BE49-F238E27FC236}">
-                <a16:creationId xmlns:a16="http://schemas.microsoft.com/office/drawing/2014/main" xmlns="" id="{0FDAD747-108F-4A6D-9220-5EA05067FF1E}"/>
+                <a16:creationId xmlns="" xmlns:a16="http://schemas.microsoft.com/office/drawing/2014/main" id="{0FDAD747-108F-4A6D-9220-5EA05067FF1E}"/>
               </a:ext>
             </a:extLst>
           </p:cNvPr>
@@ -32235,7 +33064,7 @@
           <p:cNvPr id="12" name="矩形 11">
             <a:extLst>
               <a:ext uri="{FF2B5EF4-FFF2-40B4-BE49-F238E27FC236}">
-                <a16:creationId xmlns:a16="http://schemas.microsoft.com/office/drawing/2014/main" xmlns="" id="{0FDAD747-108F-4A6D-9220-5EA05067FF1E}"/>
+                <a16:creationId xmlns="" xmlns:a16="http://schemas.microsoft.com/office/drawing/2014/main" id="{0FDAD747-108F-4A6D-9220-5EA05067FF1E}"/>
               </a:ext>
             </a:extLst>
           </p:cNvPr>
@@ -32282,7 +33111,7 @@
           <p:cNvPr id="4" name="矩形 3">
             <a:extLst>
               <a:ext uri="{FF2B5EF4-FFF2-40B4-BE49-F238E27FC236}">
-                <a16:creationId xmlns:a16="http://schemas.microsoft.com/office/drawing/2014/main" xmlns="" id="{0FDAD747-108F-4A6D-9220-5EA05067FF1E}"/>
+                <a16:creationId xmlns="" xmlns:a16="http://schemas.microsoft.com/office/drawing/2014/main" id="{0FDAD747-108F-4A6D-9220-5EA05067FF1E}"/>
               </a:ext>
             </a:extLst>
           </p:cNvPr>
@@ -32615,7 +33444,7 @@
           <p:cNvPr id="12" name="矩形 11">
             <a:extLst>
               <a:ext uri="{FF2B5EF4-FFF2-40B4-BE49-F238E27FC236}">
-                <a16:creationId xmlns:a16="http://schemas.microsoft.com/office/drawing/2014/main" xmlns="" id="{0FDAD747-108F-4A6D-9220-5EA05067FF1E}"/>
+                <a16:creationId xmlns="" xmlns:a16="http://schemas.microsoft.com/office/drawing/2014/main" id="{0FDAD747-108F-4A6D-9220-5EA05067FF1E}"/>
               </a:ext>
             </a:extLst>
           </p:cNvPr>
@@ -32686,7 +33515,7 @@
           <p:cNvPr id="5" name="矩形 4">
             <a:extLst>
               <a:ext uri="{FF2B5EF4-FFF2-40B4-BE49-F238E27FC236}">
-                <a16:creationId xmlns:a16="http://schemas.microsoft.com/office/drawing/2014/main" xmlns="" id="{0FDAD747-108F-4A6D-9220-5EA05067FF1E}"/>
+                <a16:creationId xmlns="" xmlns:a16="http://schemas.microsoft.com/office/drawing/2014/main" id="{0FDAD747-108F-4A6D-9220-5EA05067FF1E}"/>
               </a:ext>
             </a:extLst>
           </p:cNvPr>
@@ -33061,7 +33890,7 @@
           <p:cNvPr id="12" name="矩形 11">
             <a:extLst>
               <a:ext uri="{FF2B5EF4-FFF2-40B4-BE49-F238E27FC236}">
-                <a16:creationId xmlns:a16="http://schemas.microsoft.com/office/drawing/2014/main" xmlns="" id="{0FDAD747-108F-4A6D-9220-5EA05067FF1E}"/>
+                <a16:creationId xmlns="" xmlns:a16="http://schemas.microsoft.com/office/drawing/2014/main" id="{0FDAD747-108F-4A6D-9220-5EA05067FF1E}"/>
               </a:ext>
             </a:extLst>
           </p:cNvPr>
@@ -33108,7 +33937,7 @@
           <p:cNvPr id="4" name="矩形 3">
             <a:extLst>
               <a:ext uri="{FF2B5EF4-FFF2-40B4-BE49-F238E27FC236}">
-                <a16:creationId xmlns:a16="http://schemas.microsoft.com/office/drawing/2014/main" xmlns="" id="{0FDAD747-108F-4A6D-9220-5EA05067FF1E}"/>
+                <a16:creationId xmlns="" xmlns:a16="http://schemas.microsoft.com/office/drawing/2014/main" id="{0FDAD747-108F-4A6D-9220-5EA05067FF1E}"/>
               </a:ext>
             </a:extLst>
           </p:cNvPr>
@@ -33465,7 +34294,7 @@
           <p:cNvPr id="12" name="矩形 11">
             <a:extLst>
               <a:ext uri="{FF2B5EF4-FFF2-40B4-BE49-F238E27FC236}">
-                <a16:creationId xmlns:a16="http://schemas.microsoft.com/office/drawing/2014/main" xmlns="" id="{0FDAD747-108F-4A6D-9220-5EA05067FF1E}"/>
+                <a16:creationId xmlns="" xmlns:a16="http://schemas.microsoft.com/office/drawing/2014/main" id="{0FDAD747-108F-4A6D-9220-5EA05067FF1E}"/>
               </a:ext>
             </a:extLst>
           </p:cNvPr>
@@ -33512,7 +34341,7 @@
           <p:cNvPr id="4" name="矩形 3">
             <a:extLst>
               <a:ext uri="{FF2B5EF4-FFF2-40B4-BE49-F238E27FC236}">
-                <a16:creationId xmlns:a16="http://schemas.microsoft.com/office/drawing/2014/main" xmlns="" id="{0FDAD747-108F-4A6D-9220-5EA05067FF1E}"/>
+                <a16:creationId xmlns="" xmlns:a16="http://schemas.microsoft.com/office/drawing/2014/main" id="{0FDAD747-108F-4A6D-9220-5EA05067FF1E}"/>
               </a:ext>
             </a:extLst>
           </p:cNvPr>
@@ -34010,7 +34839,7 @@
           <p:cNvPr id="12" name="矩形 11">
             <a:extLst>
               <a:ext uri="{FF2B5EF4-FFF2-40B4-BE49-F238E27FC236}">
-                <a16:creationId xmlns:a16="http://schemas.microsoft.com/office/drawing/2014/main" xmlns="" id="{0FDAD747-108F-4A6D-9220-5EA05067FF1E}"/>
+                <a16:creationId xmlns="" xmlns:a16="http://schemas.microsoft.com/office/drawing/2014/main" id="{0FDAD747-108F-4A6D-9220-5EA05067FF1E}"/>
               </a:ext>
             </a:extLst>
           </p:cNvPr>
@@ -34089,7 +34918,7 @@
           <p:cNvPr id="14" name="矩形 13">
             <a:extLst>
               <a:ext uri="{FF2B5EF4-FFF2-40B4-BE49-F238E27FC236}">
-                <a16:creationId xmlns:a16="http://schemas.microsoft.com/office/drawing/2014/main" xmlns="" id="{C2B44424-4CFE-4BA2-9FCF-F0A911E8A749}"/>
+                <a16:creationId xmlns="" xmlns:a16="http://schemas.microsoft.com/office/drawing/2014/main" id="{C2B44424-4CFE-4BA2-9FCF-F0A911E8A749}"/>
               </a:ext>
             </a:extLst>
           </p:cNvPr>
@@ -34243,7 +35072,7 @@
           <p:cNvPr id="16" name="直接箭头连接符 15">
             <a:extLst>
               <a:ext uri="{FF2B5EF4-FFF2-40B4-BE49-F238E27FC236}">
-                <a16:creationId xmlns:a16="http://schemas.microsoft.com/office/drawing/2014/main" xmlns="" id="{EDD84E7C-3200-40E5-A3C0-E57D7F9E754E}"/>
+                <a16:creationId xmlns="" xmlns:a16="http://schemas.microsoft.com/office/drawing/2014/main" id="{EDD84E7C-3200-40E5-A3C0-E57D7F9E754E}"/>
               </a:ext>
             </a:extLst>
           </p:cNvPr>
@@ -34276,7 +35105,7 @@
           <p:cNvPr id="17" name="矩形 16">
             <a:extLst>
               <a:ext uri="{FF2B5EF4-FFF2-40B4-BE49-F238E27FC236}">
-                <a16:creationId xmlns:a16="http://schemas.microsoft.com/office/drawing/2014/main" xmlns="" id="{0FDAD747-108F-4A6D-9220-5EA05067FF1E}"/>
+                <a16:creationId xmlns="" xmlns:a16="http://schemas.microsoft.com/office/drawing/2014/main" id="{0FDAD747-108F-4A6D-9220-5EA05067FF1E}"/>
               </a:ext>
             </a:extLst>
           </p:cNvPr>
@@ -34323,7 +35152,7 @@
           <p:cNvPr id="18" name="矩形 17">
             <a:extLst>
               <a:ext uri="{FF2B5EF4-FFF2-40B4-BE49-F238E27FC236}">
-                <a16:creationId xmlns:a16="http://schemas.microsoft.com/office/drawing/2014/main" xmlns="" id="{5CEC9FB1-9CBF-4B7B-A321-DF404030F08B}"/>
+                <a16:creationId xmlns="" xmlns:a16="http://schemas.microsoft.com/office/drawing/2014/main" id="{5CEC9FB1-9CBF-4B7B-A321-DF404030F08B}"/>
               </a:ext>
             </a:extLst>
           </p:cNvPr>
@@ -34409,7 +35238,7 @@
           <p:cNvPr id="19" name="直接箭头连接符 18">
             <a:extLst>
               <a:ext uri="{FF2B5EF4-FFF2-40B4-BE49-F238E27FC236}">
-                <a16:creationId xmlns:a16="http://schemas.microsoft.com/office/drawing/2014/main" xmlns="" id="{5A7FC920-9D22-4290-B80F-F4BDC1DE109A}"/>
+                <a16:creationId xmlns="" xmlns:a16="http://schemas.microsoft.com/office/drawing/2014/main" id="{5A7FC920-9D22-4290-B80F-F4BDC1DE109A}"/>
               </a:ext>
             </a:extLst>
           </p:cNvPr>
@@ -34442,7 +35271,7 @@
           <p:cNvPr id="20" name="矩形 19">
             <a:extLst>
               <a:ext uri="{FF2B5EF4-FFF2-40B4-BE49-F238E27FC236}">
-                <a16:creationId xmlns:a16="http://schemas.microsoft.com/office/drawing/2014/main" xmlns="" id="{45B27A13-37E3-4777-9299-E75CAF1F6F9A}"/>
+                <a16:creationId xmlns="" xmlns:a16="http://schemas.microsoft.com/office/drawing/2014/main" id="{45B27A13-37E3-4777-9299-E75CAF1F6F9A}"/>
               </a:ext>
             </a:extLst>
           </p:cNvPr>
@@ -34490,7 +35319,7 @@
           <p:cNvPr id="21" name="图片 20">
             <a:extLst>
               <a:ext uri="{FF2B5EF4-FFF2-40B4-BE49-F238E27FC236}">
-                <a16:creationId xmlns:a16="http://schemas.microsoft.com/office/drawing/2014/main" xmlns="" id="{36569B5B-566F-4C60-9D63-318931B70CA2}"/>
+                <a16:creationId xmlns="" xmlns:a16="http://schemas.microsoft.com/office/drawing/2014/main" id="{36569B5B-566F-4C60-9D63-318931B70CA2}"/>
               </a:ext>
             </a:extLst>
           </p:cNvPr>
@@ -34526,7 +35355,7 @@
           <p:cNvPr id="22" name="矩形 21">
             <a:extLst>
               <a:ext uri="{FF2B5EF4-FFF2-40B4-BE49-F238E27FC236}">
-                <a16:creationId xmlns:a16="http://schemas.microsoft.com/office/drawing/2014/main" xmlns="" id="{2A55BA5B-CE30-435B-95FB-B00B8161E590}"/>
+                <a16:creationId xmlns="" xmlns:a16="http://schemas.microsoft.com/office/drawing/2014/main" id="{2A55BA5B-CE30-435B-95FB-B00B8161E590}"/>
               </a:ext>
             </a:extLst>
           </p:cNvPr>
@@ -34584,7 +35413,7 @@
           <p:cNvPr id="23" name="矩形 22">
             <a:extLst>
               <a:ext uri="{FF2B5EF4-FFF2-40B4-BE49-F238E27FC236}">
-                <a16:creationId xmlns:a16="http://schemas.microsoft.com/office/drawing/2014/main" xmlns="" id="{C2B44424-4CFE-4BA2-9FCF-F0A911E8A749}"/>
+                <a16:creationId xmlns="" xmlns:a16="http://schemas.microsoft.com/office/drawing/2014/main" id="{C2B44424-4CFE-4BA2-9FCF-F0A911E8A749}"/>
               </a:ext>
             </a:extLst>
           </p:cNvPr>
@@ -34695,7 +35524,7 @@
           <p:cNvPr id="25" name="矩形 24">
             <a:extLst>
               <a:ext uri="{FF2B5EF4-FFF2-40B4-BE49-F238E27FC236}">
-                <a16:creationId xmlns:a16="http://schemas.microsoft.com/office/drawing/2014/main" xmlns="" id="{0FDAD747-108F-4A6D-9220-5EA05067FF1E}"/>
+                <a16:creationId xmlns="" xmlns:a16="http://schemas.microsoft.com/office/drawing/2014/main" id="{0FDAD747-108F-4A6D-9220-5EA05067FF1E}"/>
               </a:ext>
             </a:extLst>
           </p:cNvPr>
@@ -34894,7 +35723,7 @@
           <p:cNvPr id="30" name="矩形 29">
             <a:extLst>
               <a:ext uri="{FF2B5EF4-FFF2-40B4-BE49-F238E27FC236}">
-                <a16:creationId xmlns:a16="http://schemas.microsoft.com/office/drawing/2014/main" xmlns="" id="{2A55BA5B-CE30-435B-95FB-B00B8161E590}"/>
+                <a16:creationId xmlns="" xmlns:a16="http://schemas.microsoft.com/office/drawing/2014/main" id="{2A55BA5B-CE30-435B-95FB-B00B8161E590}"/>
               </a:ext>
             </a:extLst>
           </p:cNvPr>
@@ -34962,7 +35791,7 @@
           <p:cNvPr id="27" name="矩形 26">
             <a:extLst>
               <a:ext uri="{FF2B5EF4-FFF2-40B4-BE49-F238E27FC236}">
-                <a16:creationId xmlns:a16="http://schemas.microsoft.com/office/drawing/2014/main" xmlns="" id="{0FDAD747-108F-4A6D-9220-5EA05067FF1E}"/>
+                <a16:creationId xmlns="" xmlns:a16="http://schemas.microsoft.com/office/drawing/2014/main" id="{0FDAD747-108F-4A6D-9220-5EA05067FF1E}"/>
               </a:ext>
             </a:extLst>
           </p:cNvPr>
@@ -35029,7 +35858,7 @@
           <p:cNvPr id="28" name="矩形 13" descr="紫色网格">
             <a:extLst>
               <a:ext uri="{FF2B5EF4-FFF2-40B4-BE49-F238E27FC236}">
-                <a16:creationId xmlns:a16="http://schemas.microsoft.com/office/drawing/2014/main" xmlns="" id="{44AEA09D-FD0A-4CA0-883D-93E5EAF762D6}"/>
+                <a16:creationId xmlns="" xmlns:a16="http://schemas.microsoft.com/office/drawing/2014/main" id="{44AEA09D-FD0A-4CA0-883D-93E5EAF762D6}"/>
               </a:ext>
             </a:extLst>
           </p:cNvPr>
@@ -35339,7 +36168,7 @@
           <p:cNvPr id="12" name="矩形 11">
             <a:extLst>
               <a:ext uri="{FF2B5EF4-FFF2-40B4-BE49-F238E27FC236}">
-                <a16:creationId xmlns:a16="http://schemas.microsoft.com/office/drawing/2014/main" xmlns="" id="{0FDAD747-108F-4A6D-9220-5EA05067FF1E}"/>
+                <a16:creationId xmlns="" xmlns:a16="http://schemas.microsoft.com/office/drawing/2014/main" id="{0FDAD747-108F-4A6D-9220-5EA05067FF1E}"/>
               </a:ext>
             </a:extLst>
           </p:cNvPr>
@@ -35386,7 +36215,7 @@
           <p:cNvPr id="4" name="矩形 3">
             <a:extLst>
               <a:ext uri="{FF2B5EF4-FFF2-40B4-BE49-F238E27FC236}">
-                <a16:creationId xmlns:a16="http://schemas.microsoft.com/office/drawing/2014/main" xmlns="" id="{0FDAD747-108F-4A6D-9220-5EA05067FF1E}"/>
+                <a16:creationId xmlns="" xmlns:a16="http://schemas.microsoft.com/office/drawing/2014/main" id="{0FDAD747-108F-4A6D-9220-5EA05067FF1E}"/>
               </a:ext>
             </a:extLst>
           </p:cNvPr>
@@ -35679,7 +36508,7 @@
           <p:cNvPr id="12" name="矩形 11">
             <a:extLst>
               <a:ext uri="{FF2B5EF4-FFF2-40B4-BE49-F238E27FC236}">
-                <a16:creationId xmlns:a16="http://schemas.microsoft.com/office/drawing/2014/main" xmlns="" id="{0FDAD747-108F-4A6D-9220-5EA05067FF1E}"/>
+                <a16:creationId xmlns="" xmlns:a16="http://schemas.microsoft.com/office/drawing/2014/main" id="{0FDAD747-108F-4A6D-9220-5EA05067FF1E}"/>
               </a:ext>
             </a:extLst>
           </p:cNvPr>
@@ -35719,7 +36548,7 @@
           <p:cNvPr id="4" name="矩形 3">
             <a:extLst>
               <a:ext uri="{FF2B5EF4-FFF2-40B4-BE49-F238E27FC236}">
-                <a16:creationId xmlns:a16="http://schemas.microsoft.com/office/drawing/2014/main" xmlns="" id="{0FDAD747-108F-4A6D-9220-5EA05067FF1E}"/>
+                <a16:creationId xmlns="" xmlns:a16="http://schemas.microsoft.com/office/drawing/2014/main" id="{0FDAD747-108F-4A6D-9220-5EA05067FF1E}"/>
               </a:ext>
             </a:extLst>
           </p:cNvPr>
@@ -35729,7 +36558,7 @@
         <p:spPr>
           <a:xfrm>
             <a:off x="843573" y="1866759"/>
-            <a:ext cx="10730590" cy="2554545"/>
+            <a:ext cx="10730590" cy="3539430"/>
           </a:xfrm>
           <a:prstGeom prst="rect">
             <a:avLst/>
@@ -35863,6 +36692,88 @@
                 <a:ea typeface="微软雅黑" panose="020B0503020204020204" pitchFamily="34" charset="-122"/>
               </a:rPr>
               <a:t>）</a:t>
+            </a:r>
+            <a:endParaRPr lang="en-US" altLang="zh-CN" sz="1600" dirty="0" smtClean="0">
+              <a:solidFill>
+                <a:prstClr val="black"/>
+              </a:solidFill>
+              <a:latin typeface="微软雅黑" panose="020B0503020204020204" pitchFamily="34" charset="-122"/>
+              <a:ea typeface="微软雅黑" panose="020B0503020204020204" pitchFamily="34" charset="-122"/>
+            </a:endParaRPr>
+          </a:p>
+          <a:p>
+            <a:pPr marL="285750" indent="-285750">
+              <a:lnSpc>
+                <a:spcPct val="200000"/>
+              </a:lnSpc>
+              <a:buFont typeface="Wingdings" panose="05000000000000000000" pitchFamily="2" charset="2"/>
+              <a:buChar char="p"/>
+            </a:pPr>
+            <a:r>
+              <a:rPr lang="zh-CN" altLang="en-US" sz="1600" dirty="0">
+                <a:solidFill>
+                  <a:prstClr val="black"/>
+                </a:solidFill>
+                <a:latin typeface="微软雅黑" panose="020B0503020204020204" pitchFamily="34" charset="-122"/>
+                <a:ea typeface="微软雅黑" panose="020B0503020204020204" pitchFamily="34" charset="-122"/>
+              </a:rPr>
+              <a:t>一个</a:t>
+            </a:r>
+            <a:r>
+              <a:rPr lang="zh-CN" altLang="en-US" sz="1600" b="1" dirty="0">
+                <a:solidFill>
+                  <a:srgbClr val="C00000"/>
+                </a:solidFill>
+                <a:latin typeface="微软雅黑" panose="020B0503020204020204" pitchFamily="34" charset="-122"/>
+                <a:ea typeface="微软雅黑" panose="020B0503020204020204" pitchFamily="34" charset="-122"/>
+              </a:rPr>
+              <a:t>元音音素</a:t>
+            </a:r>
+            <a:r>
+              <a:rPr lang="zh-CN" altLang="en-US" sz="1600" dirty="0">
+                <a:solidFill>
+                  <a:prstClr val="black"/>
+                </a:solidFill>
+                <a:latin typeface="微软雅黑" panose="020B0503020204020204" pitchFamily="34" charset="-122"/>
+                <a:ea typeface="微软雅黑" panose="020B0503020204020204" pitchFamily="34" charset="-122"/>
+              </a:rPr>
+              <a:t>（音素不是字母）可构成一个音节，一个元音音素和一个或几个辅音音素结合也可以构成一个</a:t>
+            </a:r>
+            <a:r>
+              <a:rPr lang="zh-CN" altLang="en-US" sz="1600" dirty="0" smtClean="0">
+                <a:solidFill>
+                  <a:prstClr val="black"/>
+                </a:solidFill>
+                <a:latin typeface="微软雅黑" panose="020B0503020204020204" pitchFamily="34" charset="-122"/>
+                <a:ea typeface="微软雅黑" panose="020B0503020204020204" pitchFamily="34" charset="-122"/>
+              </a:rPr>
+              <a:t>音节</a:t>
+            </a:r>
+            <a:endParaRPr lang="en-US" altLang="zh-CN" sz="1600" dirty="0" smtClean="0">
+              <a:solidFill>
+                <a:prstClr val="black"/>
+              </a:solidFill>
+              <a:latin typeface="微软雅黑" panose="020B0503020204020204" pitchFamily="34" charset="-122"/>
+              <a:ea typeface="微软雅黑" panose="020B0503020204020204" pitchFamily="34" charset="-122"/>
+            </a:endParaRPr>
+          </a:p>
+          <a:p>
+            <a:pPr marL="285750" indent="-285750">
+              <a:lnSpc>
+                <a:spcPct val="200000"/>
+              </a:lnSpc>
+              <a:buFont typeface="Wingdings" panose="05000000000000000000" pitchFamily="2" charset="2"/>
+              <a:buChar char="p"/>
+            </a:pPr>
+            <a:r>
+              <a:rPr lang="zh-CN" altLang="en-US" sz="1600" dirty="0">
+                <a:solidFill>
+                  <a:prstClr val="black"/>
+                </a:solidFill>
+                <a:latin typeface="微软雅黑" panose="020B0503020204020204" pitchFamily="34" charset="-122"/>
+                <a:ea typeface="微软雅黑" panose="020B0503020204020204" pitchFamily="34" charset="-122"/>
+              </a:rPr>
+              <a:t>元音音素可以构成音节，辅音音素不响亮，不能构成音节。</a:t>
             </a:r>
             <a:endParaRPr lang="en-US" altLang="zh-CN" sz="1600" dirty="0" smtClean="0">
               <a:solidFill>
@@ -35948,7 +36859,345 @@
           <p:cNvPr id="12" name="矩形 11">
             <a:extLst>
               <a:ext uri="{FF2B5EF4-FFF2-40B4-BE49-F238E27FC236}">
-                <a16:creationId xmlns:a16="http://schemas.microsoft.com/office/drawing/2014/main" xmlns="" id="{0FDAD747-108F-4A6D-9220-5EA05067FF1E}"/>
+                <a16:creationId xmlns="" xmlns:a16="http://schemas.microsoft.com/office/drawing/2014/main" id="{0FDAD747-108F-4A6D-9220-5EA05067FF1E}"/>
+              </a:ext>
+            </a:extLst>
+          </p:cNvPr>
+          <p:cNvSpPr/>
+          <p:nvPr/>
+        </p:nvSpPr>
+        <p:spPr>
+          <a:xfrm>
+            <a:off x="843572" y="1120596"/>
+            <a:ext cx="2335896" cy="584775"/>
+          </a:xfrm>
+          <a:prstGeom prst="rect">
+            <a:avLst/>
+          </a:prstGeom>
+        </p:spPr>
+        <p:txBody>
+          <a:bodyPr wrap="none">
+            <a:spAutoFit/>
+          </a:bodyPr>
+          <a:lstStyle/>
+          <a:p>
+            <a:r>
+              <a:rPr lang="en-US" altLang="zh-CN" sz="3200" b="1" dirty="0">
+                <a:solidFill>
+                  <a:prstClr val="black"/>
+                </a:solidFill>
+                <a:latin typeface="微软雅黑" panose="020B0503020204020204" pitchFamily="34" charset="-122"/>
+                <a:ea typeface="微软雅黑" panose="020B0503020204020204" pitchFamily="34" charset="-122"/>
+              </a:rPr>
+              <a:t>Phonemes</a:t>
+            </a:r>
+            <a:endParaRPr lang="zh-CN" altLang="en-US" sz="3200" b="1" dirty="0">
+              <a:solidFill>
+                <a:prstClr val="black"/>
+              </a:solidFill>
+              <a:latin typeface="微软雅黑" panose="020B0503020204020204" pitchFamily="34" charset="-122"/>
+              <a:ea typeface="微软雅黑" panose="020B0503020204020204" pitchFamily="34" charset="-122"/>
+            </a:endParaRPr>
+          </a:p>
+        </p:txBody>
+      </p:sp>
+      <p:sp>
+        <p:nvSpPr>
+          <p:cNvPr id="4" name="矩形 3">
+            <a:extLst>
+              <a:ext uri="{FF2B5EF4-FFF2-40B4-BE49-F238E27FC236}">
+                <a16:creationId xmlns="" xmlns:a16="http://schemas.microsoft.com/office/drawing/2014/main" id="{0FDAD747-108F-4A6D-9220-5EA05067FF1E}"/>
+              </a:ext>
+            </a:extLst>
+          </p:cNvPr>
+          <p:cNvSpPr/>
+          <p:nvPr/>
+        </p:nvSpPr>
+        <p:spPr>
+          <a:xfrm>
+            <a:off x="843573" y="1866759"/>
+            <a:ext cx="10730590" cy="4031873"/>
+          </a:xfrm>
+          <a:prstGeom prst="rect">
+            <a:avLst/>
+          </a:prstGeom>
+        </p:spPr>
+        <p:txBody>
+          <a:bodyPr wrap="square">
+            <a:spAutoFit/>
+          </a:bodyPr>
+          <a:lstStyle/>
+          <a:p>
+            <a:pPr marL="285750" indent="-285750">
+              <a:lnSpc>
+                <a:spcPct val="200000"/>
+              </a:lnSpc>
+              <a:buFont typeface="Wingdings" panose="05000000000000000000" pitchFamily="2" charset="2"/>
+              <a:buChar char="p"/>
+            </a:pPr>
+            <a:r>
+              <a:rPr lang="en-US" altLang="zh-CN" sz="1600" dirty="0" smtClean="0">
+                <a:solidFill>
+                  <a:prstClr val="black"/>
+                </a:solidFill>
+                <a:latin typeface="微软雅黑" panose="020B0503020204020204" pitchFamily="34" charset="-122"/>
+                <a:ea typeface="微软雅黑" panose="020B0503020204020204" pitchFamily="34" charset="-122"/>
+              </a:rPr>
+              <a:t>English is </a:t>
+            </a:r>
+            <a:r>
+              <a:rPr lang="en-US" altLang="zh-CN" sz="1600" dirty="0">
+                <a:solidFill>
+                  <a:prstClr val="black"/>
+                </a:solidFill>
+                <a:latin typeface="微软雅黑" panose="020B0503020204020204" pitchFamily="34" charset="-122"/>
+                <a:ea typeface="微软雅黑" panose="020B0503020204020204" pitchFamily="34" charset="-122"/>
+              </a:rPr>
+              <a:t>made up of </a:t>
+            </a:r>
+            <a:r>
+              <a:rPr lang="en-US" altLang="zh-CN" sz="1600" b="1" dirty="0">
+                <a:solidFill>
+                  <a:srgbClr val="C00000"/>
+                </a:solidFill>
+                <a:latin typeface="微软雅黑" panose="020B0503020204020204" pitchFamily="34" charset="-122"/>
+                <a:ea typeface="微软雅黑" panose="020B0503020204020204" pitchFamily="34" charset="-122"/>
+              </a:rPr>
+              <a:t>44</a:t>
+            </a:r>
+            <a:r>
+              <a:rPr lang="en-US" altLang="zh-CN" sz="1600" dirty="0">
+                <a:solidFill>
+                  <a:prstClr val="black"/>
+                </a:solidFill>
+                <a:latin typeface="微软雅黑" panose="020B0503020204020204" pitchFamily="34" charset="-122"/>
+                <a:ea typeface="微软雅黑" panose="020B0503020204020204" pitchFamily="34" charset="-122"/>
+              </a:rPr>
+              <a:t> phonemes</a:t>
+            </a:r>
+          </a:p>
+          <a:p>
+            <a:pPr marL="285750" indent="-285750">
+              <a:lnSpc>
+                <a:spcPct val="200000"/>
+              </a:lnSpc>
+              <a:buFont typeface="Wingdings" panose="05000000000000000000" pitchFamily="2" charset="2"/>
+              <a:buChar char="p"/>
+            </a:pPr>
+            <a:r>
+              <a:rPr lang="en-US" altLang="zh-CN" sz="1600" b="1" dirty="0" smtClean="0">
+                <a:solidFill>
+                  <a:srgbClr val="C00000"/>
+                </a:solidFill>
+                <a:latin typeface="微软雅黑" panose="020B0503020204020204" pitchFamily="34" charset="-122"/>
+                <a:ea typeface="微软雅黑" panose="020B0503020204020204" pitchFamily="34" charset="-122"/>
+              </a:rPr>
+              <a:t>Vowels(</a:t>
+            </a:r>
+            <a:r>
+              <a:rPr lang="zh-CN" altLang="en-US" sz="1600" b="1" dirty="0">
+                <a:solidFill>
+                  <a:srgbClr val="C00000"/>
+                </a:solidFill>
+                <a:latin typeface="微软雅黑" panose="020B0503020204020204" pitchFamily="34" charset="-122"/>
+                <a:ea typeface="微软雅黑" panose="020B0503020204020204" pitchFamily="34" charset="-122"/>
+              </a:rPr>
+              <a:t>元音</a:t>
+            </a:r>
+            <a:r>
+              <a:rPr lang="en-US" altLang="zh-CN" sz="1600" b="1" dirty="0" smtClean="0">
+                <a:solidFill>
+                  <a:srgbClr val="C00000"/>
+                </a:solidFill>
+                <a:latin typeface="微软雅黑" panose="020B0503020204020204" pitchFamily="34" charset="-122"/>
+                <a:ea typeface="微软雅黑" panose="020B0503020204020204" pitchFamily="34" charset="-122"/>
+              </a:rPr>
+              <a:t>)</a:t>
+            </a:r>
+          </a:p>
+          <a:p>
+            <a:pPr marL="285750" indent="-285750">
+              <a:lnSpc>
+                <a:spcPct val="200000"/>
+              </a:lnSpc>
+              <a:buFont typeface="Wingdings" panose="05000000000000000000" pitchFamily="2" charset="2"/>
+              <a:buChar char="p"/>
+            </a:pPr>
+            <a:r>
+              <a:rPr lang="en-US" altLang="zh-CN" sz="1600" b="1" dirty="0" smtClean="0">
+                <a:solidFill>
+                  <a:srgbClr val="C00000"/>
+                </a:solidFill>
+                <a:latin typeface="微软雅黑" panose="020B0503020204020204" pitchFamily="34" charset="-122"/>
+                <a:ea typeface="微软雅黑" panose="020B0503020204020204" pitchFamily="34" charset="-122"/>
+              </a:rPr>
+              <a:t>Fricatives(</a:t>
+            </a:r>
+            <a:r>
+              <a:rPr lang="zh-CN" altLang="en-US" sz="1600" b="1" dirty="0" smtClean="0">
+                <a:solidFill>
+                  <a:srgbClr val="C00000"/>
+                </a:solidFill>
+                <a:latin typeface="微软雅黑" panose="020B0503020204020204" pitchFamily="34" charset="-122"/>
+                <a:ea typeface="微软雅黑" panose="020B0503020204020204" pitchFamily="34" charset="-122"/>
+              </a:rPr>
+              <a:t>摩擦音</a:t>
+            </a:r>
+            <a:r>
+              <a:rPr lang="en-US" altLang="zh-CN" sz="1600" b="1" dirty="0" smtClean="0">
+                <a:solidFill>
+                  <a:srgbClr val="C00000"/>
+                </a:solidFill>
+                <a:latin typeface="微软雅黑" panose="020B0503020204020204" pitchFamily="34" charset="-122"/>
+                <a:ea typeface="微软雅黑" panose="020B0503020204020204" pitchFamily="34" charset="-122"/>
+              </a:rPr>
+              <a:t>)</a:t>
+            </a:r>
+          </a:p>
+          <a:p>
+            <a:pPr marL="285750" indent="-285750">
+              <a:lnSpc>
+                <a:spcPct val="200000"/>
+              </a:lnSpc>
+              <a:buFont typeface="Wingdings" panose="05000000000000000000" pitchFamily="2" charset="2"/>
+              <a:buChar char="p"/>
+            </a:pPr>
+            <a:r>
+              <a:rPr lang="en-US" altLang="zh-CN" sz="1600" dirty="0" smtClean="0">
+                <a:solidFill>
+                  <a:prstClr val="black"/>
+                </a:solidFill>
+                <a:latin typeface="微软雅黑" panose="020B0503020204020204" pitchFamily="34" charset="-122"/>
+                <a:ea typeface="微软雅黑" panose="020B0503020204020204" pitchFamily="34" charset="-122"/>
+              </a:rPr>
+              <a:t>Stops</a:t>
+            </a:r>
+          </a:p>
+          <a:p>
+            <a:pPr marL="285750" indent="-285750">
+              <a:lnSpc>
+                <a:spcPct val="200000"/>
+              </a:lnSpc>
+              <a:buFont typeface="Wingdings" panose="05000000000000000000" pitchFamily="2" charset="2"/>
+              <a:buChar char="p"/>
+            </a:pPr>
+            <a:r>
+              <a:rPr lang="en-US" altLang="zh-CN" sz="1600" dirty="0" smtClean="0">
+                <a:solidFill>
+                  <a:prstClr val="black"/>
+                </a:solidFill>
+                <a:latin typeface="微软雅黑" panose="020B0503020204020204" pitchFamily="34" charset="-122"/>
+                <a:ea typeface="微软雅黑" panose="020B0503020204020204" pitchFamily="34" charset="-122"/>
+              </a:rPr>
+              <a:t>Affricates</a:t>
+            </a:r>
+          </a:p>
+          <a:p>
+            <a:pPr marL="285750" indent="-285750">
+              <a:lnSpc>
+                <a:spcPct val="200000"/>
+              </a:lnSpc>
+              <a:buFont typeface="Wingdings" panose="05000000000000000000" pitchFamily="2" charset="2"/>
+              <a:buChar char="p"/>
+            </a:pPr>
+            <a:r>
+              <a:rPr lang="en-US" altLang="zh-CN" sz="1600" dirty="0" smtClean="0">
+                <a:solidFill>
+                  <a:prstClr val="black"/>
+                </a:solidFill>
+                <a:latin typeface="微软雅黑" panose="020B0503020204020204" pitchFamily="34" charset="-122"/>
+                <a:ea typeface="微软雅黑" panose="020B0503020204020204" pitchFamily="34" charset="-122"/>
+              </a:rPr>
+              <a:t>Nasal</a:t>
+            </a:r>
+          </a:p>
+          <a:p>
+            <a:pPr marL="285750" indent="-285750">
+              <a:lnSpc>
+                <a:spcPct val="200000"/>
+              </a:lnSpc>
+              <a:buFont typeface="Wingdings" panose="05000000000000000000" pitchFamily="2" charset="2"/>
+              <a:buChar char="p"/>
+            </a:pPr>
+            <a:r>
+              <a:rPr lang="en-US" altLang="zh-CN" sz="1600" dirty="0">
+                <a:solidFill>
+                  <a:prstClr val="black"/>
+                </a:solidFill>
+                <a:latin typeface="微软雅黑" panose="020B0503020204020204" pitchFamily="34" charset="-122"/>
+                <a:ea typeface="微软雅黑" panose="020B0503020204020204" pitchFamily="34" charset="-122"/>
+              </a:rPr>
+              <a:t>Glides</a:t>
+            </a:r>
+            <a:endParaRPr lang="en-US" altLang="zh-CN" sz="1600" dirty="0" smtClean="0">
+              <a:solidFill>
+                <a:prstClr val="black"/>
+              </a:solidFill>
+              <a:latin typeface="微软雅黑" panose="020B0503020204020204" pitchFamily="34" charset="-122"/>
+              <a:ea typeface="微软雅黑" panose="020B0503020204020204" pitchFamily="34" charset="-122"/>
+            </a:endParaRPr>
+          </a:p>
+          <a:p>
+            <a:pPr marL="285750" indent="-285750">
+              <a:lnSpc>
+                <a:spcPct val="200000"/>
+              </a:lnSpc>
+              <a:buFont typeface="Wingdings" panose="05000000000000000000" pitchFamily="2" charset="2"/>
+              <a:buChar char="p"/>
+            </a:pPr>
+            <a:endParaRPr lang="en-US" altLang="zh-CN" sz="1600" dirty="0" smtClean="0">
+              <a:solidFill>
+                <a:prstClr val="black"/>
+              </a:solidFill>
+              <a:latin typeface="微软雅黑" panose="020B0503020204020204" pitchFamily="34" charset="-122"/>
+              <a:ea typeface="微软雅黑" panose="020B0503020204020204" pitchFamily="34" charset="-122"/>
+            </a:endParaRPr>
+          </a:p>
+        </p:txBody>
+      </p:sp>
+    </p:spTree>
+    <p:extLst>
+      <p:ext uri="{BB962C8B-B14F-4D97-AF65-F5344CB8AC3E}">
+        <p14:creationId xmlns:p14="http://schemas.microsoft.com/office/powerpoint/2010/main" val="4056332734"/>
+      </p:ext>
+    </p:extLst>
+  </p:cSld>
+  <p:clrMapOvr>
+    <a:masterClrMapping/>
+  </p:clrMapOvr>
+  <p:timing>
+    <p:tnLst>
+      <p:par>
+        <p:cTn id="1" dur="indefinite" restart="never" nodeType="tmRoot"/>
+      </p:par>
+    </p:tnLst>
+  </p:timing>
+</p:sld>
+</file>
+
+<file path=ppt/slides/slide64.xml><?xml version="1.0" encoding="utf-8"?>
+<p:sld xmlns:a="http://schemas.openxmlformats.org/drawingml/2006/main" xmlns:r="http://schemas.openxmlformats.org/officeDocument/2006/relationships" xmlns:p="http://schemas.openxmlformats.org/presentationml/2006/main">
+  <p:cSld>
+    <p:spTree>
+      <p:nvGrpSpPr>
+        <p:cNvPr id="1" name=""/>
+        <p:cNvGrpSpPr/>
+        <p:nvPr/>
+      </p:nvGrpSpPr>
+      <p:grpSpPr>
+        <a:xfrm>
+          <a:off x="0" y="0"/>
+          <a:ext cx="0" cy="0"/>
+          <a:chOff x="0" y="0"/>
+          <a:chExt cx="0" cy="0"/>
+        </a:xfrm>
+      </p:grpSpPr>
+      <p:sp>
+        <p:nvSpPr>
+          <p:cNvPr id="12" name="矩形 11">
+            <a:extLst>
+              <a:ext uri="{FF2B5EF4-FFF2-40B4-BE49-F238E27FC236}">
+                <a16:creationId xmlns="" xmlns:a16="http://schemas.microsoft.com/office/drawing/2014/main" id="{0FDAD747-108F-4A6D-9220-5EA05067FF1E}"/>
               </a:ext>
             </a:extLst>
           </p:cNvPr>
@@ -35995,7 +37244,7 @@
           <p:cNvPr id="4" name="矩形 3">
             <a:extLst>
               <a:ext uri="{FF2B5EF4-FFF2-40B4-BE49-F238E27FC236}">
-                <a16:creationId xmlns:a16="http://schemas.microsoft.com/office/drawing/2014/main" xmlns="" id="{0FDAD747-108F-4A6D-9220-5EA05067FF1E}"/>
+                <a16:creationId xmlns="" xmlns:a16="http://schemas.microsoft.com/office/drawing/2014/main" id="{0FDAD747-108F-4A6D-9220-5EA05067FF1E}"/>
               </a:ext>
             </a:extLst>
           </p:cNvPr>
@@ -36756,6 +38005,2453 @@
     <p:extLst>
       <p:ext uri="{BB962C8B-B14F-4D97-AF65-F5344CB8AC3E}">
         <p14:creationId xmlns:p14="http://schemas.microsoft.com/office/powerpoint/2010/main" val="3387419480"/>
+      </p:ext>
+    </p:extLst>
+  </p:cSld>
+  <p:clrMapOvr>
+    <a:masterClrMapping/>
+  </p:clrMapOvr>
+  <p:timing>
+    <p:tnLst>
+      <p:par>
+        <p:cTn id="1" dur="indefinite" restart="never" nodeType="tmRoot"/>
+      </p:par>
+    </p:tnLst>
+  </p:timing>
+</p:sld>
+</file>
+
+<file path=ppt/slides/slide65.xml><?xml version="1.0" encoding="utf-8"?>
+<p:sld xmlns:a="http://schemas.openxmlformats.org/drawingml/2006/main" xmlns:r="http://schemas.openxmlformats.org/officeDocument/2006/relationships" xmlns:p="http://schemas.openxmlformats.org/presentationml/2006/main">
+  <p:cSld>
+    <p:spTree>
+      <p:nvGrpSpPr>
+        <p:cNvPr id="1" name=""/>
+        <p:cNvGrpSpPr/>
+        <p:nvPr/>
+      </p:nvGrpSpPr>
+      <p:grpSpPr>
+        <a:xfrm>
+          <a:off x="0" y="0"/>
+          <a:ext cx="0" cy="0"/>
+          <a:chOff x="0" y="0"/>
+          <a:chExt cx="0" cy="0"/>
+        </a:xfrm>
+      </p:grpSpPr>
+      <p:sp>
+        <p:nvSpPr>
+          <p:cNvPr id="12" name="矩形 11">
+            <a:extLst>
+              <a:ext uri="{FF2B5EF4-FFF2-40B4-BE49-F238E27FC236}">
+                <a16:creationId xmlns="" xmlns:a16="http://schemas.microsoft.com/office/drawing/2014/main" id="{0FDAD747-108F-4A6D-9220-5EA05067FF1E}"/>
+              </a:ext>
+            </a:extLst>
+          </p:cNvPr>
+          <p:cNvSpPr/>
+          <p:nvPr/>
+        </p:nvSpPr>
+        <p:spPr>
+          <a:xfrm>
+            <a:off x="843572" y="596340"/>
+            <a:ext cx="184731" cy="584775"/>
+          </a:xfrm>
+          <a:prstGeom prst="rect">
+            <a:avLst/>
+          </a:prstGeom>
+        </p:spPr>
+        <p:txBody>
+          <a:bodyPr wrap="none">
+            <a:spAutoFit/>
+          </a:bodyPr>
+          <a:lstStyle/>
+          <a:p>
+            <a:endParaRPr lang="zh-CN" altLang="en-US" sz="3200" b="1" dirty="0">
+              <a:solidFill>
+                <a:prstClr val="black"/>
+              </a:solidFill>
+              <a:latin typeface="微软雅黑" panose="020B0503020204020204" pitchFamily="34" charset="-122"/>
+              <a:ea typeface="微软雅黑" panose="020B0503020204020204" pitchFamily="34" charset="-122"/>
+            </a:endParaRPr>
+          </a:p>
+        </p:txBody>
+      </p:sp>
+      <p:sp>
+        <p:nvSpPr>
+          <p:cNvPr id="4" name="矩形 3">
+            <a:extLst>
+              <a:ext uri="{FF2B5EF4-FFF2-40B4-BE49-F238E27FC236}">
+                <a16:creationId xmlns="" xmlns:a16="http://schemas.microsoft.com/office/drawing/2014/main" id="{0FDAD747-108F-4A6D-9220-5EA05067FF1E}"/>
+              </a:ext>
+            </a:extLst>
+          </p:cNvPr>
+          <p:cNvSpPr/>
+          <p:nvPr/>
+        </p:nvSpPr>
+        <p:spPr>
+          <a:xfrm>
+            <a:off x="843573" y="1866759"/>
+            <a:ext cx="10730590" cy="1569660"/>
+          </a:xfrm>
+          <a:prstGeom prst="rect">
+            <a:avLst/>
+          </a:prstGeom>
+        </p:spPr>
+        <p:txBody>
+          <a:bodyPr wrap="square">
+            <a:spAutoFit/>
+          </a:bodyPr>
+          <a:lstStyle/>
+          <a:p>
+            <a:pPr marL="285750" indent="-285750">
+              <a:lnSpc>
+                <a:spcPct val="200000"/>
+              </a:lnSpc>
+              <a:buFont typeface="Wingdings" panose="05000000000000000000" pitchFamily="2" charset="2"/>
+              <a:buChar char="p"/>
+            </a:pPr>
+            <a:endParaRPr lang="en-US" altLang="zh-CN" sz="1600" dirty="0" smtClean="0">
+              <a:solidFill>
+                <a:prstClr val="black"/>
+              </a:solidFill>
+              <a:latin typeface="微软雅黑" panose="020B0503020204020204" pitchFamily="34" charset="-122"/>
+              <a:ea typeface="微软雅黑" panose="020B0503020204020204" pitchFamily="34" charset="-122"/>
+            </a:endParaRPr>
+          </a:p>
+          <a:p>
+            <a:pPr marL="285750" indent="-285750">
+              <a:lnSpc>
+                <a:spcPct val="200000"/>
+              </a:lnSpc>
+              <a:buFont typeface="Wingdings" panose="05000000000000000000" pitchFamily="2" charset="2"/>
+              <a:buChar char="p"/>
+            </a:pPr>
+            <a:endParaRPr lang="en-US" altLang="zh-CN" sz="1600" dirty="0" smtClean="0">
+              <a:solidFill>
+                <a:prstClr val="black"/>
+              </a:solidFill>
+              <a:latin typeface="微软雅黑" panose="020B0503020204020204" pitchFamily="34" charset="-122"/>
+              <a:ea typeface="微软雅黑" panose="020B0503020204020204" pitchFamily="34" charset="-122"/>
+            </a:endParaRPr>
+          </a:p>
+          <a:p>
+            <a:pPr marL="285750" indent="-285750">
+              <a:lnSpc>
+                <a:spcPct val="200000"/>
+              </a:lnSpc>
+              <a:buFont typeface="Wingdings" panose="05000000000000000000" pitchFamily="2" charset="2"/>
+              <a:buChar char="p"/>
+            </a:pPr>
+            <a:endParaRPr lang="en-US" altLang="zh-CN" sz="1600" dirty="0" smtClean="0">
+              <a:solidFill>
+                <a:prstClr val="black"/>
+              </a:solidFill>
+              <a:latin typeface="微软雅黑" panose="020B0503020204020204" pitchFamily="34" charset="-122"/>
+              <a:ea typeface="微软雅黑" panose="020B0503020204020204" pitchFamily="34" charset="-122"/>
+            </a:endParaRPr>
+          </a:p>
+        </p:txBody>
+      </p:sp>
+      <p:sp>
+        <p:nvSpPr>
+          <p:cNvPr id="5" name="矩形 4" descr="紫色网格">
+            <a:extLst>
+              <a:ext uri="{FF2B5EF4-FFF2-40B4-BE49-F238E27FC236}">
+                <a16:creationId xmlns="" xmlns:a16="http://schemas.microsoft.com/office/drawing/2014/main" id="{44AEA09D-FD0A-4CA0-883D-93E5EAF762D6}"/>
+              </a:ext>
+            </a:extLst>
+          </p:cNvPr>
+          <p:cNvSpPr>
+            <a:spLocks noChangeArrowheads="1"/>
+          </p:cNvSpPr>
+          <p:nvPr/>
+        </p:nvSpPr>
+        <p:spPr bwMode="auto">
+          <a:xfrm>
+            <a:off x="570068" y="4910642"/>
+            <a:ext cx="11277599" cy="872822"/>
+          </a:xfrm>
+          <a:prstGeom prst="rect">
+            <a:avLst/>
+          </a:prstGeom>
+          <a:gradFill rotWithShape="1">
+            <a:gsLst>
+              <a:gs pos="0">
+                <a:srgbClr val="FFFFFF"/>
+              </a:gs>
+              <a:gs pos="35000">
+                <a:srgbClr val="FFFFFF"/>
+              </a:gs>
+              <a:gs pos="100000">
+                <a:srgbClr val="FFFFFF"/>
+              </a:gs>
+            </a:gsLst>
+            <a:lin ang="5400000" scaled="1"/>
+          </a:gradFill>
+          <a:ln w="57150">
+            <a:solidFill>
+              <a:srgbClr val="800000"/>
+            </a:solidFill>
+            <a:miter lim="800000"/>
+            <a:headEnd/>
+            <a:tailEnd/>
+          </a:ln>
+          <a:effectLst>
+            <a:outerShdw blurRad="63500" dist="20000" dir="5400000" algn="ctr" rotWithShape="0">
+              <a:srgbClr val="000000">
+                <a:alpha val="35999"/>
+              </a:srgbClr>
+            </a:outerShdw>
+          </a:effectLst>
+        </p:spPr>
+        <p:txBody>
+          <a:bodyPr anchor="ctr"/>
+          <a:lstStyle>
+            <a:defPPr>
+              <a:defRPr lang="zh-CN"/>
+            </a:defPPr>
+            <a:lvl1pPr marL="0" algn="l" defTabSz="914400" rtl="0" eaLnBrk="1" latinLnBrk="0" hangingPunct="1">
+              <a:defRPr sz="1800" kern="1200">
+                <a:solidFill>
+                  <a:schemeClr val="tx1"/>
+                </a:solidFill>
+                <a:latin typeface="+mn-lt"/>
+                <a:ea typeface="+mn-ea"/>
+                <a:cs typeface="+mn-cs"/>
+              </a:defRPr>
+            </a:lvl1pPr>
+            <a:lvl2pPr marL="457200" algn="l" defTabSz="914400" rtl="0" eaLnBrk="1" latinLnBrk="0" hangingPunct="1">
+              <a:defRPr sz="1800" kern="1200">
+                <a:solidFill>
+                  <a:schemeClr val="tx1"/>
+                </a:solidFill>
+                <a:latin typeface="+mn-lt"/>
+                <a:ea typeface="+mn-ea"/>
+                <a:cs typeface="+mn-cs"/>
+              </a:defRPr>
+            </a:lvl2pPr>
+            <a:lvl3pPr marL="914400" algn="l" defTabSz="914400" rtl="0" eaLnBrk="1" latinLnBrk="0" hangingPunct="1">
+              <a:defRPr sz="1800" kern="1200">
+                <a:solidFill>
+                  <a:schemeClr val="tx1"/>
+                </a:solidFill>
+                <a:latin typeface="+mn-lt"/>
+                <a:ea typeface="+mn-ea"/>
+                <a:cs typeface="+mn-cs"/>
+              </a:defRPr>
+            </a:lvl3pPr>
+            <a:lvl4pPr marL="1371600" algn="l" defTabSz="914400" rtl="0" eaLnBrk="1" latinLnBrk="0" hangingPunct="1">
+              <a:defRPr sz="1800" kern="1200">
+                <a:solidFill>
+                  <a:schemeClr val="tx1"/>
+                </a:solidFill>
+                <a:latin typeface="+mn-lt"/>
+                <a:ea typeface="+mn-ea"/>
+                <a:cs typeface="+mn-cs"/>
+              </a:defRPr>
+            </a:lvl4pPr>
+            <a:lvl5pPr marL="1828800" algn="l" defTabSz="914400" rtl="0" eaLnBrk="1" latinLnBrk="0" hangingPunct="1">
+              <a:defRPr sz="1800" kern="1200">
+                <a:solidFill>
+                  <a:schemeClr val="tx1"/>
+                </a:solidFill>
+                <a:latin typeface="+mn-lt"/>
+                <a:ea typeface="+mn-ea"/>
+                <a:cs typeface="+mn-cs"/>
+              </a:defRPr>
+            </a:lvl5pPr>
+            <a:lvl6pPr marL="2286000" algn="l" defTabSz="914400" rtl="0" eaLnBrk="1" latinLnBrk="0" hangingPunct="1">
+              <a:defRPr sz="1800" kern="1200">
+                <a:solidFill>
+                  <a:schemeClr val="tx1"/>
+                </a:solidFill>
+                <a:latin typeface="+mn-lt"/>
+                <a:ea typeface="+mn-ea"/>
+                <a:cs typeface="+mn-cs"/>
+              </a:defRPr>
+            </a:lvl6pPr>
+            <a:lvl7pPr marL="2743200" algn="l" defTabSz="914400" rtl="0" eaLnBrk="1" latinLnBrk="0" hangingPunct="1">
+              <a:defRPr sz="1800" kern="1200">
+                <a:solidFill>
+                  <a:schemeClr val="tx1"/>
+                </a:solidFill>
+                <a:latin typeface="+mn-lt"/>
+                <a:ea typeface="+mn-ea"/>
+                <a:cs typeface="+mn-cs"/>
+              </a:defRPr>
+            </a:lvl7pPr>
+            <a:lvl8pPr marL="3200400" algn="l" defTabSz="914400" rtl="0" eaLnBrk="1" latinLnBrk="0" hangingPunct="1">
+              <a:defRPr sz="1800" kern="1200">
+                <a:solidFill>
+                  <a:schemeClr val="tx1"/>
+                </a:solidFill>
+                <a:latin typeface="+mn-lt"/>
+                <a:ea typeface="+mn-ea"/>
+                <a:cs typeface="+mn-cs"/>
+              </a:defRPr>
+            </a:lvl8pPr>
+            <a:lvl9pPr marL="3657600" algn="l" defTabSz="914400" rtl="0" eaLnBrk="1" latinLnBrk="0" hangingPunct="1">
+              <a:defRPr sz="1800" kern="1200">
+                <a:solidFill>
+                  <a:schemeClr val="tx1"/>
+                </a:solidFill>
+                <a:latin typeface="+mn-lt"/>
+                <a:ea typeface="+mn-ea"/>
+                <a:cs typeface="+mn-cs"/>
+              </a:defRPr>
+            </a:lvl9pPr>
+          </a:lstStyle>
+          <a:p>
+            <a:pPr lvl="0" algn="ctr">
+              <a:lnSpc>
+                <a:spcPct val="150000"/>
+              </a:lnSpc>
+            </a:pPr>
+            <a:r>
+              <a:rPr lang="zh-CN" altLang="en-US" sz="2400" b="1" dirty="0" smtClean="0">
+                <a:solidFill>
+                  <a:prstClr val="black"/>
+                </a:solidFill>
+                <a:latin typeface="Microsoft YaHei" charset="-122"/>
+                <a:ea typeface="Microsoft YaHei" charset="-122"/>
+                <a:cs typeface="Microsoft YaHei" charset="-122"/>
+              </a:rPr>
+              <a:t>关键问题</a:t>
+            </a:r>
+            <a:r>
+              <a:rPr lang="en-US" altLang="zh-CN" sz="2400" b="1" dirty="0" smtClean="0">
+                <a:solidFill>
+                  <a:prstClr val="black"/>
+                </a:solidFill>
+                <a:latin typeface="Microsoft YaHei" charset="-122"/>
+                <a:ea typeface="Microsoft YaHei" charset="-122"/>
+                <a:cs typeface="Microsoft YaHei" charset="-122"/>
+              </a:rPr>
+              <a:t>1</a:t>
+            </a:r>
+            <a:r>
+              <a:rPr lang="zh-CN" altLang="en-US" sz="2400" b="1" dirty="0" smtClean="0">
+                <a:solidFill>
+                  <a:prstClr val="black"/>
+                </a:solidFill>
+                <a:latin typeface="Microsoft YaHei" charset="-122"/>
+                <a:ea typeface="Microsoft YaHei" charset="-122"/>
+                <a:cs typeface="Microsoft YaHei" charset="-122"/>
+              </a:rPr>
+              <a:t>：如何拆解句子与音素？</a:t>
+            </a:r>
+            <a:endParaRPr lang="en-US" altLang="zh-CN" sz="1400" dirty="0">
+              <a:solidFill>
+                <a:prstClr val="black"/>
+              </a:solidFill>
+              <a:latin typeface="Microsoft YaHei" charset="-122"/>
+              <a:ea typeface="Microsoft YaHei" charset="-122"/>
+              <a:cs typeface="Microsoft YaHei" charset="-122"/>
+            </a:endParaRPr>
+          </a:p>
+        </p:txBody>
+      </p:sp>
+      <p:sp>
+        <p:nvSpPr>
+          <p:cNvPr id="7" name="矩形 6">
+            <a:extLst>
+              <a:ext uri="{FF2B5EF4-FFF2-40B4-BE49-F238E27FC236}">
+                <a16:creationId xmlns="" xmlns:a16="http://schemas.microsoft.com/office/drawing/2014/main" id="{0FDAD747-108F-4A6D-9220-5EA05067FF1E}"/>
+              </a:ext>
+            </a:extLst>
+          </p:cNvPr>
+          <p:cNvSpPr/>
+          <p:nvPr/>
+        </p:nvSpPr>
+        <p:spPr>
+          <a:xfrm>
+            <a:off x="843572" y="1120596"/>
+            <a:ext cx="1826141" cy="584775"/>
+          </a:xfrm>
+          <a:prstGeom prst="rect">
+            <a:avLst/>
+          </a:prstGeom>
+        </p:spPr>
+        <p:txBody>
+          <a:bodyPr wrap="none">
+            <a:spAutoFit/>
+          </a:bodyPr>
+          <a:lstStyle/>
+          <a:p>
+            <a:r>
+              <a:rPr lang="zh-CN" altLang="en-US" sz="3200" b="1" dirty="0">
+                <a:solidFill>
+                  <a:prstClr val="black"/>
+                </a:solidFill>
+                <a:latin typeface="微软雅黑" panose="020B0503020204020204" pitchFamily="34" charset="-122"/>
+                <a:ea typeface="微软雅黑" panose="020B0503020204020204" pitchFamily="34" charset="-122"/>
+              </a:rPr>
+              <a:t>关键问题</a:t>
+            </a:r>
+            <a:endParaRPr lang="zh-CN" altLang="en-US" sz="3200" b="1" dirty="0">
+              <a:solidFill>
+                <a:prstClr val="black"/>
+              </a:solidFill>
+              <a:latin typeface="微软雅黑" panose="020B0503020204020204" pitchFamily="34" charset="-122"/>
+              <a:ea typeface="微软雅黑" panose="020B0503020204020204" pitchFamily="34" charset="-122"/>
+            </a:endParaRPr>
+          </a:p>
+        </p:txBody>
+      </p:sp>
+      <p:sp>
+        <p:nvSpPr>
+          <p:cNvPr id="8" name="矩形 7">
+            <a:extLst>
+              <a:ext uri="{FF2B5EF4-FFF2-40B4-BE49-F238E27FC236}">
+                <a16:creationId xmlns="" xmlns:a16="http://schemas.microsoft.com/office/drawing/2014/main" id="{0FDAD747-108F-4A6D-9220-5EA05067FF1E}"/>
+              </a:ext>
+            </a:extLst>
+          </p:cNvPr>
+          <p:cNvSpPr/>
+          <p:nvPr/>
+        </p:nvSpPr>
+        <p:spPr>
+          <a:xfrm>
+            <a:off x="843573" y="1866759"/>
+            <a:ext cx="10730590" cy="2385268"/>
+          </a:xfrm>
+          <a:prstGeom prst="rect">
+            <a:avLst/>
+          </a:prstGeom>
+        </p:spPr>
+        <p:txBody>
+          <a:bodyPr wrap="square">
+            <a:spAutoFit/>
+          </a:bodyPr>
+          <a:lstStyle/>
+          <a:p>
+            <a:pPr marL="285750" indent="-285750">
+              <a:lnSpc>
+                <a:spcPct val="200000"/>
+              </a:lnSpc>
+              <a:buFont typeface="Wingdings" panose="05000000000000000000" pitchFamily="2" charset="2"/>
+              <a:buChar char="p"/>
+            </a:pPr>
+            <a:r>
+              <a:rPr lang="en-US" altLang="zh-CN" sz="1600" b="1" dirty="0" smtClean="0">
+                <a:solidFill>
+                  <a:prstClr val="black"/>
+                </a:solidFill>
+                <a:latin typeface="微软雅黑" panose="020B0503020204020204" pitchFamily="34" charset="-122"/>
+                <a:ea typeface="微软雅黑" panose="020B0503020204020204" pitchFamily="34" charset="-122"/>
+              </a:rPr>
+              <a:t>DFT</a:t>
+            </a:r>
+            <a:r>
+              <a:rPr lang="en-US" altLang="zh-CN" sz="1600" dirty="0" smtClean="0">
+                <a:solidFill>
+                  <a:prstClr val="black"/>
+                </a:solidFill>
+                <a:latin typeface="微软雅黑" panose="020B0503020204020204" pitchFamily="34" charset="-122"/>
+                <a:ea typeface="微软雅黑" panose="020B0503020204020204" pitchFamily="34" charset="-122"/>
+              </a:rPr>
+              <a:t>: Data-Independent </a:t>
+            </a:r>
+            <a:r>
+              <a:rPr lang="en-US" altLang="zh-CN" sz="1600" dirty="0">
+                <a:solidFill>
+                  <a:prstClr val="black"/>
+                </a:solidFill>
+                <a:latin typeface="微软雅黑" panose="020B0503020204020204" pitchFamily="34" charset="-122"/>
+                <a:ea typeface="微软雅黑" panose="020B0503020204020204" pitchFamily="34" charset="-122"/>
+              </a:rPr>
+              <a:t>Transforms:</a:t>
+            </a:r>
+            <a:endParaRPr lang="en-US" altLang="zh-CN" sz="1600" dirty="0" smtClean="0">
+              <a:solidFill>
+                <a:prstClr val="black"/>
+              </a:solidFill>
+              <a:latin typeface="微软雅黑" panose="020B0503020204020204" pitchFamily="34" charset="-122"/>
+              <a:ea typeface="微软雅黑" panose="020B0503020204020204" pitchFamily="34" charset="-122"/>
+            </a:endParaRPr>
+          </a:p>
+          <a:p>
+            <a:pPr marL="285750" indent="-285750">
+              <a:lnSpc>
+                <a:spcPct val="200000"/>
+              </a:lnSpc>
+              <a:buFont typeface="Wingdings" panose="05000000000000000000" pitchFamily="2" charset="2"/>
+              <a:buChar char="p"/>
+            </a:pPr>
+            <a:r>
+              <a:rPr lang="en-US" altLang="zh-CN" sz="1600" b="1" dirty="0">
+                <a:solidFill>
+                  <a:prstClr val="black"/>
+                </a:solidFill>
+                <a:latin typeface="微软雅黑" panose="020B0503020204020204" pitchFamily="34" charset="-122"/>
+                <a:ea typeface="微软雅黑" panose="020B0503020204020204" pitchFamily="34" charset="-122"/>
+              </a:rPr>
+              <a:t>SSA</a:t>
+            </a:r>
+            <a:r>
+              <a:rPr lang="en-US" altLang="zh-CN" sz="1600" dirty="0">
+                <a:solidFill>
+                  <a:prstClr val="black"/>
+                </a:solidFill>
+                <a:latin typeface="微软雅黑" panose="020B0503020204020204" pitchFamily="34" charset="-122"/>
+                <a:ea typeface="微软雅黑" panose="020B0503020204020204" pitchFamily="34" charset="-122"/>
+              </a:rPr>
+              <a:t>: Singular Spectrum Analysis</a:t>
+            </a:r>
+            <a:endParaRPr lang="en-US" altLang="zh-CN" sz="1600" dirty="0" smtClean="0">
+              <a:solidFill>
+                <a:prstClr val="black"/>
+              </a:solidFill>
+              <a:latin typeface="微软雅黑" panose="020B0503020204020204" pitchFamily="34" charset="-122"/>
+              <a:ea typeface="微软雅黑" panose="020B0503020204020204" pitchFamily="34" charset="-122"/>
+            </a:endParaRPr>
+          </a:p>
+          <a:p>
+            <a:pPr marL="285750" indent="-285750">
+              <a:lnSpc>
+                <a:spcPct val="200000"/>
+              </a:lnSpc>
+              <a:buFont typeface="Wingdings" panose="05000000000000000000" pitchFamily="2" charset="2"/>
+              <a:buChar char="p"/>
+            </a:pPr>
+            <a:r>
+              <a:rPr lang="zh-CN" altLang="en-US" sz="1600" dirty="0" smtClean="0">
+                <a:solidFill>
+                  <a:prstClr val="black"/>
+                </a:solidFill>
+                <a:latin typeface="微软雅黑" panose="020B0503020204020204" pitchFamily="34" charset="-122"/>
+                <a:ea typeface="微软雅黑" panose="020B0503020204020204" pitchFamily="34" charset="-122"/>
+              </a:rPr>
+              <a:t>参考资料：</a:t>
+            </a:r>
+            <a:r>
+              <a:rPr lang="en-US" altLang="zh-CN" sz="1050" dirty="0">
+                <a:solidFill>
+                  <a:prstClr val="black"/>
+                </a:solidFill>
+                <a:latin typeface="微软雅黑" panose="020B0503020204020204" pitchFamily="34" charset="-122"/>
+                <a:ea typeface="微软雅黑" panose="020B0503020204020204" pitchFamily="34" charset="-122"/>
+              </a:rPr>
+              <a:t>Hear “No Evil”, See “Kenansville”*: Efficient </a:t>
+            </a:r>
+            <a:r>
+              <a:rPr lang="en-US" altLang="zh-CN" sz="1050" dirty="0" smtClean="0">
+                <a:solidFill>
+                  <a:prstClr val="black"/>
+                </a:solidFill>
+                <a:latin typeface="微软雅黑" panose="020B0503020204020204" pitchFamily="34" charset="-122"/>
+                <a:ea typeface="微软雅黑" panose="020B0503020204020204" pitchFamily="34" charset="-122"/>
+              </a:rPr>
+              <a:t>and Transferable </a:t>
+            </a:r>
+            <a:r>
+              <a:rPr lang="en-US" altLang="zh-CN" sz="1050" dirty="0">
+                <a:solidFill>
+                  <a:prstClr val="black"/>
+                </a:solidFill>
+                <a:latin typeface="微软雅黑" panose="020B0503020204020204" pitchFamily="34" charset="-122"/>
+                <a:ea typeface="微软雅黑" panose="020B0503020204020204" pitchFamily="34" charset="-122"/>
+              </a:rPr>
+              <a:t>Black-Box Attacks </a:t>
+            </a:r>
+            <a:r>
+              <a:rPr lang="en-US" altLang="zh-CN" sz="1050" dirty="0" smtClean="0">
+                <a:solidFill>
+                  <a:prstClr val="black"/>
+                </a:solidFill>
+                <a:latin typeface="微软雅黑" panose="020B0503020204020204" pitchFamily="34" charset="-122"/>
+                <a:ea typeface="微软雅黑" panose="020B0503020204020204" pitchFamily="34" charset="-122"/>
+              </a:rPr>
+              <a:t>on</a:t>
+            </a:r>
+          </a:p>
+          <a:p>
+            <a:pPr>
+              <a:lnSpc>
+                <a:spcPct val="200000"/>
+              </a:lnSpc>
+            </a:pPr>
+            <a:r>
+              <a:rPr lang="en-US" altLang="zh-CN" sz="1050" dirty="0" smtClean="0">
+                <a:solidFill>
+                  <a:prstClr val="black"/>
+                </a:solidFill>
+                <a:latin typeface="微软雅黑" panose="020B0503020204020204" pitchFamily="34" charset="-122"/>
+                <a:ea typeface="微软雅黑" panose="020B0503020204020204" pitchFamily="34" charset="-122"/>
+              </a:rPr>
+              <a:t> Speech Recognition </a:t>
+            </a:r>
+            <a:r>
+              <a:rPr lang="en-US" altLang="zh-CN" sz="1050" dirty="0">
+                <a:solidFill>
+                  <a:prstClr val="black"/>
+                </a:solidFill>
+                <a:latin typeface="微软雅黑" panose="020B0503020204020204" pitchFamily="34" charset="-122"/>
+                <a:ea typeface="微软雅黑" panose="020B0503020204020204" pitchFamily="34" charset="-122"/>
+              </a:rPr>
+              <a:t>and Voice Identification Systems</a:t>
+            </a:r>
+          </a:p>
+          <a:p>
+            <a:pPr marL="285750" indent="-285750">
+              <a:lnSpc>
+                <a:spcPct val="200000"/>
+              </a:lnSpc>
+              <a:buFont typeface="Wingdings" panose="05000000000000000000" pitchFamily="2" charset="2"/>
+              <a:buChar char="p"/>
+            </a:pPr>
+            <a:r>
+              <a:rPr lang="en-US" altLang="zh-CN" sz="1600" b="1" dirty="0" smtClean="0">
+                <a:solidFill>
+                  <a:srgbClr val="C00000"/>
+                </a:solidFill>
+                <a:latin typeface="微软雅黑" panose="020B0503020204020204" pitchFamily="34" charset="-122"/>
+                <a:ea typeface="微软雅黑" panose="020B0503020204020204" pitchFamily="34" charset="-122"/>
+              </a:rPr>
+              <a:t>To do list</a:t>
+            </a:r>
+            <a:endParaRPr lang="en-US" altLang="zh-CN" sz="1600" b="1" dirty="0" smtClean="0">
+              <a:solidFill>
+                <a:srgbClr val="C00000"/>
+              </a:solidFill>
+              <a:latin typeface="微软雅黑" panose="020B0503020204020204" pitchFamily="34" charset="-122"/>
+              <a:ea typeface="微软雅黑" panose="020B0503020204020204" pitchFamily="34" charset="-122"/>
+            </a:endParaRPr>
+          </a:p>
+        </p:txBody>
+      </p:sp>
+      <p:pic>
+        <p:nvPicPr>
+          <p:cNvPr id="3" name="图片 2"/>
+          <p:cNvPicPr>
+            <a:picLocks noChangeAspect="1"/>
+          </p:cNvPicPr>
+          <p:nvPr/>
+        </p:nvPicPr>
+        <p:blipFill rotWithShape="1">
+          <a:blip r:embed="rId3"/>
+          <a:srcRect t="3041"/>
+          <a:stretch/>
+        </p:blipFill>
+        <p:spPr>
+          <a:xfrm>
+            <a:off x="8193024" y="1260192"/>
+            <a:ext cx="3544400" cy="3533319"/>
+          </a:xfrm>
+          <a:prstGeom prst="rect">
+            <a:avLst/>
+          </a:prstGeom>
+        </p:spPr>
+      </p:pic>
+    </p:spTree>
+    <p:extLst>
+      <p:ext uri="{BB962C8B-B14F-4D97-AF65-F5344CB8AC3E}">
+        <p14:creationId xmlns:p14="http://schemas.microsoft.com/office/powerpoint/2010/main" val="2241604784"/>
+      </p:ext>
+    </p:extLst>
+  </p:cSld>
+  <p:clrMapOvr>
+    <a:masterClrMapping/>
+  </p:clrMapOvr>
+  <p:timing>
+    <p:tnLst>
+      <p:par>
+        <p:cTn id="1" dur="indefinite" restart="never" nodeType="tmRoot"/>
+      </p:par>
+    </p:tnLst>
+  </p:timing>
+</p:sld>
+</file>
+
+<file path=ppt/slides/slide66.xml><?xml version="1.0" encoding="utf-8"?>
+<p:sld xmlns:a="http://schemas.openxmlformats.org/drawingml/2006/main" xmlns:r="http://schemas.openxmlformats.org/officeDocument/2006/relationships" xmlns:p="http://schemas.openxmlformats.org/presentationml/2006/main">
+  <p:cSld>
+    <p:spTree>
+      <p:nvGrpSpPr>
+        <p:cNvPr id="1" name=""/>
+        <p:cNvGrpSpPr/>
+        <p:nvPr/>
+      </p:nvGrpSpPr>
+      <p:grpSpPr>
+        <a:xfrm>
+          <a:off x="0" y="0"/>
+          <a:ext cx="0" cy="0"/>
+          <a:chOff x="0" y="0"/>
+          <a:chExt cx="0" cy="0"/>
+        </a:xfrm>
+      </p:grpSpPr>
+      <p:sp>
+        <p:nvSpPr>
+          <p:cNvPr id="12" name="矩形 11">
+            <a:extLst>
+              <a:ext uri="{FF2B5EF4-FFF2-40B4-BE49-F238E27FC236}">
+                <a16:creationId xmlns="" xmlns:a16="http://schemas.microsoft.com/office/drawing/2014/main" id="{0FDAD747-108F-4A6D-9220-5EA05067FF1E}"/>
+              </a:ext>
+            </a:extLst>
+          </p:cNvPr>
+          <p:cNvSpPr/>
+          <p:nvPr/>
+        </p:nvSpPr>
+        <p:spPr>
+          <a:xfrm>
+            <a:off x="843572" y="596340"/>
+            <a:ext cx="184731" cy="584775"/>
+          </a:xfrm>
+          <a:prstGeom prst="rect">
+            <a:avLst/>
+          </a:prstGeom>
+        </p:spPr>
+        <p:txBody>
+          <a:bodyPr wrap="none">
+            <a:spAutoFit/>
+          </a:bodyPr>
+          <a:lstStyle/>
+          <a:p>
+            <a:endParaRPr lang="zh-CN" altLang="en-US" sz="3200" b="1" dirty="0">
+              <a:solidFill>
+                <a:prstClr val="black"/>
+              </a:solidFill>
+              <a:latin typeface="微软雅黑" panose="020B0503020204020204" pitchFamily="34" charset="-122"/>
+              <a:ea typeface="微软雅黑" panose="020B0503020204020204" pitchFamily="34" charset="-122"/>
+            </a:endParaRPr>
+          </a:p>
+        </p:txBody>
+      </p:sp>
+      <p:sp>
+        <p:nvSpPr>
+          <p:cNvPr id="4" name="矩形 3">
+            <a:extLst>
+              <a:ext uri="{FF2B5EF4-FFF2-40B4-BE49-F238E27FC236}">
+                <a16:creationId xmlns="" xmlns:a16="http://schemas.microsoft.com/office/drawing/2014/main" id="{0FDAD747-108F-4A6D-9220-5EA05067FF1E}"/>
+              </a:ext>
+            </a:extLst>
+          </p:cNvPr>
+          <p:cNvSpPr/>
+          <p:nvPr/>
+        </p:nvSpPr>
+        <p:spPr>
+          <a:xfrm>
+            <a:off x="843573" y="1866759"/>
+            <a:ext cx="10730590" cy="1569660"/>
+          </a:xfrm>
+          <a:prstGeom prst="rect">
+            <a:avLst/>
+          </a:prstGeom>
+        </p:spPr>
+        <p:txBody>
+          <a:bodyPr wrap="square">
+            <a:spAutoFit/>
+          </a:bodyPr>
+          <a:lstStyle/>
+          <a:p>
+            <a:pPr marL="285750" indent="-285750">
+              <a:lnSpc>
+                <a:spcPct val="200000"/>
+              </a:lnSpc>
+              <a:buFont typeface="Wingdings" panose="05000000000000000000" pitchFamily="2" charset="2"/>
+              <a:buChar char="p"/>
+            </a:pPr>
+            <a:endParaRPr lang="en-US" altLang="zh-CN" sz="1600" dirty="0" smtClean="0">
+              <a:solidFill>
+                <a:prstClr val="black"/>
+              </a:solidFill>
+              <a:latin typeface="微软雅黑" panose="020B0503020204020204" pitchFamily="34" charset="-122"/>
+              <a:ea typeface="微软雅黑" panose="020B0503020204020204" pitchFamily="34" charset="-122"/>
+            </a:endParaRPr>
+          </a:p>
+          <a:p>
+            <a:pPr marL="285750" indent="-285750">
+              <a:lnSpc>
+                <a:spcPct val="200000"/>
+              </a:lnSpc>
+              <a:buFont typeface="Wingdings" panose="05000000000000000000" pitchFamily="2" charset="2"/>
+              <a:buChar char="p"/>
+            </a:pPr>
+            <a:endParaRPr lang="en-US" altLang="zh-CN" sz="1600" dirty="0" smtClean="0">
+              <a:solidFill>
+                <a:prstClr val="black"/>
+              </a:solidFill>
+              <a:latin typeface="微软雅黑" panose="020B0503020204020204" pitchFamily="34" charset="-122"/>
+              <a:ea typeface="微软雅黑" panose="020B0503020204020204" pitchFamily="34" charset="-122"/>
+            </a:endParaRPr>
+          </a:p>
+          <a:p>
+            <a:pPr marL="285750" indent="-285750">
+              <a:lnSpc>
+                <a:spcPct val="200000"/>
+              </a:lnSpc>
+              <a:buFont typeface="Wingdings" panose="05000000000000000000" pitchFamily="2" charset="2"/>
+              <a:buChar char="p"/>
+            </a:pPr>
+            <a:endParaRPr lang="en-US" altLang="zh-CN" sz="1600" dirty="0" smtClean="0">
+              <a:solidFill>
+                <a:prstClr val="black"/>
+              </a:solidFill>
+              <a:latin typeface="微软雅黑" panose="020B0503020204020204" pitchFamily="34" charset="-122"/>
+              <a:ea typeface="微软雅黑" panose="020B0503020204020204" pitchFamily="34" charset="-122"/>
+            </a:endParaRPr>
+          </a:p>
+        </p:txBody>
+      </p:sp>
+      <p:sp>
+        <p:nvSpPr>
+          <p:cNvPr id="7" name="矩形 6">
+            <a:extLst>
+              <a:ext uri="{FF2B5EF4-FFF2-40B4-BE49-F238E27FC236}">
+                <a16:creationId xmlns="" xmlns:a16="http://schemas.microsoft.com/office/drawing/2014/main" id="{0FDAD747-108F-4A6D-9220-5EA05067FF1E}"/>
+              </a:ext>
+            </a:extLst>
+          </p:cNvPr>
+          <p:cNvSpPr/>
+          <p:nvPr/>
+        </p:nvSpPr>
+        <p:spPr>
+          <a:xfrm>
+            <a:off x="843572" y="1120596"/>
+            <a:ext cx="1826141" cy="584775"/>
+          </a:xfrm>
+          <a:prstGeom prst="rect">
+            <a:avLst/>
+          </a:prstGeom>
+        </p:spPr>
+        <p:txBody>
+          <a:bodyPr wrap="none">
+            <a:spAutoFit/>
+          </a:bodyPr>
+          <a:lstStyle/>
+          <a:p>
+            <a:r>
+              <a:rPr lang="zh-CN" altLang="en-US" sz="3200" b="1" dirty="0">
+                <a:solidFill>
+                  <a:prstClr val="black"/>
+                </a:solidFill>
+                <a:latin typeface="微软雅黑" panose="020B0503020204020204" pitchFamily="34" charset="-122"/>
+                <a:ea typeface="微软雅黑" panose="020B0503020204020204" pitchFamily="34" charset="-122"/>
+              </a:rPr>
+              <a:t>关键问题</a:t>
+            </a:r>
+            <a:endParaRPr lang="zh-CN" altLang="en-US" sz="3200" b="1" dirty="0">
+              <a:solidFill>
+                <a:prstClr val="black"/>
+              </a:solidFill>
+              <a:latin typeface="微软雅黑" panose="020B0503020204020204" pitchFamily="34" charset="-122"/>
+              <a:ea typeface="微软雅黑" panose="020B0503020204020204" pitchFamily="34" charset="-122"/>
+            </a:endParaRPr>
+          </a:p>
+        </p:txBody>
+      </p:sp>
+      <p:sp>
+        <p:nvSpPr>
+          <p:cNvPr id="6" name="矩形 5" descr="紫色网格">
+            <a:extLst>
+              <a:ext uri="{FF2B5EF4-FFF2-40B4-BE49-F238E27FC236}">
+                <a16:creationId xmlns="" xmlns:a16="http://schemas.microsoft.com/office/drawing/2014/main" id="{44AEA09D-FD0A-4CA0-883D-93E5EAF762D6}"/>
+              </a:ext>
+            </a:extLst>
+          </p:cNvPr>
+          <p:cNvSpPr>
+            <a:spLocks noChangeArrowheads="1"/>
+          </p:cNvSpPr>
+          <p:nvPr/>
+        </p:nvSpPr>
+        <p:spPr bwMode="auto">
+          <a:xfrm>
+            <a:off x="570068" y="4962886"/>
+            <a:ext cx="11277599" cy="872822"/>
+          </a:xfrm>
+          <a:prstGeom prst="rect">
+            <a:avLst/>
+          </a:prstGeom>
+          <a:gradFill rotWithShape="1">
+            <a:gsLst>
+              <a:gs pos="0">
+                <a:srgbClr val="FFFFFF"/>
+              </a:gs>
+              <a:gs pos="35000">
+                <a:srgbClr val="FFFFFF"/>
+              </a:gs>
+              <a:gs pos="100000">
+                <a:srgbClr val="FFFFFF"/>
+              </a:gs>
+            </a:gsLst>
+            <a:lin ang="5400000" scaled="1"/>
+          </a:gradFill>
+          <a:ln w="57150">
+            <a:solidFill>
+              <a:srgbClr val="800000"/>
+            </a:solidFill>
+            <a:miter lim="800000"/>
+            <a:headEnd/>
+            <a:tailEnd/>
+          </a:ln>
+          <a:effectLst>
+            <a:outerShdw blurRad="63500" dist="20000" dir="5400000" algn="ctr" rotWithShape="0">
+              <a:srgbClr val="000000">
+                <a:alpha val="35999"/>
+              </a:srgbClr>
+            </a:outerShdw>
+          </a:effectLst>
+        </p:spPr>
+        <p:txBody>
+          <a:bodyPr anchor="ctr"/>
+          <a:lstStyle>
+            <a:defPPr>
+              <a:defRPr lang="zh-CN"/>
+            </a:defPPr>
+            <a:lvl1pPr marL="0" algn="l" defTabSz="914400" rtl="0" eaLnBrk="1" latinLnBrk="0" hangingPunct="1">
+              <a:defRPr sz="1800" kern="1200">
+                <a:solidFill>
+                  <a:schemeClr val="tx1"/>
+                </a:solidFill>
+                <a:latin typeface="+mn-lt"/>
+                <a:ea typeface="+mn-ea"/>
+                <a:cs typeface="+mn-cs"/>
+              </a:defRPr>
+            </a:lvl1pPr>
+            <a:lvl2pPr marL="457200" algn="l" defTabSz="914400" rtl="0" eaLnBrk="1" latinLnBrk="0" hangingPunct="1">
+              <a:defRPr sz="1800" kern="1200">
+                <a:solidFill>
+                  <a:schemeClr val="tx1"/>
+                </a:solidFill>
+                <a:latin typeface="+mn-lt"/>
+                <a:ea typeface="+mn-ea"/>
+                <a:cs typeface="+mn-cs"/>
+              </a:defRPr>
+            </a:lvl2pPr>
+            <a:lvl3pPr marL="914400" algn="l" defTabSz="914400" rtl="0" eaLnBrk="1" latinLnBrk="0" hangingPunct="1">
+              <a:defRPr sz="1800" kern="1200">
+                <a:solidFill>
+                  <a:schemeClr val="tx1"/>
+                </a:solidFill>
+                <a:latin typeface="+mn-lt"/>
+                <a:ea typeface="+mn-ea"/>
+                <a:cs typeface="+mn-cs"/>
+              </a:defRPr>
+            </a:lvl3pPr>
+            <a:lvl4pPr marL="1371600" algn="l" defTabSz="914400" rtl="0" eaLnBrk="1" latinLnBrk="0" hangingPunct="1">
+              <a:defRPr sz="1800" kern="1200">
+                <a:solidFill>
+                  <a:schemeClr val="tx1"/>
+                </a:solidFill>
+                <a:latin typeface="+mn-lt"/>
+                <a:ea typeface="+mn-ea"/>
+                <a:cs typeface="+mn-cs"/>
+              </a:defRPr>
+            </a:lvl4pPr>
+            <a:lvl5pPr marL="1828800" algn="l" defTabSz="914400" rtl="0" eaLnBrk="1" latinLnBrk="0" hangingPunct="1">
+              <a:defRPr sz="1800" kern="1200">
+                <a:solidFill>
+                  <a:schemeClr val="tx1"/>
+                </a:solidFill>
+                <a:latin typeface="+mn-lt"/>
+                <a:ea typeface="+mn-ea"/>
+                <a:cs typeface="+mn-cs"/>
+              </a:defRPr>
+            </a:lvl5pPr>
+            <a:lvl6pPr marL="2286000" algn="l" defTabSz="914400" rtl="0" eaLnBrk="1" latinLnBrk="0" hangingPunct="1">
+              <a:defRPr sz="1800" kern="1200">
+                <a:solidFill>
+                  <a:schemeClr val="tx1"/>
+                </a:solidFill>
+                <a:latin typeface="+mn-lt"/>
+                <a:ea typeface="+mn-ea"/>
+                <a:cs typeface="+mn-cs"/>
+              </a:defRPr>
+            </a:lvl6pPr>
+            <a:lvl7pPr marL="2743200" algn="l" defTabSz="914400" rtl="0" eaLnBrk="1" latinLnBrk="0" hangingPunct="1">
+              <a:defRPr sz="1800" kern="1200">
+                <a:solidFill>
+                  <a:schemeClr val="tx1"/>
+                </a:solidFill>
+                <a:latin typeface="+mn-lt"/>
+                <a:ea typeface="+mn-ea"/>
+                <a:cs typeface="+mn-cs"/>
+              </a:defRPr>
+            </a:lvl7pPr>
+            <a:lvl8pPr marL="3200400" algn="l" defTabSz="914400" rtl="0" eaLnBrk="1" latinLnBrk="0" hangingPunct="1">
+              <a:defRPr sz="1800" kern="1200">
+                <a:solidFill>
+                  <a:schemeClr val="tx1"/>
+                </a:solidFill>
+                <a:latin typeface="+mn-lt"/>
+                <a:ea typeface="+mn-ea"/>
+                <a:cs typeface="+mn-cs"/>
+              </a:defRPr>
+            </a:lvl8pPr>
+            <a:lvl9pPr marL="3657600" algn="l" defTabSz="914400" rtl="0" eaLnBrk="1" latinLnBrk="0" hangingPunct="1">
+              <a:defRPr sz="1800" kern="1200">
+                <a:solidFill>
+                  <a:schemeClr val="tx1"/>
+                </a:solidFill>
+                <a:latin typeface="+mn-lt"/>
+                <a:ea typeface="+mn-ea"/>
+                <a:cs typeface="+mn-cs"/>
+              </a:defRPr>
+            </a:lvl9pPr>
+          </a:lstStyle>
+          <a:p>
+            <a:pPr lvl="0" algn="ctr">
+              <a:lnSpc>
+                <a:spcPct val="150000"/>
+              </a:lnSpc>
+            </a:pPr>
+            <a:r>
+              <a:rPr lang="zh-CN" altLang="en-US" sz="2400" b="1" dirty="0" smtClean="0">
+                <a:solidFill>
+                  <a:prstClr val="black"/>
+                </a:solidFill>
+                <a:latin typeface="Microsoft YaHei" charset="-122"/>
+                <a:ea typeface="Microsoft YaHei" charset="-122"/>
+                <a:cs typeface="Microsoft YaHei" charset="-122"/>
+              </a:rPr>
+              <a:t>关键问题</a:t>
+            </a:r>
+            <a:r>
+              <a:rPr lang="en-US" altLang="zh-CN" sz="2400" b="1" dirty="0">
+                <a:solidFill>
+                  <a:prstClr val="black"/>
+                </a:solidFill>
+                <a:latin typeface="Microsoft YaHei" charset="-122"/>
+                <a:ea typeface="Microsoft YaHei" charset="-122"/>
+                <a:cs typeface="Microsoft YaHei" charset="-122"/>
+              </a:rPr>
+              <a:t>2</a:t>
+            </a:r>
+            <a:r>
+              <a:rPr lang="zh-CN" altLang="en-US" sz="2400" b="1" dirty="0" smtClean="0">
+                <a:solidFill>
+                  <a:prstClr val="black"/>
+                </a:solidFill>
+                <a:latin typeface="Microsoft YaHei" charset="-122"/>
+                <a:ea typeface="Microsoft YaHei" charset="-122"/>
+                <a:cs typeface="Microsoft YaHei" charset="-122"/>
+              </a:rPr>
+              <a:t>：如何规范化以上规则并建模？</a:t>
+            </a:r>
+            <a:endParaRPr lang="en-US" altLang="zh-CN" sz="1400" dirty="0">
+              <a:solidFill>
+                <a:prstClr val="black"/>
+              </a:solidFill>
+              <a:latin typeface="Microsoft YaHei" charset="-122"/>
+              <a:ea typeface="Microsoft YaHei" charset="-122"/>
+              <a:cs typeface="Microsoft YaHei" charset="-122"/>
+            </a:endParaRPr>
+          </a:p>
+        </p:txBody>
+      </p:sp>
+      <p:sp>
+        <p:nvSpPr>
+          <p:cNvPr id="8" name="矩形 7">
+            <a:extLst>
+              <a:ext uri="{FF2B5EF4-FFF2-40B4-BE49-F238E27FC236}">
+                <a16:creationId xmlns="" xmlns:a16="http://schemas.microsoft.com/office/drawing/2014/main" id="{0FDAD747-108F-4A6D-9220-5EA05067FF1E}"/>
+              </a:ext>
+            </a:extLst>
+          </p:cNvPr>
+          <p:cNvSpPr/>
+          <p:nvPr/>
+        </p:nvSpPr>
+        <p:spPr>
+          <a:xfrm>
+            <a:off x="843573" y="1866759"/>
+            <a:ext cx="10730590" cy="510524"/>
+          </a:xfrm>
+          <a:prstGeom prst="rect">
+            <a:avLst/>
+          </a:prstGeom>
+        </p:spPr>
+        <p:txBody>
+          <a:bodyPr wrap="square">
+            <a:spAutoFit/>
+          </a:bodyPr>
+          <a:lstStyle/>
+          <a:p>
+            <a:pPr marL="285750" indent="-285750">
+              <a:lnSpc>
+                <a:spcPct val="200000"/>
+              </a:lnSpc>
+              <a:buFont typeface="Wingdings" panose="05000000000000000000" pitchFamily="2" charset="2"/>
+              <a:buChar char="p"/>
+            </a:pPr>
+            <a:r>
+              <a:rPr lang="zh-CN" altLang="en-US" sz="1600" b="1" dirty="0" smtClean="0">
+                <a:solidFill>
+                  <a:prstClr val="black"/>
+                </a:solidFill>
+                <a:latin typeface="微软雅黑" panose="020B0503020204020204" pitchFamily="34" charset="-122"/>
+                <a:ea typeface="微软雅黑" panose="020B0503020204020204" pitchFamily="34" charset="-122"/>
+              </a:rPr>
+              <a:t>这个还没想出来</a:t>
+            </a:r>
+            <a:endParaRPr lang="en-US" altLang="zh-CN" sz="1600" b="1" dirty="0" smtClean="0">
+              <a:solidFill>
+                <a:srgbClr val="C00000"/>
+              </a:solidFill>
+              <a:latin typeface="微软雅黑" panose="020B0503020204020204" pitchFamily="34" charset="-122"/>
+              <a:ea typeface="微软雅黑" panose="020B0503020204020204" pitchFamily="34" charset="-122"/>
+            </a:endParaRPr>
+          </a:p>
+        </p:txBody>
+      </p:sp>
+    </p:spTree>
+    <p:extLst>
+      <p:ext uri="{BB962C8B-B14F-4D97-AF65-F5344CB8AC3E}">
+        <p14:creationId xmlns:p14="http://schemas.microsoft.com/office/powerpoint/2010/main" val="909214877"/>
+      </p:ext>
+    </p:extLst>
+  </p:cSld>
+  <p:clrMapOvr>
+    <a:masterClrMapping/>
+  </p:clrMapOvr>
+  <p:timing>
+    <p:tnLst>
+      <p:par>
+        <p:cTn id="1" dur="indefinite" restart="never" nodeType="tmRoot"/>
+      </p:par>
+    </p:tnLst>
+  </p:timing>
+</p:sld>
+</file>
+
+<file path=ppt/slides/slide67.xml><?xml version="1.0" encoding="utf-8"?>
+<p:sld xmlns:a="http://schemas.openxmlformats.org/drawingml/2006/main" xmlns:r="http://schemas.openxmlformats.org/officeDocument/2006/relationships" xmlns:p="http://schemas.openxmlformats.org/presentationml/2006/main">
+  <p:cSld>
+    <p:spTree>
+      <p:nvGrpSpPr>
+        <p:cNvPr id="1" name=""/>
+        <p:cNvGrpSpPr/>
+        <p:nvPr/>
+      </p:nvGrpSpPr>
+      <p:grpSpPr>
+        <a:xfrm>
+          <a:off x="0" y="0"/>
+          <a:ext cx="0" cy="0"/>
+          <a:chOff x="0" y="0"/>
+          <a:chExt cx="0" cy="0"/>
+        </a:xfrm>
+      </p:grpSpPr>
+      <p:sp>
+        <p:nvSpPr>
+          <p:cNvPr id="12" name="矩形 11">
+            <a:extLst>
+              <a:ext uri="{FF2B5EF4-FFF2-40B4-BE49-F238E27FC236}">
+                <a16:creationId xmlns="" xmlns:a16="http://schemas.microsoft.com/office/drawing/2014/main" id="{0FDAD747-108F-4A6D-9220-5EA05067FF1E}"/>
+              </a:ext>
+            </a:extLst>
+          </p:cNvPr>
+          <p:cNvSpPr/>
+          <p:nvPr/>
+        </p:nvSpPr>
+        <p:spPr>
+          <a:xfrm>
+            <a:off x="843572" y="596340"/>
+            <a:ext cx="184731" cy="584775"/>
+          </a:xfrm>
+          <a:prstGeom prst="rect">
+            <a:avLst/>
+          </a:prstGeom>
+        </p:spPr>
+        <p:txBody>
+          <a:bodyPr wrap="none">
+            <a:spAutoFit/>
+          </a:bodyPr>
+          <a:lstStyle/>
+          <a:p>
+            <a:endParaRPr lang="zh-CN" altLang="en-US" sz="3200" b="1" dirty="0">
+              <a:solidFill>
+                <a:prstClr val="black"/>
+              </a:solidFill>
+              <a:latin typeface="微软雅黑" panose="020B0503020204020204" pitchFamily="34" charset="-122"/>
+              <a:ea typeface="微软雅黑" panose="020B0503020204020204" pitchFamily="34" charset="-122"/>
+            </a:endParaRPr>
+          </a:p>
+        </p:txBody>
+      </p:sp>
+      <p:sp>
+        <p:nvSpPr>
+          <p:cNvPr id="4" name="矩形 3">
+            <a:extLst>
+              <a:ext uri="{FF2B5EF4-FFF2-40B4-BE49-F238E27FC236}">
+                <a16:creationId xmlns="" xmlns:a16="http://schemas.microsoft.com/office/drawing/2014/main" id="{0FDAD747-108F-4A6D-9220-5EA05067FF1E}"/>
+              </a:ext>
+            </a:extLst>
+          </p:cNvPr>
+          <p:cNvSpPr/>
+          <p:nvPr/>
+        </p:nvSpPr>
+        <p:spPr>
+          <a:xfrm>
+            <a:off x="843573" y="1866759"/>
+            <a:ext cx="10730590" cy="1569660"/>
+          </a:xfrm>
+          <a:prstGeom prst="rect">
+            <a:avLst/>
+          </a:prstGeom>
+        </p:spPr>
+        <p:txBody>
+          <a:bodyPr wrap="square">
+            <a:spAutoFit/>
+          </a:bodyPr>
+          <a:lstStyle/>
+          <a:p>
+            <a:pPr marL="285750" indent="-285750">
+              <a:lnSpc>
+                <a:spcPct val="200000"/>
+              </a:lnSpc>
+              <a:buFont typeface="Wingdings" panose="05000000000000000000" pitchFamily="2" charset="2"/>
+              <a:buChar char="p"/>
+            </a:pPr>
+            <a:endParaRPr lang="en-US" altLang="zh-CN" sz="1600" dirty="0" smtClean="0">
+              <a:solidFill>
+                <a:prstClr val="black"/>
+              </a:solidFill>
+              <a:latin typeface="微软雅黑" panose="020B0503020204020204" pitchFamily="34" charset="-122"/>
+              <a:ea typeface="微软雅黑" panose="020B0503020204020204" pitchFamily="34" charset="-122"/>
+            </a:endParaRPr>
+          </a:p>
+          <a:p>
+            <a:pPr marL="285750" indent="-285750">
+              <a:lnSpc>
+                <a:spcPct val="200000"/>
+              </a:lnSpc>
+              <a:buFont typeface="Wingdings" panose="05000000000000000000" pitchFamily="2" charset="2"/>
+              <a:buChar char="p"/>
+            </a:pPr>
+            <a:endParaRPr lang="en-US" altLang="zh-CN" sz="1600" dirty="0" smtClean="0">
+              <a:solidFill>
+                <a:prstClr val="black"/>
+              </a:solidFill>
+              <a:latin typeface="微软雅黑" panose="020B0503020204020204" pitchFamily="34" charset="-122"/>
+              <a:ea typeface="微软雅黑" panose="020B0503020204020204" pitchFamily="34" charset="-122"/>
+            </a:endParaRPr>
+          </a:p>
+          <a:p>
+            <a:pPr marL="285750" indent="-285750">
+              <a:lnSpc>
+                <a:spcPct val="200000"/>
+              </a:lnSpc>
+              <a:buFont typeface="Wingdings" panose="05000000000000000000" pitchFamily="2" charset="2"/>
+              <a:buChar char="p"/>
+            </a:pPr>
+            <a:endParaRPr lang="en-US" altLang="zh-CN" sz="1600" dirty="0" smtClean="0">
+              <a:solidFill>
+                <a:prstClr val="black"/>
+              </a:solidFill>
+              <a:latin typeface="微软雅黑" panose="020B0503020204020204" pitchFamily="34" charset="-122"/>
+              <a:ea typeface="微软雅黑" panose="020B0503020204020204" pitchFamily="34" charset="-122"/>
+            </a:endParaRPr>
+          </a:p>
+        </p:txBody>
+      </p:sp>
+      <p:sp>
+        <p:nvSpPr>
+          <p:cNvPr id="7" name="矩形 6">
+            <a:extLst>
+              <a:ext uri="{FF2B5EF4-FFF2-40B4-BE49-F238E27FC236}">
+                <a16:creationId xmlns="" xmlns:a16="http://schemas.microsoft.com/office/drawing/2014/main" id="{0FDAD747-108F-4A6D-9220-5EA05067FF1E}"/>
+              </a:ext>
+            </a:extLst>
+          </p:cNvPr>
+          <p:cNvSpPr/>
+          <p:nvPr/>
+        </p:nvSpPr>
+        <p:spPr>
+          <a:xfrm>
+            <a:off x="843572" y="1120596"/>
+            <a:ext cx="1826141" cy="584775"/>
+          </a:xfrm>
+          <a:prstGeom prst="rect">
+            <a:avLst/>
+          </a:prstGeom>
+        </p:spPr>
+        <p:txBody>
+          <a:bodyPr wrap="none">
+            <a:spAutoFit/>
+          </a:bodyPr>
+          <a:lstStyle/>
+          <a:p>
+            <a:r>
+              <a:rPr lang="zh-CN" altLang="en-US" sz="3200" b="1" dirty="0">
+                <a:solidFill>
+                  <a:prstClr val="black"/>
+                </a:solidFill>
+                <a:latin typeface="微软雅黑" panose="020B0503020204020204" pitchFamily="34" charset="-122"/>
+                <a:ea typeface="微软雅黑" panose="020B0503020204020204" pitchFamily="34" charset="-122"/>
+              </a:rPr>
+              <a:t>关键问题</a:t>
+            </a:r>
+            <a:endParaRPr lang="zh-CN" altLang="en-US" sz="3200" b="1" dirty="0">
+              <a:solidFill>
+                <a:prstClr val="black"/>
+              </a:solidFill>
+              <a:latin typeface="微软雅黑" panose="020B0503020204020204" pitchFamily="34" charset="-122"/>
+              <a:ea typeface="微软雅黑" panose="020B0503020204020204" pitchFamily="34" charset="-122"/>
+            </a:endParaRPr>
+          </a:p>
+        </p:txBody>
+      </p:sp>
+      <p:sp>
+        <p:nvSpPr>
+          <p:cNvPr id="6" name="矩形 5" descr="紫色网格">
+            <a:extLst>
+              <a:ext uri="{FF2B5EF4-FFF2-40B4-BE49-F238E27FC236}">
+                <a16:creationId xmlns="" xmlns:a16="http://schemas.microsoft.com/office/drawing/2014/main" id="{44AEA09D-FD0A-4CA0-883D-93E5EAF762D6}"/>
+              </a:ext>
+            </a:extLst>
+          </p:cNvPr>
+          <p:cNvSpPr>
+            <a:spLocks noChangeArrowheads="1"/>
+          </p:cNvSpPr>
+          <p:nvPr/>
+        </p:nvSpPr>
+        <p:spPr bwMode="auto">
+          <a:xfrm>
+            <a:off x="570068" y="4962886"/>
+            <a:ext cx="11277599" cy="872822"/>
+          </a:xfrm>
+          <a:prstGeom prst="rect">
+            <a:avLst/>
+          </a:prstGeom>
+          <a:gradFill rotWithShape="1">
+            <a:gsLst>
+              <a:gs pos="0">
+                <a:srgbClr val="FFFFFF"/>
+              </a:gs>
+              <a:gs pos="35000">
+                <a:srgbClr val="FFFFFF"/>
+              </a:gs>
+              <a:gs pos="100000">
+                <a:srgbClr val="FFFFFF"/>
+              </a:gs>
+            </a:gsLst>
+            <a:lin ang="5400000" scaled="1"/>
+          </a:gradFill>
+          <a:ln w="57150">
+            <a:solidFill>
+              <a:srgbClr val="800000"/>
+            </a:solidFill>
+            <a:miter lim="800000"/>
+            <a:headEnd/>
+            <a:tailEnd/>
+          </a:ln>
+          <a:effectLst>
+            <a:outerShdw blurRad="63500" dist="20000" dir="5400000" algn="ctr" rotWithShape="0">
+              <a:srgbClr val="000000">
+                <a:alpha val="35999"/>
+              </a:srgbClr>
+            </a:outerShdw>
+          </a:effectLst>
+        </p:spPr>
+        <p:txBody>
+          <a:bodyPr anchor="ctr"/>
+          <a:lstStyle>
+            <a:defPPr>
+              <a:defRPr lang="zh-CN"/>
+            </a:defPPr>
+            <a:lvl1pPr marL="0" algn="l" defTabSz="914400" rtl="0" eaLnBrk="1" latinLnBrk="0" hangingPunct="1">
+              <a:defRPr sz="1800" kern="1200">
+                <a:solidFill>
+                  <a:schemeClr val="tx1"/>
+                </a:solidFill>
+                <a:latin typeface="+mn-lt"/>
+                <a:ea typeface="+mn-ea"/>
+                <a:cs typeface="+mn-cs"/>
+              </a:defRPr>
+            </a:lvl1pPr>
+            <a:lvl2pPr marL="457200" algn="l" defTabSz="914400" rtl="0" eaLnBrk="1" latinLnBrk="0" hangingPunct="1">
+              <a:defRPr sz="1800" kern="1200">
+                <a:solidFill>
+                  <a:schemeClr val="tx1"/>
+                </a:solidFill>
+                <a:latin typeface="+mn-lt"/>
+                <a:ea typeface="+mn-ea"/>
+                <a:cs typeface="+mn-cs"/>
+              </a:defRPr>
+            </a:lvl2pPr>
+            <a:lvl3pPr marL="914400" algn="l" defTabSz="914400" rtl="0" eaLnBrk="1" latinLnBrk="0" hangingPunct="1">
+              <a:defRPr sz="1800" kern="1200">
+                <a:solidFill>
+                  <a:schemeClr val="tx1"/>
+                </a:solidFill>
+                <a:latin typeface="+mn-lt"/>
+                <a:ea typeface="+mn-ea"/>
+                <a:cs typeface="+mn-cs"/>
+              </a:defRPr>
+            </a:lvl3pPr>
+            <a:lvl4pPr marL="1371600" algn="l" defTabSz="914400" rtl="0" eaLnBrk="1" latinLnBrk="0" hangingPunct="1">
+              <a:defRPr sz="1800" kern="1200">
+                <a:solidFill>
+                  <a:schemeClr val="tx1"/>
+                </a:solidFill>
+                <a:latin typeface="+mn-lt"/>
+                <a:ea typeface="+mn-ea"/>
+                <a:cs typeface="+mn-cs"/>
+              </a:defRPr>
+            </a:lvl4pPr>
+            <a:lvl5pPr marL="1828800" algn="l" defTabSz="914400" rtl="0" eaLnBrk="1" latinLnBrk="0" hangingPunct="1">
+              <a:defRPr sz="1800" kern="1200">
+                <a:solidFill>
+                  <a:schemeClr val="tx1"/>
+                </a:solidFill>
+                <a:latin typeface="+mn-lt"/>
+                <a:ea typeface="+mn-ea"/>
+                <a:cs typeface="+mn-cs"/>
+              </a:defRPr>
+            </a:lvl5pPr>
+            <a:lvl6pPr marL="2286000" algn="l" defTabSz="914400" rtl="0" eaLnBrk="1" latinLnBrk="0" hangingPunct="1">
+              <a:defRPr sz="1800" kern="1200">
+                <a:solidFill>
+                  <a:schemeClr val="tx1"/>
+                </a:solidFill>
+                <a:latin typeface="+mn-lt"/>
+                <a:ea typeface="+mn-ea"/>
+                <a:cs typeface="+mn-cs"/>
+              </a:defRPr>
+            </a:lvl6pPr>
+            <a:lvl7pPr marL="2743200" algn="l" defTabSz="914400" rtl="0" eaLnBrk="1" latinLnBrk="0" hangingPunct="1">
+              <a:defRPr sz="1800" kern="1200">
+                <a:solidFill>
+                  <a:schemeClr val="tx1"/>
+                </a:solidFill>
+                <a:latin typeface="+mn-lt"/>
+                <a:ea typeface="+mn-ea"/>
+                <a:cs typeface="+mn-cs"/>
+              </a:defRPr>
+            </a:lvl7pPr>
+            <a:lvl8pPr marL="3200400" algn="l" defTabSz="914400" rtl="0" eaLnBrk="1" latinLnBrk="0" hangingPunct="1">
+              <a:defRPr sz="1800" kern="1200">
+                <a:solidFill>
+                  <a:schemeClr val="tx1"/>
+                </a:solidFill>
+                <a:latin typeface="+mn-lt"/>
+                <a:ea typeface="+mn-ea"/>
+                <a:cs typeface="+mn-cs"/>
+              </a:defRPr>
+            </a:lvl8pPr>
+            <a:lvl9pPr marL="3657600" algn="l" defTabSz="914400" rtl="0" eaLnBrk="1" latinLnBrk="0" hangingPunct="1">
+              <a:defRPr sz="1800" kern="1200">
+                <a:solidFill>
+                  <a:schemeClr val="tx1"/>
+                </a:solidFill>
+                <a:latin typeface="+mn-lt"/>
+                <a:ea typeface="+mn-ea"/>
+                <a:cs typeface="+mn-cs"/>
+              </a:defRPr>
+            </a:lvl9pPr>
+          </a:lstStyle>
+          <a:p>
+            <a:pPr lvl="0" algn="ctr">
+              <a:lnSpc>
+                <a:spcPct val="150000"/>
+              </a:lnSpc>
+            </a:pPr>
+            <a:r>
+              <a:rPr lang="zh-CN" altLang="en-US" sz="2400" b="1" dirty="0" smtClean="0">
+                <a:solidFill>
+                  <a:prstClr val="black"/>
+                </a:solidFill>
+                <a:latin typeface="Microsoft YaHei" charset="-122"/>
+                <a:ea typeface="Microsoft YaHei" charset="-122"/>
+                <a:cs typeface="Microsoft YaHei" charset="-122"/>
+              </a:rPr>
+              <a:t>关键问题</a:t>
+            </a:r>
+            <a:r>
+              <a:rPr lang="en-US" altLang="zh-CN" sz="2400" b="1" dirty="0" smtClean="0">
+                <a:solidFill>
+                  <a:prstClr val="black"/>
+                </a:solidFill>
+                <a:latin typeface="Microsoft YaHei" charset="-122"/>
+                <a:ea typeface="Microsoft YaHei" charset="-122"/>
+                <a:cs typeface="Microsoft YaHei" charset="-122"/>
+              </a:rPr>
+              <a:t>3</a:t>
+            </a:r>
+            <a:r>
+              <a:rPr lang="zh-CN" altLang="en-US" sz="2400" b="1" dirty="0" smtClean="0">
+                <a:solidFill>
+                  <a:prstClr val="black"/>
+                </a:solidFill>
+                <a:latin typeface="Microsoft YaHei" charset="-122"/>
+                <a:ea typeface="Microsoft YaHei" charset="-122"/>
+                <a:cs typeface="Microsoft YaHei" charset="-122"/>
+              </a:rPr>
+              <a:t>：如何衡量倍速之后的用户可察觉性？</a:t>
+            </a:r>
+            <a:endParaRPr lang="en-US" altLang="zh-CN" sz="1400" dirty="0">
+              <a:solidFill>
+                <a:prstClr val="black"/>
+              </a:solidFill>
+              <a:latin typeface="Microsoft YaHei" charset="-122"/>
+              <a:ea typeface="Microsoft YaHei" charset="-122"/>
+              <a:cs typeface="Microsoft YaHei" charset="-122"/>
+            </a:endParaRPr>
+          </a:p>
+        </p:txBody>
+      </p:sp>
+      <p:sp>
+        <p:nvSpPr>
+          <p:cNvPr id="8" name="矩形 7">
+            <a:extLst>
+              <a:ext uri="{FF2B5EF4-FFF2-40B4-BE49-F238E27FC236}">
+                <a16:creationId xmlns="" xmlns:a16="http://schemas.microsoft.com/office/drawing/2014/main" id="{0FDAD747-108F-4A6D-9220-5EA05067FF1E}"/>
+              </a:ext>
+            </a:extLst>
+          </p:cNvPr>
+          <p:cNvSpPr/>
+          <p:nvPr/>
+        </p:nvSpPr>
+        <p:spPr>
+          <a:xfrm>
+            <a:off x="843573" y="1866759"/>
+            <a:ext cx="10730590" cy="1569660"/>
+          </a:xfrm>
+          <a:prstGeom prst="rect">
+            <a:avLst/>
+          </a:prstGeom>
+        </p:spPr>
+        <p:txBody>
+          <a:bodyPr wrap="square">
+            <a:spAutoFit/>
+          </a:bodyPr>
+          <a:lstStyle/>
+          <a:p>
+            <a:pPr marL="285750" indent="-285750">
+              <a:lnSpc>
+                <a:spcPct val="200000"/>
+              </a:lnSpc>
+              <a:buFont typeface="Wingdings" panose="05000000000000000000" pitchFamily="2" charset="2"/>
+              <a:buChar char="p"/>
+            </a:pPr>
+            <a:r>
+              <a:rPr lang="en-US" altLang="zh-CN" sz="1600" b="1" dirty="0" smtClean="0">
+                <a:solidFill>
+                  <a:prstClr val="black"/>
+                </a:solidFill>
+                <a:latin typeface="微软雅黑" panose="020B0503020204020204" pitchFamily="34" charset="-122"/>
+                <a:ea typeface="微软雅黑" panose="020B0503020204020204" pitchFamily="34" charset="-122"/>
+              </a:rPr>
+              <a:t>PESQ</a:t>
+            </a:r>
+          </a:p>
+          <a:p>
+            <a:pPr marL="285750" indent="-285750">
+              <a:lnSpc>
+                <a:spcPct val="200000"/>
+              </a:lnSpc>
+              <a:buFont typeface="Wingdings" panose="05000000000000000000" pitchFamily="2" charset="2"/>
+              <a:buChar char="p"/>
+            </a:pPr>
+            <a:r>
+              <a:rPr lang="en-US" altLang="zh-CN" sz="1600" b="1" dirty="0" smtClean="0">
+                <a:solidFill>
+                  <a:prstClr val="black"/>
+                </a:solidFill>
+                <a:latin typeface="微软雅黑" panose="020B0503020204020204" pitchFamily="34" charset="-122"/>
+                <a:ea typeface="微软雅黑" panose="020B0503020204020204" pitchFamily="34" charset="-122"/>
+              </a:rPr>
+              <a:t>User Study</a:t>
+            </a:r>
+          </a:p>
+          <a:p>
+            <a:pPr marL="285750" indent="-285750">
+              <a:lnSpc>
+                <a:spcPct val="200000"/>
+              </a:lnSpc>
+              <a:buFont typeface="Wingdings" panose="05000000000000000000" pitchFamily="2" charset="2"/>
+              <a:buChar char="p"/>
+            </a:pPr>
+            <a:r>
+              <a:rPr lang="en-US" altLang="zh-CN" sz="1600" b="1" dirty="0" smtClean="0">
+                <a:solidFill>
+                  <a:prstClr val="black"/>
+                </a:solidFill>
+                <a:latin typeface="微软雅黑" panose="020B0503020204020204" pitchFamily="34" charset="-122"/>
+                <a:ea typeface="微软雅黑" panose="020B0503020204020204" pitchFamily="34" charset="-122"/>
+              </a:rPr>
+              <a:t>……</a:t>
+            </a:r>
+            <a:endParaRPr lang="en-US" altLang="zh-CN" sz="1600" b="1" dirty="0" smtClean="0">
+              <a:solidFill>
+                <a:srgbClr val="C00000"/>
+              </a:solidFill>
+              <a:latin typeface="微软雅黑" panose="020B0503020204020204" pitchFamily="34" charset="-122"/>
+              <a:ea typeface="微软雅黑" panose="020B0503020204020204" pitchFamily="34" charset="-122"/>
+            </a:endParaRPr>
+          </a:p>
+        </p:txBody>
+      </p:sp>
+    </p:spTree>
+    <p:extLst>
+      <p:ext uri="{BB962C8B-B14F-4D97-AF65-F5344CB8AC3E}">
+        <p14:creationId xmlns:p14="http://schemas.microsoft.com/office/powerpoint/2010/main" val="1230877437"/>
+      </p:ext>
+    </p:extLst>
+  </p:cSld>
+  <p:clrMapOvr>
+    <a:masterClrMapping/>
+  </p:clrMapOvr>
+  <p:timing>
+    <p:tnLst>
+      <p:par>
+        <p:cTn id="1" dur="indefinite" restart="never" nodeType="tmRoot"/>
+      </p:par>
+    </p:tnLst>
+  </p:timing>
+</p:sld>
+</file>
+
+<file path=ppt/slides/slide68.xml><?xml version="1.0" encoding="utf-8"?>
+<p:sld xmlns:a="http://schemas.openxmlformats.org/drawingml/2006/main" xmlns:r="http://schemas.openxmlformats.org/officeDocument/2006/relationships" xmlns:p="http://schemas.openxmlformats.org/presentationml/2006/main">
+  <p:cSld>
+    <p:spTree>
+      <p:nvGrpSpPr>
+        <p:cNvPr id="1" name=""/>
+        <p:cNvGrpSpPr/>
+        <p:nvPr/>
+      </p:nvGrpSpPr>
+      <p:grpSpPr>
+        <a:xfrm>
+          <a:off x="0" y="0"/>
+          <a:ext cx="0" cy="0"/>
+          <a:chOff x="0" y="0"/>
+          <a:chExt cx="0" cy="0"/>
+        </a:xfrm>
+      </p:grpSpPr>
+      <p:sp>
+        <p:nvSpPr>
+          <p:cNvPr id="12" name="矩形 11">
+            <a:extLst>
+              <a:ext uri="{FF2B5EF4-FFF2-40B4-BE49-F238E27FC236}">
+                <a16:creationId xmlns="" xmlns:a16="http://schemas.microsoft.com/office/drawing/2014/main" id="{0FDAD747-108F-4A6D-9220-5EA05067FF1E}"/>
+              </a:ext>
+            </a:extLst>
+          </p:cNvPr>
+          <p:cNvSpPr/>
+          <p:nvPr/>
+        </p:nvSpPr>
+        <p:spPr>
+          <a:xfrm>
+            <a:off x="843572" y="596340"/>
+            <a:ext cx="184731" cy="584775"/>
+          </a:xfrm>
+          <a:prstGeom prst="rect">
+            <a:avLst/>
+          </a:prstGeom>
+        </p:spPr>
+        <p:txBody>
+          <a:bodyPr wrap="none">
+            <a:spAutoFit/>
+          </a:bodyPr>
+          <a:lstStyle/>
+          <a:p>
+            <a:endParaRPr lang="zh-CN" altLang="en-US" sz="3200" b="1" dirty="0">
+              <a:solidFill>
+                <a:prstClr val="black"/>
+              </a:solidFill>
+              <a:latin typeface="微软雅黑" panose="020B0503020204020204" pitchFamily="34" charset="-122"/>
+              <a:ea typeface="微软雅黑" panose="020B0503020204020204" pitchFamily="34" charset="-122"/>
+            </a:endParaRPr>
+          </a:p>
+        </p:txBody>
+      </p:sp>
+      <p:sp>
+        <p:nvSpPr>
+          <p:cNvPr id="4" name="矩形 3">
+            <a:extLst>
+              <a:ext uri="{FF2B5EF4-FFF2-40B4-BE49-F238E27FC236}">
+                <a16:creationId xmlns="" xmlns:a16="http://schemas.microsoft.com/office/drawing/2014/main" id="{0FDAD747-108F-4A6D-9220-5EA05067FF1E}"/>
+              </a:ext>
+            </a:extLst>
+          </p:cNvPr>
+          <p:cNvSpPr/>
+          <p:nvPr/>
+        </p:nvSpPr>
+        <p:spPr>
+          <a:xfrm>
+            <a:off x="843573" y="1866759"/>
+            <a:ext cx="10730590" cy="1569660"/>
+          </a:xfrm>
+          <a:prstGeom prst="rect">
+            <a:avLst/>
+          </a:prstGeom>
+        </p:spPr>
+        <p:txBody>
+          <a:bodyPr wrap="square">
+            <a:spAutoFit/>
+          </a:bodyPr>
+          <a:lstStyle/>
+          <a:p>
+            <a:pPr marL="285750" indent="-285750">
+              <a:lnSpc>
+                <a:spcPct val="200000"/>
+              </a:lnSpc>
+              <a:buFont typeface="Wingdings" panose="05000000000000000000" pitchFamily="2" charset="2"/>
+              <a:buChar char="p"/>
+            </a:pPr>
+            <a:endParaRPr lang="en-US" altLang="zh-CN" sz="1600" dirty="0" smtClean="0">
+              <a:solidFill>
+                <a:prstClr val="black"/>
+              </a:solidFill>
+              <a:latin typeface="微软雅黑" panose="020B0503020204020204" pitchFamily="34" charset="-122"/>
+              <a:ea typeface="微软雅黑" panose="020B0503020204020204" pitchFamily="34" charset="-122"/>
+            </a:endParaRPr>
+          </a:p>
+          <a:p>
+            <a:pPr marL="285750" indent="-285750">
+              <a:lnSpc>
+                <a:spcPct val="200000"/>
+              </a:lnSpc>
+              <a:buFont typeface="Wingdings" panose="05000000000000000000" pitchFamily="2" charset="2"/>
+              <a:buChar char="p"/>
+            </a:pPr>
+            <a:endParaRPr lang="en-US" altLang="zh-CN" sz="1600" dirty="0" smtClean="0">
+              <a:solidFill>
+                <a:prstClr val="black"/>
+              </a:solidFill>
+              <a:latin typeface="微软雅黑" panose="020B0503020204020204" pitchFamily="34" charset="-122"/>
+              <a:ea typeface="微软雅黑" panose="020B0503020204020204" pitchFamily="34" charset="-122"/>
+            </a:endParaRPr>
+          </a:p>
+          <a:p>
+            <a:pPr marL="285750" indent="-285750">
+              <a:lnSpc>
+                <a:spcPct val="200000"/>
+              </a:lnSpc>
+              <a:buFont typeface="Wingdings" panose="05000000000000000000" pitchFamily="2" charset="2"/>
+              <a:buChar char="p"/>
+            </a:pPr>
+            <a:endParaRPr lang="en-US" altLang="zh-CN" sz="1600" dirty="0" smtClean="0">
+              <a:solidFill>
+                <a:prstClr val="black"/>
+              </a:solidFill>
+              <a:latin typeface="微软雅黑" panose="020B0503020204020204" pitchFamily="34" charset="-122"/>
+              <a:ea typeface="微软雅黑" panose="020B0503020204020204" pitchFamily="34" charset="-122"/>
+            </a:endParaRPr>
+          </a:p>
+        </p:txBody>
+      </p:sp>
+      <p:sp>
+        <p:nvSpPr>
+          <p:cNvPr id="7" name="矩形 6">
+            <a:extLst>
+              <a:ext uri="{FF2B5EF4-FFF2-40B4-BE49-F238E27FC236}">
+                <a16:creationId xmlns="" xmlns:a16="http://schemas.microsoft.com/office/drawing/2014/main" id="{0FDAD747-108F-4A6D-9220-5EA05067FF1E}"/>
+              </a:ext>
+            </a:extLst>
+          </p:cNvPr>
+          <p:cNvSpPr/>
+          <p:nvPr/>
+        </p:nvSpPr>
+        <p:spPr>
+          <a:xfrm>
+            <a:off x="843572" y="1120596"/>
+            <a:ext cx="2953437" cy="584775"/>
+          </a:xfrm>
+          <a:prstGeom prst="rect">
+            <a:avLst/>
+          </a:prstGeom>
+        </p:spPr>
+        <p:txBody>
+          <a:bodyPr wrap="none">
+            <a:spAutoFit/>
+          </a:bodyPr>
+          <a:lstStyle/>
+          <a:p>
+            <a:r>
+              <a:rPr lang="zh-CN" altLang="en-US" sz="3200" b="1" dirty="0" smtClean="0">
+                <a:solidFill>
+                  <a:prstClr val="black"/>
+                </a:solidFill>
+                <a:latin typeface="微软雅黑" panose="020B0503020204020204" pitchFamily="34" charset="-122"/>
+                <a:ea typeface="微软雅黑" panose="020B0503020204020204" pitchFamily="34" charset="-122"/>
+              </a:rPr>
+              <a:t>思路</a:t>
+            </a:r>
+            <a:r>
+              <a:rPr lang="en-US" altLang="zh-CN" sz="3200" b="1" dirty="0" smtClean="0">
+                <a:solidFill>
+                  <a:prstClr val="black"/>
+                </a:solidFill>
+                <a:latin typeface="微软雅黑" panose="020B0503020204020204" pitchFamily="34" charset="-122"/>
+                <a:ea typeface="微软雅黑" panose="020B0503020204020204" pitchFamily="34" charset="-122"/>
+              </a:rPr>
+              <a:t>Overview</a:t>
+            </a:r>
+            <a:endParaRPr lang="zh-CN" altLang="en-US" sz="3200" b="1" dirty="0">
+              <a:solidFill>
+                <a:prstClr val="black"/>
+              </a:solidFill>
+              <a:latin typeface="微软雅黑" panose="020B0503020204020204" pitchFamily="34" charset="-122"/>
+              <a:ea typeface="微软雅黑" panose="020B0503020204020204" pitchFamily="34" charset="-122"/>
+            </a:endParaRPr>
+          </a:p>
+        </p:txBody>
+      </p:sp>
+      <p:sp>
+        <p:nvSpPr>
+          <p:cNvPr id="8" name="矩形 7">
+            <a:extLst>
+              <a:ext uri="{FF2B5EF4-FFF2-40B4-BE49-F238E27FC236}">
+                <a16:creationId xmlns="" xmlns:a16="http://schemas.microsoft.com/office/drawing/2014/main" id="{0FDAD747-108F-4A6D-9220-5EA05067FF1E}"/>
+              </a:ext>
+            </a:extLst>
+          </p:cNvPr>
+          <p:cNvSpPr/>
+          <p:nvPr/>
+        </p:nvSpPr>
+        <p:spPr>
+          <a:xfrm>
+            <a:off x="843573" y="1866759"/>
+            <a:ext cx="10730590" cy="1569660"/>
+          </a:xfrm>
+          <a:prstGeom prst="rect">
+            <a:avLst/>
+          </a:prstGeom>
+        </p:spPr>
+        <p:txBody>
+          <a:bodyPr wrap="square">
+            <a:spAutoFit/>
+          </a:bodyPr>
+          <a:lstStyle/>
+          <a:p>
+            <a:pPr marL="285750" indent="-285750">
+              <a:lnSpc>
+                <a:spcPct val="200000"/>
+              </a:lnSpc>
+              <a:buFont typeface="Wingdings" panose="05000000000000000000" pitchFamily="2" charset="2"/>
+              <a:buChar char="p"/>
+            </a:pPr>
+            <a:r>
+              <a:rPr lang="en-US" altLang="zh-CN" sz="1600" b="1" dirty="0" smtClean="0">
+                <a:solidFill>
+                  <a:prstClr val="black"/>
+                </a:solidFill>
+                <a:latin typeface="微软雅黑" panose="020B0503020204020204" pitchFamily="34" charset="-122"/>
+                <a:ea typeface="微软雅黑" panose="020B0503020204020204" pitchFamily="34" charset="-122"/>
+              </a:rPr>
+              <a:t>Goal</a:t>
+            </a:r>
+            <a:r>
+              <a:rPr lang="zh-CN" altLang="en-US" sz="1600" b="1" dirty="0" smtClean="0">
+                <a:solidFill>
+                  <a:prstClr val="black"/>
+                </a:solidFill>
+                <a:latin typeface="微软雅黑" panose="020B0503020204020204" pitchFamily="34" charset="-122"/>
+                <a:ea typeface="微软雅黑" panose="020B0503020204020204" pitchFamily="34" charset="-122"/>
+              </a:rPr>
+              <a:t>：</a:t>
+            </a:r>
+            <a:r>
+              <a:rPr lang="en-US" altLang="zh-CN" sz="1600" dirty="0" smtClean="0">
+                <a:solidFill>
+                  <a:prstClr val="black"/>
+                </a:solidFill>
+                <a:latin typeface="微软雅黑" panose="020B0503020204020204" pitchFamily="34" charset="-122"/>
+                <a:ea typeface="微软雅黑" panose="020B0503020204020204" pitchFamily="34" charset="-122"/>
+              </a:rPr>
+              <a:t>targeted attack/</a:t>
+            </a:r>
+            <a:r>
+              <a:rPr lang="en-US" altLang="zh-CN" sz="1600" dirty="0">
+                <a:solidFill>
+                  <a:prstClr val="black"/>
+                </a:solidFill>
+                <a:latin typeface="微软雅黑" panose="020B0503020204020204" pitchFamily="34" charset="-122"/>
+                <a:ea typeface="微软雅黑" panose="020B0503020204020204" pitchFamily="34" charset="-122"/>
+              </a:rPr>
+              <a:t> </a:t>
+            </a:r>
+            <a:r>
+              <a:rPr lang="zh-CN" altLang="en-US" sz="1600" dirty="0">
+                <a:solidFill>
+                  <a:prstClr val="black"/>
+                </a:solidFill>
+                <a:latin typeface="微软雅黑" panose="020B0503020204020204" pitchFamily="34" charset="-122"/>
+                <a:ea typeface="微软雅黑" panose="020B0503020204020204" pitchFamily="34" charset="-122"/>
+              </a:rPr>
+              <a:t>最</a:t>
+            </a:r>
+            <a:r>
+              <a:rPr lang="zh-CN" altLang="en-US" sz="1600" dirty="0" smtClean="0">
+                <a:solidFill>
+                  <a:prstClr val="black"/>
+                </a:solidFill>
+                <a:latin typeface="微软雅黑" panose="020B0503020204020204" pitchFamily="34" charset="-122"/>
+                <a:ea typeface="微软雅黑" panose="020B0503020204020204" pitchFamily="34" charset="-122"/>
+              </a:rPr>
+              <a:t>优</a:t>
+            </a:r>
+            <a:r>
+              <a:rPr lang="en-US" altLang="zh-CN" sz="1600" dirty="0" smtClean="0">
+                <a:solidFill>
+                  <a:prstClr val="black"/>
+                </a:solidFill>
+                <a:latin typeface="微软雅黑" panose="020B0503020204020204" pitchFamily="34" charset="-122"/>
+                <a:ea typeface="微软雅黑" panose="020B0503020204020204" pitchFamily="34" charset="-122"/>
+              </a:rPr>
+              <a:t>untargeted </a:t>
+            </a:r>
+            <a:r>
+              <a:rPr lang="en-US" altLang="zh-CN" sz="1600" dirty="0">
+                <a:solidFill>
+                  <a:prstClr val="black"/>
+                </a:solidFill>
+                <a:latin typeface="微软雅黑" panose="020B0503020204020204" pitchFamily="34" charset="-122"/>
+                <a:ea typeface="微软雅黑" panose="020B0503020204020204" pitchFamily="34" charset="-122"/>
+              </a:rPr>
+              <a:t>attack</a:t>
+            </a:r>
+            <a:endParaRPr lang="en-US" altLang="zh-CN" sz="1600" dirty="0" smtClean="0">
+              <a:solidFill>
+                <a:prstClr val="black"/>
+              </a:solidFill>
+              <a:latin typeface="微软雅黑" panose="020B0503020204020204" pitchFamily="34" charset="-122"/>
+              <a:ea typeface="微软雅黑" panose="020B0503020204020204" pitchFamily="34" charset="-122"/>
+            </a:endParaRPr>
+          </a:p>
+          <a:p>
+            <a:pPr marL="285750" indent="-285750">
+              <a:lnSpc>
+                <a:spcPct val="200000"/>
+              </a:lnSpc>
+              <a:buFont typeface="Wingdings" panose="05000000000000000000" pitchFamily="2" charset="2"/>
+              <a:buChar char="p"/>
+            </a:pPr>
+            <a:r>
+              <a:rPr lang="en-US" altLang="zh-CN" sz="1600" b="1" dirty="0">
+                <a:solidFill>
+                  <a:prstClr val="black"/>
+                </a:solidFill>
+                <a:latin typeface="微软雅黑" panose="020B0503020204020204" pitchFamily="34" charset="-122"/>
+                <a:ea typeface="微软雅黑" panose="020B0503020204020204" pitchFamily="34" charset="-122"/>
+              </a:rPr>
+              <a:t>L1</a:t>
+            </a:r>
+            <a:r>
+              <a:rPr lang="zh-CN" altLang="en-US" sz="1600" b="1" dirty="0" smtClean="0">
+                <a:solidFill>
+                  <a:prstClr val="black"/>
+                </a:solidFill>
+                <a:latin typeface="微软雅黑" panose="020B0503020204020204" pitchFamily="34" charset="-122"/>
+                <a:ea typeface="微软雅黑" panose="020B0503020204020204" pitchFamily="34" charset="-122"/>
+              </a:rPr>
+              <a:t>：</a:t>
+            </a:r>
+            <a:r>
+              <a:rPr lang="zh-CN" altLang="en-US" sz="1600" dirty="0" smtClean="0">
+                <a:solidFill>
+                  <a:prstClr val="black"/>
+                </a:solidFill>
+                <a:latin typeface="微软雅黑" panose="020B0503020204020204" pitchFamily="34" charset="-122"/>
+                <a:ea typeface="微软雅黑" panose="020B0503020204020204" pitchFamily="34" charset="-122"/>
+              </a:rPr>
+              <a:t>攻击语句不固定</a:t>
+            </a:r>
+            <a:endParaRPr lang="en-US" altLang="zh-CN" sz="1600" dirty="0" smtClean="0">
+              <a:solidFill>
+                <a:prstClr val="black"/>
+              </a:solidFill>
+              <a:latin typeface="微软雅黑" panose="020B0503020204020204" pitchFamily="34" charset="-122"/>
+              <a:ea typeface="微软雅黑" panose="020B0503020204020204" pitchFamily="34" charset="-122"/>
+            </a:endParaRPr>
+          </a:p>
+          <a:p>
+            <a:pPr marL="285750" indent="-285750">
+              <a:lnSpc>
+                <a:spcPct val="200000"/>
+              </a:lnSpc>
+              <a:buFont typeface="Wingdings" panose="05000000000000000000" pitchFamily="2" charset="2"/>
+              <a:buChar char="p"/>
+            </a:pPr>
+            <a:r>
+              <a:rPr lang="en-US" altLang="zh-CN" sz="1600" b="1" dirty="0" smtClean="0">
+                <a:solidFill>
+                  <a:prstClr val="black"/>
+                </a:solidFill>
+                <a:latin typeface="微软雅黑" panose="020B0503020204020204" pitchFamily="34" charset="-122"/>
+                <a:ea typeface="微软雅黑" panose="020B0503020204020204" pitchFamily="34" charset="-122"/>
+              </a:rPr>
+              <a:t>L2</a:t>
+            </a:r>
+            <a:r>
+              <a:rPr lang="zh-CN" altLang="en-US" sz="1600" dirty="0" smtClean="0">
+                <a:solidFill>
+                  <a:prstClr val="black"/>
+                </a:solidFill>
+                <a:latin typeface="微软雅黑" panose="020B0503020204020204" pitchFamily="34" charset="-122"/>
+                <a:ea typeface="微软雅黑" panose="020B0503020204020204" pitchFamily="34" charset="-122"/>
+              </a:rPr>
+              <a:t>：攻击语句固定</a:t>
+            </a:r>
+            <a:endParaRPr lang="en-US" altLang="zh-CN" sz="1600" dirty="0" smtClean="0">
+              <a:solidFill>
+                <a:srgbClr val="C00000"/>
+              </a:solidFill>
+              <a:latin typeface="微软雅黑" panose="020B0503020204020204" pitchFamily="34" charset="-122"/>
+              <a:ea typeface="微软雅黑" panose="020B0503020204020204" pitchFamily="34" charset="-122"/>
+            </a:endParaRPr>
+          </a:p>
+        </p:txBody>
+      </p:sp>
+    </p:spTree>
+    <p:extLst>
+      <p:ext uri="{BB962C8B-B14F-4D97-AF65-F5344CB8AC3E}">
+        <p14:creationId xmlns:p14="http://schemas.microsoft.com/office/powerpoint/2010/main" val="599645642"/>
+      </p:ext>
+    </p:extLst>
+  </p:cSld>
+  <p:clrMapOvr>
+    <a:masterClrMapping/>
+  </p:clrMapOvr>
+  <p:timing>
+    <p:tnLst>
+      <p:par>
+        <p:cTn id="1" dur="indefinite" restart="never" nodeType="tmRoot"/>
+      </p:par>
+    </p:tnLst>
+  </p:timing>
+</p:sld>
+</file>
+
+<file path=ppt/slides/slide69.xml><?xml version="1.0" encoding="utf-8"?>
+<p:sld xmlns:a="http://schemas.openxmlformats.org/drawingml/2006/main" xmlns:r="http://schemas.openxmlformats.org/officeDocument/2006/relationships" xmlns:p="http://schemas.openxmlformats.org/presentationml/2006/main">
+  <p:cSld>
+    <p:spTree>
+      <p:nvGrpSpPr>
+        <p:cNvPr id="1" name=""/>
+        <p:cNvGrpSpPr/>
+        <p:nvPr/>
+      </p:nvGrpSpPr>
+      <p:grpSpPr>
+        <a:xfrm>
+          <a:off x="0" y="0"/>
+          <a:ext cx="0" cy="0"/>
+          <a:chOff x="0" y="0"/>
+          <a:chExt cx="0" cy="0"/>
+        </a:xfrm>
+      </p:grpSpPr>
+      <p:sp>
+        <p:nvSpPr>
+          <p:cNvPr id="12" name="矩形 11">
+            <a:extLst>
+              <a:ext uri="{FF2B5EF4-FFF2-40B4-BE49-F238E27FC236}">
+                <a16:creationId xmlns="" xmlns:a16="http://schemas.microsoft.com/office/drawing/2014/main" id="{0FDAD747-108F-4A6D-9220-5EA05067FF1E}"/>
+              </a:ext>
+            </a:extLst>
+          </p:cNvPr>
+          <p:cNvSpPr/>
+          <p:nvPr/>
+        </p:nvSpPr>
+        <p:spPr>
+          <a:xfrm>
+            <a:off x="843572" y="596340"/>
+            <a:ext cx="184731" cy="584775"/>
+          </a:xfrm>
+          <a:prstGeom prst="rect">
+            <a:avLst/>
+          </a:prstGeom>
+        </p:spPr>
+        <p:txBody>
+          <a:bodyPr wrap="none">
+            <a:spAutoFit/>
+          </a:bodyPr>
+          <a:lstStyle/>
+          <a:p>
+            <a:endParaRPr lang="zh-CN" altLang="en-US" sz="3200" b="1" dirty="0">
+              <a:solidFill>
+                <a:prstClr val="black"/>
+              </a:solidFill>
+              <a:latin typeface="微软雅黑" panose="020B0503020204020204" pitchFamily="34" charset="-122"/>
+              <a:ea typeface="微软雅黑" panose="020B0503020204020204" pitchFamily="34" charset="-122"/>
+            </a:endParaRPr>
+          </a:p>
+        </p:txBody>
+      </p:sp>
+      <p:sp>
+        <p:nvSpPr>
+          <p:cNvPr id="4" name="矩形 3">
+            <a:extLst>
+              <a:ext uri="{FF2B5EF4-FFF2-40B4-BE49-F238E27FC236}">
+                <a16:creationId xmlns="" xmlns:a16="http://schemas.microsoft.com/office/drawing/2014/main" id="{0FDAD747-108F-4A6D-9220-5EA05067FF1E}"/>
+              </a:ext>
+            </a:extLst>
+          </p:cNvPr>
+          <p:cNvSpPr/>
+          <p:nvPr/>
+        </p:nvSpPr>
+        <p:spPr>
+          <a:xfrm>
+            <a:off x="843573" y="1866759"/>
+            <a:ext cx="10730590" cy="1569660"/>
+          </a:xfrm>
+          <a:prstGeom prst="rect">
+            <a:avLst/>
+          </a:prstGeom>
+        </p:spPr>
+        <p:txBody>
+          <a:bodyPr wrap="square">
+            <a:spAutoFit/>
+          </a:bodyPr>
+          <a:lstStyle/>
+          <a:p>
+            <a:pPr marL="285750" indent="-285750">
+              <a:lnSpc>
+                <a:spcPct val="200000"/>
+              </a:lnSpc>
+              <a:buFont typeface="Wingdings" panose="05000000000000000000" pitchFamily="2" charset="2"/>
+              <a:buChar char="p"/>
+            </a:pPr>
+            <a:endParaRPr lang="en-US" altLang="zh-CN" sz="1600" dirty="0" smtClean="0">
+              <a:solidFill>
+                <a:prstClr val="black"/>
+              </a:solidFill>
+              <a:latin typeface="微软雅黑" panose="020B0503020204020204" pitchFamily="34" charset="-122"/>
+              <a:ea typeface="微软雅黑" panose="020B0503020204020204" pitchFamily="34" charset="-122"/>
+            </a:endParaRPr>
+          </a:p>
+          <a:p>
+            <a:pPr marL="285750" indent="-285750">
+              <a:lnSpc>
+                <a:spcPct val="200000"/>
+              </a:lnSpc>
+              <a:buFont typeface="Wingdings" panose="05000000000000000000" pitchFamily="2" charset="2"/>
+              <a:buChar char="p"/>
+            </a:pPr>
+            <a:endParaRPr lang="en-US" altLang="zh-CN" sz="1600" dirty="0" smtClean="0">
+              <a:solidFill>
+                <a:prstClr val="black"/>
+              </a:solidFill>
+              <a:latin typeface="微软雅黑" panose="020B0503020204020204" pitchFamily="34" charset="-122"/>
+              <a:ea typeface="微软雅黑" panose="020B0503020204020204" pitchFamily="34" charset="-122"/>
+            </a:endParaRPr>
+          </a:p>
+          <a:p>
+            <a:pPr marL="285750" indent="-285750">
+              <a:lnSpc>
+                <a:spcPct val="200000"/>
+              </a:lnSpc>
+              <a:buFont typeface="Wingdings" panose="05000000000000000000" pitchFamily="2" charset="2"/>
+              <a:buChar char="p"/>
+            </a:pPr>
+            <a:endParaRPr lang="en-US" altLang="zh-CN" sz="1600" dirty="0" smtClean="0">
+              <a:solidFill>
+                <a:prstClr val="black"/>
+              </a:solidFill>
+              <a:latin typeface="微软雅黑" panose="020B0503020204020204" pitchFamily="34" charset="-122"/>
+              <a:ea typeface="微软雅黑" panose="020B0503020204020204" pitchFamily="34" charset="-122"/>
+            </a:endParaRPr>
+          </a:p>
+        </p:txBody>
+      </p:sp>
+      <p:sp>
+        <p:nvSpPr>
+          <p:cNvPr id="7" name="矩形 6">
+            <a:extLst>
+              <a:ext uri="{FF2B5EF4-FFF2-40B4-BE49-F238E27FC236}">
+                <a16:creationId xmlns="" xmlns:a16="http://schemas.microsoft.com/office/drawing/2014/main" id="{0FDAD747-108F-4A6D-9220-5EA05067FF1E}"/>
+              </a:ext>
+            </a:extLst>
+          </p:cNvPr>
+          <p:cNvSpPr/>
+          <p:nvPr/>
+        </p:nvSpPr>
+        <p:spPr>
+          <a:xfrm>
+            <a:off x="843572" y="1120596"/>
+            <a:ext cx="2953437" cy="584775"/>
+          </a:xfrm>
+          <a:prstGeom prst="rect">
+            <a:avLst/>
+          </a:prstGeom>
+        </p:spPr>
+        <p:txBody>
+          <a:bodyPr wrap="none">
+            <a:spAutoFit/>
+          </a:bodyPr>
+          <a:lstStyle/>
+          <a:p>
+            <a:r>
+              <a:rPr lang="zh-CN" altLang="en-US" sz="3200" b="1" dirty="0" smtClean="0">
+                <a:solidFill>
+                  <a:prstClr val="black"/>
+                </a:solidFill>
+                <a:latin typeface="微软雅黑" panose="020B0503020204020204" pitchFamily="34" charset="-122"/>
+                <a:ea typeface="微软雅黑" panose="020B0503020204020204" pitchFamily="34" charset="-122"/>
+              </a:rPr>
+              <a:t>思路</a:t>
+            </a:r>
+            <a:r>
+              <a:rPr lang="en-US" altLang="zh-CN" sz="3200" b="1" dirty="0" smtClean="0">
+                <a:solidFill>
+                  <a:prstClr val="black"/>
+                </a:solidFill>
+                <a:latin typeface="微软雅黑" panose="020B0503020204020204" pitchFamily="34" charset="-122"/>
+                <a:ea typeface="微软雅黑" panose="020B0503020204020204" pitchFamily="34" charset="-122"/>
+              </a:rPr>
+              <a:t>Overview</a:t>
+            </a:r>
+            <a:endParaRPr lang="zh-CN" altLang="en-US" sz="3200" b="1" dirty="0">
+              <a:solidFill>
+                <a:prstClr val="black"/>
+              </a:solidFill>
+              <a:latin typeface="微软雅黑" panose="020B0503020204020204" pitchFamily="34" charset="-122"/>
+              <a:ea typeface="微软雅黑" panose="020B0503020204020204" pitchFamily="34" charset="-122"/>
+            </a:endParaRPr>
+          </a:p>
+        </p:txBody>
+      </p:sp>
+      <p:sp>
+        <p:nvSpPr>
+          <p:cNvPr id="8" name="矩形 7">
+            <a:extLst>
+              <a:ext uri="{FF2B5EF4-FFF2-40B4-BE49-F238E27FC236}">
+                <a16:creationId xmlns="" xmlns:a16="http://schemas.microsoft.com/office/drawing/2014/main" id="{0FDAD747-108F-4A6D-9220-5EA05067FF1E}"/>
+              </a:ext>
+            </a:extLst>
+          </p:cNvPr>
+          <p:cNvSpPr/>
+          <p:nvPr/>
+        </p:nvSpPr>
+        <p:spPr>
+          <a:xfrm>
+            <a:off x="843573" y="1866759"/>
+            <a:ext cx="10730590" cy="2554545"/>
+          </a:xfrm>
+          <a:prstGeom prst="rect">
+            <a:avLst/>
+          </a:prstGeom>
+        </p:spPr>
+        <p:txBody>
+          <a:bodyPr wrap="square">
+            <a:spAutoFit/>
+          </a:bodyPr>
+          <a:lstStyle/>
+          <a:p>
+            <a:pPr marL="285750" indent="-285750">
+              <a:lnSpc>
+                <a:spcPct val="200000"/>
+              </a:lnSpc>
+              <a:buFont typeface="Wingdings" panose="05000000000000000000" pitchFamily="2" charset="2"/>
+              <a:buChar char="p"/>
+            </a:pPr>
+            <a:r>
+              <a:rPr lang="en-US" altLang="zh-CN" sz="1600" b="1" dirty="0" smtClean="0">
+                <a:solidFill>
+                  <a:prstClr val="black"/>
+                </a:solidFill>
+                <a:latin typeface="微软雅黑" panose="020B0503020204020204" pitchFamily="34" charset="-122"/>
+                <a:ea typeface="微软雅黑" panose="020B0503020204020204" pitchFamily="34" charset="-122"/>
+              </a:rPr>
+              <a:t>L1</a:t>
+            </a:r>
+            <a:r>
+              <a:rPr lang="zh-CN" altLang="en-US" sz="1600" b="1" dirty="0" smtClean="0">
+                <a:solidFill>
+                  <a:prstClr val="black"/>
+                </a:solidFill>
+                <a:latin typeface="微软雅黑" panose="020B0503020204020204" pitchFamily="34" charset="-122"/>
+                <a:ea typeface="微软雅黑" panose="020B0503020204020204" pitchFamily="34" charset="-122"/>
+              </a:rPr>
+              <a:t>：</a:t>
+            </a:r>
+            <a:r>
+              <a:rPr lang="zh-CN" altLang="en-US" sz="1600" dirty="0">
+                <a:solidFill>
+                  <a:prstClr val="black"/>
+                </a:solidFill>
+                <a:latin typeface="微软雅黑" panose="020B0503020204020204" pitchFamily="34" charset="-122"/>
+                <a:ea typeface="微软雅黑" panose="020B0503020204020204" pitchFamily="34" charset="-122"/>
+              </a:rPr>
+              <a:t>攻击</a:t>
+            </a:r>
+            <a:r>
+              <a:rPr lang="zh-CN" altLang="en-US" sz="1600" dirty="0" smtClean="0">
+                <a:solidFill>
+                  <a:prstClr val="black"/>
+                </a:solidFill>
+                <a:latin typeface="微软雅黑" panose="020B0503020204020204" pitchFamily="34" charset="-122"/>
+                <a:ea typeface="微软雅黑" panose="020B0503020204020204" pitchFamily="34" charset="-122"/>
+              </a:rPr>
+              <a:t>语句不固定</a:t>
+            </a:r>
+            <a:endParaRPr lang="en-US" altLang="zh-CN" sz="1600" dirty="0" smtClean="0">
+              <a:solidFill>
+                <a:prstClr val="black"/>
+              </a:solidFill>
+              <a:latin typeface="微软雅黑" panose="020B0503020204020204" pitchFamily="34" charset="-122"/>
+              <a:ea typeface="微软雅黑" panose="020B0503020204020204" pitchFamily="34" charset="-122"/>
+            </a:endParaRPr>
+          </a:p>
+          <a:p>
+            <a:pPr marL="285750" indent="-285750">
+              <a:lnSpc>
+                <a:spcPct val="200000"/>
+              </a:lnSpc>
+              <a:buFont typeface="Wingdings" panose="05000000000000000000" pitchFamily="2" charset="2"/>
+              <a:buChar char="p"/>
+            </a:pPr>
+            <a:r>
+              <a:rPr lang="en-US" altLang="zh-CN" sz="1600" b="1" dirty="0" smtClean="0">
+                <a:solidFill>
+                  <a:prstClr val="black"/>
+                </a:solidFill>
+                <a:latin typeface="微软雅黑" panose="020B0503020204020204" pitchFamily="34" charset="-122"/>
+                <a:ea typeface="微软雅黑" panose="020B0503020204020204" pitchFamily="34" charset="-122"/>
+              </a:rPr>
+              <a:t>G</a:t>
+            </a:r>
+            <a:r>
+              <a:rPr lang="zh-CN" altLang="en-US" sz="1600" dirty="0" smtClean="0">
+                <a:solidFill>
+                  <a:prstClr val="black"/>
+                </a:solidFill>
+                <a:latin typeface="微软雅黑" panose="020B0503020204020204" pitchFamily="34" charset="-122"/>
+                <a:ea typeface="微软雅黑" panose="020B0503020204020204" pitchFamily="34" charset="-122"/>
+              </a:rPr>
+              <a:t>：</a:t>
+            </a:r>
+            <a:r>
+              <a:rPr lang="zh-CN" altLang="en-US" sz="1600" b="1" dirty="0" smtClean="0">
+                <a:solidFill>
+                  <a:prstClr val="black"/>
+                </a:solidFill>
+                <a:latin typeface="微软雅黑" panose="020B0503020204020204" pitchFamily="34" charset="-122"/>
+                <a:ea typeface="微软雅黑" panose="020B0503020204020204" pitchFamily="34" charset="-122"/>
+              </a:rPr>
+              <a:t>根据目标语句搜索最优可行性攻击语句</a:t>
+            </a:r>
+            <a:endParaRPr lang="en-US" altLang="zh-CN" sz="1600" b="1" dirty="0" smtClean="0">
+              <a:solidFill>
+                <a:prstClr val="black"/>
+              </a:solidFill>
+              <a:latin typeface="微软雅黑" panose="020B0503020204020204" pitchFamily="34" charset="-122"/>
+              <a:ea typeface="微软雅黑" panose="020B0503020204020204" pitchFamily="34" charset="-122"/>
+            </a:endParaRPr>
+          </a:p>
+          <a:p>
+            <a:pPr marL="285750" indent="-285750">
+              <a:lnSpc>
+                <a:spcPct val="200000"/>
+              </a:lnSpc>
+              <a:buFont typeface="Wingdings" panose="05000000000000000000" pitchFamily="2" charset="2"/>
+              <a:buChar char="p"/>
+            </a:pPr>
+            <a:r>
+              <a:rPr lang="en-US" altLang="zh-CN" sz="1600" b="1" dirty="0" smtClean="0">
+                <a:solidFill>
+                  <a:prstClr val="black"/>
+                </a:solidFill>
+                <a:latin typeface="微软雅黑" panose="020B0503020204020204" pitchFamily="34" charset="-122"/>
+                <a:ea typeface="微软雅黑" panose="020B0503020204020204" pitchFamily="34" charset="-122"/>
+              </a:rPr>
+              <a:t>PS</a:t>
+            </a:r>
+            <a:r>
+              <a:rPr lang="zh-CN" altLang="en-US" sz="1600" b="1" dirty="0" smtClean="0">
+                <a:solidFill>
+                  <a:prstClr val="black"/>
+                </a:solidFill>
+                <a:latin typeface="微软雅黑" panose="020B0503020204020204" pitchFamily="34" charset="-122"/>
+                <a:ea typeface="微软雅黑" panose="020B0503020204020204" pitchFamily="34" charset="-122"/>
+              </a:rPr>
+              <a:t>：</a:t>
+            </a:r>
+            <a:r>
+              <a:rPr lang="zh-CN" altLang="en-US" sz="1600" dirty="0" smtClean="0">
+                <a:solidFill>
+                  <a:prstClr val="black"/>
+                </a:solidFill>
+                <a:latin typeface="微软雅黑" panose="020B0503020204020204" pitchFamily="34" charset="-122"/>
+                <a:ea typeface="微软雅黑" panose="020B0503020204020204" pitchFamily="34" charset="-122"/>
+              </a:rPr>
+              <a:t>搭建基于连读等规则的攻击库</a:t>
+            </a:r>
+            <a:endParaRPr lang="en-US" altLang="zh-CN" sz="1600" dirty="0" smtClean="0">
+              <a:solidFill>
+                <a:prstClr val="black"/>
+              </a:solidFill>
+              <a:latin typeface="微软雅黑" panose="020B0503020204020204" pitchFamily="34" charset="-122"/>
+              <a:ea typeface="微软雅黑" panose="020B0503020204020204" pitchFamily="34" charset="-122"/>
+            </a:endParaRPr>
+          </a:p>
+          <a:p>
+            <a:pPr marL="285750" indent="-285750">
+              <a:lnSpc>
+                <a:spcPct val="200000"/>
+              </a:lnSpc>
+              <a:buFont typeface="Wingdings" panose="05000000000000000000" pitchFamily="2" charset="2"/>
+              <a:buChar char="p"/>
+            </a:pPr>
+            <a:r>
+              <a:rPr lang="en-US" altLang="zh-CN" sz="1600" b="1" dirty="0" smtClean="0">
+                <a:solidFill>
+                  <a:prstClr val="black"/>
+                </a:solidFill>
+                <a:latin typeface="微软雅黑" panose="020B0503020204020204" pitchFamily="34" charset="-122"/>
+                <a:ea typeface="微软雅黑" panose="020B0503020204020204" pitchFamily="34" charset="-122"/>
+              </a:rPr>
+              <a:t>S1</a:t>
+            </a:r>
+            <a:r>
+              <a:rPr lang="zh-CN" altLang="en-US" sz="1600" dirty="0" smtClean="0">
+                <a:solidFill>
+                  <a:prstClr val="black"/>
+                </a:solidFill>
+                <a:latin typeface="微软雅黑" panose="020B0503020204020204" pitchFamily="34" charset="-122"/>
+                <a:ea typeface="微软雅黑" panose="020B0503020204020204" pitchFamily="34" charset="-122"/>
+              </a:rPr>
+              <a:t>：分解目标语句，提取关键音素</a:t>
+            </a:r>
+            <a:endParaRPr lang="en-US" altLang="zh-CN" sz="1600" dirty="0" smtClean="0">
+              <a:solidFill>
+                <a:prstClr val="black"/>
+              </a:solidFill>
+              <a:latin typeface="微软雅黑" panose="020B0503020204020204" pitchFamily="34" charset="-122"/>
+              <a:ea typeface="微软雅黑" panose="020B0503020204020204" pitchFamily="34" charset="-122"/>
+            </a:endParaRPr>
+          </a:p>
+          <a:p>
+            <a:pPr marL="285750" indent="-285750">
+              <a:lnSpc>
+                <a:spcPct val="200000"/>
+              </a:lnSpc>
+              <a:buFont typeface="Wingdings" panose="05000000000000000000" pitchFamily="2" charset="2"/>
+              <a:buChar char="p"/>
+            </a:pPr>
+            <a:r>
+              <a:rPr lang="en-US" altLang="zh-CN" sz="1600" b="1" dirty="0" smtClean="0">
+                <a:solidFill>
+                  <a:prstClr val="black"/>
+                </a:solidFill>
+                <a:latin typeface="微软雅黑" panose="020B0503020204020204" pitchFamily="34" charset="-122"/>
+                <a:ea typeface="微软雅黑" panose="020B0503020204020204" pitchFamily="34" charset="-122"/>
+              </a:rPr>
+              <a:t>S2</a:t>
+            </a:r>
+            <a:r>
+              <a:rPr lang="zh-CN" altLang="en-US" sz="1600" dirty="0" smtClean="0">
+                <a:solidFill>
+                  <a:prstClr val="black"/>
+                </a:solidFill>
+                <a:latin typeface="微软雅黑" panose="020B0503020204020204" pitchFamily="34" charset="-122"/>
+                <a:ea typeface="微软雅黑" panose="020B0503020204020204" pitchFamily="34" charset="-122"/>
+              </a:rPr>
+              <a:t>：遍历连读等可被倍速影响的规则，并以最小人为察觉性对优化目标，修改攻击语句部分语句播放速度</a:t>
+            </a:r>
+            <a:endParaRPr lang="en-US" altLang="zh-CN" sz="1600" dirty="0" smtClean="0">
+              <a:solidFill>
+                <a:srgbClr val="C00000"/>
+              </a:solidFill>
+              <a:latin typeface="微软雅黑" panose="020B0503020204020204" pitchFamily="34" charset="-122"/>
+              <a:ea typeface="微软雅黑" panose="020B0503020204020204" pitchFamily="34" charset="-122"/>
+            </a:endParaRPr>
+          </a:p>
+        </p:txBody>
+      </p:sp>
+    </p:spTree>
+    <p:extLst>
+      <p:ext uri="{BB962C8B-B14F-4D97-AF65-F5344CB8AC3E}">
+        <p14:creationId xmlns:p14="http://schemas.microsoft.com/office/powerpoint/2010/main" val="336998924"/>
       </p:ext>
     </p:extLst>
   </p:cSld>
@@ -36856,6 +40552,723 @@
 </p:sld>
 </file>
 
+<file path=ppt/slides/slide70.xml><?xml version="1.0" encoding="utf-8"?>
+<p:sld xmlns:a="http://schemas.openxmlformats.org/drawingml/2006/main" xmlns:r="http://schemas.openxmlformats.org/officeDocument/2006/relationships" xmlns:p="http://schemas.openxmlformats.org/presentationml/2006/main">
+  <p:cSld>
+    <p:spTree>
+      <p:nvGrpSpPr>
+        <p:cNvPr id="1" name=""/>
+        <p:cNvGrpSpPr/>
+        <p:nvPr/>
+      </p:nvGrpSpPr>
+      <p:grpSpPr>
+        <a:xfrm>
+          <a:off x="0" y="0"/>
+          <a:ext cx="0" cy="0"/>
+          <a:chOff x="0" y="0"/>
+          <a:chExt cx="0" cy="0"/>
+        </a:xfrm>
+      </p:grpSpPr>
+      <p:sp>
+        <p:nvSpPr>
+          <p:cNvPr id="12" name="矩形 11">
+            <a:extLst>
+              <a:ext uri="{FF2B5EF4-FFF2-40B4-BE49-F238E27FC236}">
+                <a16:creationId xmlns="" xmlns:a16="http://schemas.microsoft.com/office/drawing/2014/main" id="{0FDAD747-108F-4A6D-9220-5EA05067FF1E}"/>
+              </a:ext>
+            </a:extLst>
+          </p:cNvPr>
+          <p:cNvSpPr/>
+          <p:nvPr/>
+        </p:nvSpPr>
+        <p:spPr>
+          <a:xfrm>
+            <a:off x="843572" y="596340"/>
+            <a:ext cx="184731" cy="584775"/>
+          </a:xfrm>
+          <a:prstGeom prst="rect">
+            <a:avLst/>
+          </a:prstGeom>
+        </p:spPr>
+        <p:txBody>
+          <a:bodyPr wrap="none">
+            <a:spAutoFit/>
+          </a:bodyPr>
+          <a:lstStyle/>
+          <a:p>
+            <a:endParaRPr lang="zh-CN" altLang="en-US" sz="3200" b="1" dirty="0">
+              <a:solidFill>
+                <a:prstClr val="black"/>
+              </a:solidFill>
+              <a:latin typeface="微软雅黑" panose="020B0503020204020204" pitchFamily="34" charset="-122"/>
+              <a:ea typeface="微软雅黑" panose="020B0503020204020204" pitchFamily="34" charset="-122"/>
+            </a:endParaRPr>
+          </a:p>
+        </p:txBody>
+      </p:sp>
+      <p:sp>
+        <p:nvSpPr>
+          <p:cNvPr id="4" name="矩形 3">
+            <a:extLst>
+              <a:ext uri="{FF2B5EF4-FFF2-40B4-BE49-F238E27FC236}">
+                <a16:creationId xmlns="" xmlns:a16="http://schemas.microsoft.com/office/drawing/2014/main" id="{0FDAD747-108F-4A6D-9220-5EA05067FF1E}"/>
+              </a:ext>
+            </a:extLst>
+          </p:cNvPr>
+          <p:cNvSpPr/>
+          <p:nvPr/>
+        </p:nvSpPr>
+        <p:spPr>
+          <a:xfrm>
+            <a:off x="843573" y="1866759"/>
+            <a:ext cx="10730590" cy="1569660"/>
+          </a:xfrm>
+          <a:prstGeom prst="rect">
+            <a:avLst/>
+          </a:prstGeom>
+        </p:spPr>
+        <p:txBody>
+          <a:bodyPr wrap="square">
+            <a:spAutoFit/>
+          </a:bodyPr>
+          <a:lstStyle/>
+          <a:p>
+            <a:pPr marL="285750" indent="-285750">
+              <a:lnSpc>
+                <a:spcPct val="200000"/>
+              </a:lnSpc>
+              <a:buFont typeface="Wingdings" panose="05000000000000000000" pitchFamily="2" charset="2"/>
+              <a:buChar char="p"/>
+            </a:pPr>
+            <a:endParaRPr lang="en-US" altLang="zh-CN" sz="1600" dirty="0" smtClean="0">
+              <a:solidFill>
+                <a:prstClr val="black"/>
+              </a:solidFill>
+              <a:latin typeface="微软雅黑" panose="020B0503020204020204" pitchFamily="34" charset="-122"/>
+              <a:ea typeface="微软雅黑" panose="020B0503020204020204" pitchFamily="34" charset="-122"/>
+            </a:endParaRPr>
+          </a:p>
+          <a:p>
+            <a:pPr marL="285750" indent="-285750">
+              <a:lnSpc>
+                <a:spcPct val="200000"/>
+              </a:lnSpc>
+              <a:buFont typeface="Wingdings" panose="05000000000000000000" pitchFamily="2" charset="2"/>
+              <a:buChar char="p"/>
+            </a:pPr>
+            <a:endParaRPr lang="en-US" altLang="zh-CN" sz="1600" dirty="0" smtClean="0">
+              <a:solidFill>
+                <a:prstClr val="black"/>
+              </a:solidFill>
+              <a:latin typeface="微软雅黑" panose="020B0503020204020204" pitchFamily="34" charset="-122"/>
+              <a:ea typeface="微软雅黑" panose="020B0503020204020204" pitchFamily="34" charset="-122"/>
+            </a:endParaRPr>
+          </a:p>
+          <a:p>
+            <a:pPr marL="285750" indent="-285750">
+              <a:lnSpc>
+                <a:spcPct val="200000"/>
+              </a:lnSpc>
+              <a:buFont typeface="Wingdings" panose="05000000000000000000" pitchFamily="2" charset="2"/>
+              <a:buChar char="p"/>
+            </a:pPr>
+            <a:endParaRPr lang="en-US" altLang="zh-CN" sz="1600" dirty="0" smtClean="0">
+              <a:solidFill>
+                <a:prstClr val="black"/>
+              </a:solidFill>
+              <a:latin typeface="微软雅黑" panose="020B0503020204020204" pitchFamily="34" charset="-122"/>
+              <a:ea typeface="微软雅黑" panose="020B0503020204020204" pitchFamily="34" charset="-122"/>
+            </a:endParaRPr>
+          </a:p>
+        </p:txBody>
+      </p:sp>
+      <p:sp>
+        <p:nvSpPr>
+          <p:cNvPr id="7" name="矩形 6">
+            <a:extLst>
+              <a:ext uri="{FF2B5EF4-FFF2-40B4-BE49-F238E27FC236}">
+                <a16:creationId xmlns="" xmlns:a16="http://schemas.microsoft.com/office/drawing/2014/main" id="{0FDAD747-108F-4A6D-9220-5EA05067FF1E}"/>
+              </a:ext>
+            </a:extLst>
+          </p:cNvPr>
+          <p:cNvSpPr/>
+          <p:nvPr/>
+        </p:nvSpPr>
+        <p:spPr>
+          <a:xfrm>
+            <a:off x="843572" y="1120596"/>
+            <a:ext cx="2953437" cy="584775"/>
+          </a:xfrm>
+          <a:prstGeom prst="rect">
+            <a:avLst/>
+          </a:prstGeom>
+        </p:spPr>
+        <p:txBody>
+          <a:bodyPr wrap="none">
+            <a:spAutoFit/>
+          </a:bodyPr>
+          <a:lstStyle/>
+          <a:p>
+            <a:r>
+              <a:rPr lang="zh-CN" altLang="en-US" sz="3200" b="1" dirty="0" smtClean="0">
+                <a:solidFill>
+                  <a:prstClr val="black"/>
+                </a:solidFill>
+                <a:latin typeface="微软雅黑" panose="020B0503020204020204" pitchFamily="34" charset="-122"/>
+                <a:ea typeface="微软雅黑" panose="020B0503020204020204" pitchFamily="34" charset="-122"/>
+              </a:rPr>
+              <a:t>思路</a:t>
+            </a:r>
+            <a:r>
+              <a:rPr lang="en-US" altLang="zh-CN" sz="3200" b="1" dirty="0" smtClean="0">
+                <a:solidFill>
+                  <a:prstClr val="black"/>
+                </a:solidFill>
+                <a:latin typeface="微软雅黑" panose="020B0503020204020204" pitchFamily="34" charset="-122"/>
+                <a:ea typeface="微软雅黑" panose="020B0503020204020204" pitchFamily="34" charset="-122"/>
+              </a:rPr>
+              <a:t>Overview</a:t>
+            </a:r>
+            <a:endParaRPr lang="zh-CN" altLang="en-US" sz="3200" b="1" dirty="0">
+              <a:solidFill>
+                <a:prstClr val="black"/>
+              </a:solidFill>
+              <a:latin typeface="微软雅黑" panose="020B0503020204020204" pitchFamily="34" charset="-122"/>
+              <a:ea typeface="微软雅黑" panose="020B0503020204020204" pitchFamily="34" charset="-122"/>
+            </a:endParaRPr>
+          </a:p>
+        </p:txBody>
+      </p:sp>
+      <p:sp>
+        <p:nvSpPr>
+          <p:cNvPr id="8" name="矩形 7">
+            <a:extLst>
+              <a:ext uri="{FF2B5EF4-FFF2-40B4-BE49-F238E27FC236}">
+                <a16:creationId xmlns="" xmlns:a16="http://schemas.microsoft.com/office/drawing/2014/main" id="{0FDAD747-108F-4A6D-9220-5EA05067FF1E}"/>
+              </a:ext>
+            </a:extLst>
+          </p:cNvPr>
+          <p:cNvSpPr/>
+          <p:nvPr/>
+        </p:nvSpPr>
+        <p:spPr>
+          <a:xfrm>
+            <a:off x="843573" y="1866759"/>
+            <a:ext cx="10730590" cy="2554545"/>
+          </a:xfrm>
+          <a:prstGeom prst="rect">
+            <a:avLst/>
+          </a:prstGeom>
+        </p:spPr>
+        <p:txBody>
+          <a:bodyPr wrap="square">
+            <a:spAutoFit/>
+          </a:bodyPr>
+          <a:lstStyle/>
+          <a:p>
+            <a:pPr marL="285750" indent="-285750">
+              <a:lnSpc>
+                <a:spcPct val="200000"/>
+              </a:lnSpc>
+              <a:buFont typeface="Wingdings" panose="05000000000000000000" pitchFamily="2" charset="2"/>
+              <a:buChar char="p"/>
+            </a:pPr>
+            <a:r>
+              <a:rPr lang="en-US" altLang="zh-CN" sz="1600" b="1" dirty="0" smtClean="0">
+                <a:solidFill>
+                  <a:prstClr val="black"/>
+                </a:solidFill>
+                <a:latin typeface="微软雅黑" panose="020B0503020204020204" pitchFamily="34" charset="-122"/>
+                <a:ea typeface="微软雅黑" panose="020B0503020204020204" pitchFamily="34" charset="-122"/>
+              </a:rPr>
+              <a:t>L2</a:t>
+            </a:r>
+            <a:r>
+              <a:rPr lang="zh-CN" altLang="en-US" sz="1600" b="1" dirty="0" smtClean="0">
+                <a:solidFill>
+                  <a:prstClr val="black"/>
+                </a:solidFill>
+                <a:latin typeface="微软雅黑" panose="020B0503020204020204" pitchFamily="34" charset="-122"/>
+                <a:ea typeface="微软雅黑" panose="020B0503020204020204" pitchFamily="34" charset="-122"/>
+              </a:rPr>
+              <a:t>：</a:t>
+            </a:r>
+            <a:r>
+              <a:rPr lang="zh-CN" altLang="en-US" sz="1600" dirty="0">
+                <a:solidFill>
+                  <a:prstClr val="black"/>
+                </a:solidFill>
+                <a:latin typeface="微软雅黑" panose="020B0503020204020204" pitchFamily="34" charset="-122"/>
+                <a:ea typeface="微软雅黑" panose="020B0503020204020204" pitchFamily="34" charset="-122"/>
+              </a:rPr>
+              <a:t>攻击</a:t>
+            </a:r>
+            <a:r>
+              <a:rPr lang="zh-CN" altLang="en-US" sz="1600" dirty="0" smtClean="0">
+                <a:solidFill>
+                  <a:prstClr val="black"/>
+                </a:solidFill>
+                <a:latin typeface="微软雅黑" panose="020B0503020204020204" pitchFamily="34" charset="-122"/>
+                <a:ea typeface="微软雅黑" panose="020B0503020204020204" pitchFamily="34" charset="-122"/>
+              </a:rPr>
+              <a:t>语句固定</a:t>
+            </a:r>
+            <a:endParaRPr lang="en-US" altLang="zh-CN" sz="1600" dirty="0" smtClean="0">
+              <a:solidFill>
+                <a:prstClr val="black"/>
+              </a:solidFill>
+              <a:latin typeface="微软雅黑" panose="020B0503020204020204" pitchFamily="34" charset="-122"/>
+              <a:ea typeface="微软雅黑" panose="020B0503020204020204" pitchFamily="34" charset="-122"/>
+            </a:endParaRPr>
+          </a:p>
+          <a:p>
+            <a:pPr marL="285750" indent="-285750">
+              <a:lnSpc>
+                <a:spcPct val="200000"/>
+              </a:lnSpc>
+              <a:buFont typeface="Wingdings" panose="05000000000000000000" pitchFamily="2" charset="2"/>
+              <a:buChar char="p"/>
+            </a:pPr>
+            <a:r>
+              <a:rPr lang="en-US" altLang="zh-CN" sz="1600" b="1" dirty="0" smtClean="0">
+                <a:solidFill>
+                  <a:prstClr val="black"/>
+                </a:solidFill>
+                <a:latin typeface="微软雅黑" panose="020B0503020204020204" pitchFamily="34" charset="-122"/>
+                <a:ea typeface="微软雅黑" panose="020B0503020204020204" pitchFamily="34" charset="-122"/>
+              </a:rPr>
+              <a:t>G</a:t>
+            </a:r>
+            <a:r>
+              <a:rPr lang="zh-CN" altLang="en-US" sz="1600" dirty="0" smtClean="0">
+                <a:solidFill>
+                  <a:prstClr val="black"/>
+                </a:solidFill>
+                <a:latin typeface="微软雅黑" panose="020B0503020204020204" pitchFamily="34" charset="-122"/>
+                <a:ea typeface="微软雅黑" panose="020B0503020204020204" pitchFamily="34" charset="-122"/>
+              </a:rPr>
+              <a:t>：</a:t>
+            </a:r>
+            <a:r>
+              <a:rPr lang="zh-CN" altLang="en-US" sz="1600" b="1" dirty="0" smtClean="0">
+                <a:solidFill>
+                  <a:prstClr val="black"/>
+                </a:solidFill>
+                <a:latin typeface="微软雅黑" panose="020B0503020204020204" pitchFamily="34" charset="-122"/>
+                <a:ea typeface="微软雅黑" panose="020B0503020204020204" pitchFamily="34" charset="-122"/>
+              </a:rPr>
+              <a:t>根据攻击语句搜索最优恶意语句</a:t>
+            </a:r>
+            <a:endParaRPr lang="en-US" altLang="zh-CN" sz="1600" b="1" dirty="0" smtClean="0">
+              <a:solidFill>
+                <a:prstClr val="black"/>
+              </a:solidFill>
+              <a:latin typeface="微软雅黑" panose="020B0503020204020204" pitchFamily="34" charset="-122"/>
+              <a:ea typeface="微软雅黑" panose="020B0503020204020204" pitchFamily="34" charset="-122"/>
+            </a:endParaRPr>
+          </a:p>
+          <a:p>
+            <a:pPr marL="285750" indent="-285750">
+              <a:lnSpc>
+                <a:spcPct val="200000"/>
+              </a:lnSpc>
+              <a:buFont typeface="Wingdings" panose="05000000000000000000" pitchFamily="2" charset="2"/>
+              <a:buChar char="p"/>
+            </a:pPr>
+            <a:r>
+              <a:rPr lang="en-US" altLang="zh-CN" sz="1600" b="1" dirty="0" smtClean="0">
+                <a:solidFill>
+                  <a:prstClr val="black"/>
+                </a:solidFill>
+                <a:latin typeface="微软雅黑" panose="020B0503020204020204" pitchFamily="34" charset="-122"/>
+                <a:ea typeface="微软雅黑" panose="020B0503020204020204" pitchFamily="34" charset="-122"/>
+              </a:rPr>
+              <a:t>PS</a:t>
+            </a:r>
+            <a:r>
+              <a:rPr lang="zh-CN" altLang="en-US" sz="1600" b="1" dirty="0" smtClean="0">
+                <a:solidFill>
+                  <a:prstClr val="black"/>
+                </a:solidFill>
+                <a:latin typeface="微软雅黑" panose="020B0503020204020204" pitchFamily="34" charset="-122"/>
+                <a:ea typeface="微软雅黑" panose="020B0503020204020204" pitchFamily="34" charset="-122"/>
+              </a:rPr>
+              <a:t>：</a:t>
+            </a:r>
+            <a:r>
+              <a:rPr lang="zh-CN" altLang="en-US" sz="1600" dirty="0" smtClean="0">
+                <a:solidFill>
+                  <a:prstClr val="black"/>
+                </a:solidFill>
+                <a:latin typeface="微软雅黑" panose="020B0503020204020204" pitchFamily="34" charset="-122"/>
+                <a:ea typeface="微软雅黑" panose="020B0503020204020204" pitchFamily="34" charset="-122"/>
+              </a:rPr>
+              <a:t>搭建基于连读等规则的攻击库</a:t>
+            </a:r>
+            <a:endParaRPr lang="en-US" altLang="zh-CN" sz="1600" dirty="0" smtClean="0">
+              <a:solidFill>
+                <a:prstClr val="black"/>
+              </a:solidFill>
+              <a:latin typeface="微软雅黑" panose="020B0503020204020204" pitchFamily="34" charset="-122"/>
+              <a:ea typeface="微软雅黑" panose="020B0503020204020204" pitchFamily="34" charset="-122"/>
+            </a:endParaRPr>
+          </a:p>
+          <a:p>
+            <a:pPr marL="285750" indent="-285750">
+              <a:lnSpc>
+                <a:spcPct val="200000"/>
+              </a:lnSpc>
+              <a:buFont typeface="Wingdings" panose="05000000000000000000" pitchFamily="2" charset="2"/>
+              <a:buChar char="p"/>
+            </a:pPr>
+            <a:r>
+              <a:rPr lang="en-US" altLang="zh-CN" sz="1600" b="1" dirty="0" smtClean="0">
+                <a:solidFill>
+                  <a:prstClr val="black"/>
+                </a:solidFill>
+                <a:latin typeface="微软雅黑" panose="020B0503020204020204" pitchFamily="34" charset="-122"/>
+                <a:ea typeface="微软雅黑" panose="020B0503020204020204" pitchFamily="34" charset="-122"/>
+              </a:rPr>
+              <a:t>S1</a:t>
+            </a:r>
+            <a:r>
+              <a:rPr lang="zh-CN" altLang="en-US" sz="1600" dirty="0" smtClean="0">
+                <a:solidFill>
+                  <a:prstClr val="black"/>
+                </a:solidFill>
+                <a:latin typeface="微软雅黑" panose="020B0503020204020204" pitchFamily="34" charset="-122"/>
+                <a:ea typeface="微软雅黑" panose="020B0503020204020204" pitchFamily="34" charset="-122"/>
+              </a:rPr>
+              <a:t>：分解攻击语句，提取关键音素</a:t>
+            </a:r>
+            <a:endParaRPr lang="en-US" altLang="zh-CN" sz="1600" dirty="0" smtClean="0">
+              <a:solidFill>
+                <a:prstClr val="black"/>
+              </a:solidFill>
+              <a:latin typeface="微软雅黑" panose="020B0503020204020204" pitchFamily="34" charset="-122"/>
+              <a:ea typeface="微软雅黑" panose="020B0503020204020204" pitchFamily="34" charset="-122"/>
+            </a:endParaRPr>
+          </a:p>
+          <a:p>
+            <a:pPr marL="285750" indent="-285750">
+              <a:lnSpc>
+                <a:spcPct val="200000"/>
+              </a:lnSpc>
+              <a:buFont typeface="Wingdings" panose="05000000000000000000" pitchFamily="2" charset="2"/>
+              <a:buChar char="p"/>
+            </a:pPr>
+            <a:r>
+              <a:rPr lang="en-US" altLang="zh-CN" sz="1600" b="1" dirty="0" smtClean="0">
+                <a:solidFill>
+                  <a:prstClr val="black"/>
+                </a:solidFill>
+                <a:latin typeface="微软雅黑" panose="020B0503020204020204" pitchFamily="34" charset="-122"/>
+                <a:ea typeface="微软雅黑" panose="020B0503020204020204" pitchFamily="34" charset="-122"/>
+              </a:rPr>
+              <a:t>S2</a:t>
+            </a:r>
+            <a:r>
+              <a:rPr lang="zh-CN" altLang="en-US" sz="1600" dirty="0" smtClean="0">
+                <a:solidFill>
+                  <a:prstClr val="black"/>
+                </a:solidFill>
+                <a:latin typeface="微软雅黑" panose="020B0503020204020204" pitchFamily="34" charset="-122"/>
+                <a:ea typeface="微软雅黑" panose="020B0503020204020204" pitchFamily="34" charset="-122"/>
+              </a:rPr>
+              <a:t>：遍历连读等可被倍速影响的规则，并以最大恶意程度为优化目标，修改攻击语句部分语句播放速度</a:t>
+            </a:r>
+            <a:endParaRPr lang="en-US" altLang="zh-CN" sz="1600" dirty="0" smtClean="0">
+              <a:solidFill>
+                <a:srgbClr val="C00000"/>
+              </a:solidFill>
+              <a:latin typeface="微软雅黑" panose="020B0503020204020204" pitchFamily="34" charset="-122"/>
+              <a:ea typeface="微软雅黑" panose="020B0503020204020204" pitchFamily="34" charset="-122"/>
+            </a:endParaRPr>
+          </a:p>
+        </p:txBody>
+      </p:sp>
+    </p:spTree>
+    <p:extLst>
+      <p:ext uri="{BB962C8B-B14F-4D97-AF65-F5344CB8AC3E}">
+        <p14:creationId xmlns:p14="http://schemas.microsoft.com/office/powerpoint/2010/main" val="3997442379"/>
+      </p:ext>
+    </p:extLst>
+  </p:cSld>
+  <p:clrMapOvr>
+    <a:masterClrMapping/>
+  </p:clrMapOvr>
+  <p:timing>
+    <p:tnLst>
+      <p:par>
+        <p:cTn id="1" dur="indefinite" restart="never" nodeType="tmRoot"/>
+      </p:par>
+    </p:tnLst>
+  </p:timing>
+</p:sld>
+</file>
+
+<file path=ppt/slides/slide71.xml><?xml version="1.0" encoding="utf-8"?>
+<p:sld xmlns:a="http://schemas.openxmlformats.org/drawingml/2006/main" xmlns:r="http://schemas.openxmlformats.org/officeDocument/2006/relationships" xmlns:p="http://schemas.openxmlformats.org/presentationml/2006/main">
+  <p:cSld>
+    <p:spTree>
+      <p:nvGrpSpPr>
+        <p:cNvPr id="1" name=""/>
+        <p:cNvGrpSpPr/>
+        <p:nvPr/>
+      </p:nvGrpSpPr>
+      <p:grpSpPr>
+        <a:xfrm>
+          <a:off x="0" y="0"/>
+          <a:ext cx="0" cy="0"/>
+          <a:chOff x="0" y="0"/>
+          <a:chExt cx="0" cy="0"/>
+        </a:xfrm>
+      </p:grpSpPr>
+      <p:sp>
+        <p:nvSpPr>
+          <p:cNvPr id="13" name="文本框 12"/>
+          <p:cNvSpPr txBox="1"/>
+          <p:nvPr/>
+        </p:nvSpPr>
+        <p:spPr>
+          <a:xfrm>
+            <a:off x="1133852" y="2368487"/>
+            <a:ext cx="9954277" cy="707886"/>
+          </a:xfrm>
+          <a:prstGeom prst="rect">
+            <a:avLst/>
+          </a:prstGeom>
+          <a:noFill/>
+        </p:spPr>
+        <p:txBody>
+          <a:bodyPr wrap="square" rtlCol="0" anchor="ctr">
+            <a:spAutoFit/>
+          </a:bodyPr>
+          <a:lstStyle/>
+          <a:p>
+            <a:pPr algn="ctr"/>
+            <a:r>
+              <a:rPr lang="en-US" altLang="zh-CN" sz="4000" b="1" dirty="0" err="1" smtClean="0">
+                <a:solidFill>
+                  <a:schemeClr val="bg2">
+                    <a:lumMod val="10000"/>
+                  </a:schemeClr>
+                </a:solidFill>
+                <a:latin typeface="微软雅黑" panose="020B0503020204020204" pitchFamily="34" charset="-122"/>
+                <a:ea typeface="微软雅黑" panose="020B0503020204020204" pitchFamily="34" charset="-122"/>
+              </a:rPr>
+              <a:t>DeepSpeech</a:t>
+            </a:r>
+            <a:endParaRPr lang="en-US" altLang="zh-CN" sz="4000" dirty="0" smtClean="0">
+              <a:solidFill>
+                <a:schemeClr val="bg2">
+                  <a:lumMod val="10000"/>
+                </a:schemeClr>
+              </a:solidFill>
+              <a:latin typeface="微软雅黑" panose="020B0503020204020204" pitchFamily="34" charset="-122"/>
+              <a:ea typeface="微软雅黑" panose="020B0503020204020204" pitchFamily="34" charset="-122"/>
+            </a:endParaRPr>
+          </a:p>
+        </p:txBody>
+      </p:sp>
+    </p:spTree>
+    <p:extLst>
+      <p:ext uri="{BB962C8B-B14F-4D97-AF65-F5344CB8AC3E}">
+        <p14:creationId xmlns:p14="http://schemas.microsoft.com/office/powerpoint/2010/main" val="834661554"/>
+      </p:ext>
+    </p:extLst>
+  </p:cSld>
+  <p:clrMapOvr>
+    <a:masterClrMapping/>
+  </p:clrMapOvr>
+  <p:timing>
+    <p:tnLst>
+      <p:par>
+        <p:cTn id="1" dur="indefinite" restart="never" nodeType="tmRoot"/>
+      </p:par>
+    </p:tnLst>
+  </p:timing>
+</p:sld>
+</file>
+
+<file path=ppt/slides/slide72.xml><?xml version="1.0" encoding="utf-8"?>
+<p:sld xmlns:a="http://schemas.openxmlformats.org/drawingml/2006/main" xmlns:r="http://schemas.openxmlformats.org/officeDocument/2006/relationships" xmlns:p="http://schemas.openxmlformats.org/presentationml/2006/main">
+  <p:cSld>
+    <p:spTree>
+      <p:nvGrpSpPr>
+        <p:cNvPr id="1" name=""/>
+        <p:cNvGrpSpPr/>
+        <p:nvPr/>
+      </p:nvGrpSpPr>
+      <p:grpSpPr>
+        <a:xfrm>
+          <a:off x="0" y="0"/>
+          <a:ext cx="0" cy="0"/>
+          <a:chOff x="0" y="0"/>
+          <a:chExt cx="0" cy="0"/>
+        </a:xfrm>
+      </p:grpSpPr>
+      <p:sp>
+        <p:nvSpPr>
+          <p:cNvPr id="12" name="矩形 11">
+            <a:extLst>
+              <a:ext uri="{FF2B5EF4-FFF2-40B4-BE49-F238E27FC236}">
+                <a16:creationId xmlns="" xmlns:a16="http://schemas.microsoft.com/office/drawing/2014/main" id="{0FDAD747-108F-4A6D-9220-5EA05067FF1E}"/>
+              </a:ext>
+            </a:extLst>
+          </p:cNvPr>
+          <p:cNvSpPr/>
+          <p:nvPr/>
+        </p:nvSpPr>
+        <p:spPr>
+          <a:xfrm>
+            <a:off x="843572" y="1120596"/>
+            <a:ext cx="1826141" cy="584775"/>
+          </a:xfrm>
+          <a:prstGeom prst="rect">
+            <a:avLst/>
+          </a:prstGeom>
+        </p:spPr>
+        <p:txBody>
+          <a:bodyPr wrap="none">
+            <a:spAutoFit/>
+          </a:bodyPr>
+          <a:lstStyle/>
+          <a:p>
+            <a:r>
+              <a:rPr lang="zh-CN" altLang="en-US" sz="3200" b="1" dirty="0" smtClean="0">
+                <a:solidFill>
+                  <a:prstClr val="black"/>
+                </a:solidFill>
+                <a:latin typeface="微软雅黑" panose="020B0503020204020204" pitchFamily="34" charset="-122"/>
+                <a:ea typeface="微软雅黑" panose="020B0503020204020204" pitchFamily="34" charset="-122"/>
+              </a:rPr>
+              <a:t>测试结果</a:t>
+            </a:r>
+            <a:endParaRPr lang="zh-CN" altLang="en-US" sz="3200" b="1" dirty="0">
+              <a:solidFill>
+                <a:prstClr val="black"/>
+              </a:solidFill>
+              <a:latin typeface="微软雅黑" panose="020B0503020204020204" pitchFamily="34" charset="-122"/>
+              <a:ea typeface="微软雅黑" panose="020B0503020204020204" pitchFamily="34" charset="-122"/>
+            </a:endParaRPr>
+          </a:p>
+        </p:txBody>
+      </p:sp>
+      <p:sp>
+        <p:nvSpPr>
+          <p:cNvPr id="4" name="矩形 3">
+            <a:extLst>
+              <a:ext uri="{FF2B5EF4-FFF2-40B4-BE49-F238E27FC236}">
+                <a16:creationId xmlns="" xmlns:a16="http://schemas.microsoft.com/office/drawing/2014/main" id="{0FDAD747-108F-4A6D-9220-5EA05067FF1E}"/>
+              </a:ext>
+            </a:extLst>
+          </p:cNvPr>
+          <p:cNvSpPr/>
+          <p:nvPr/>
+        </p:nvSpPr>
+        <p:spPr>
+          <a:xfrm>
+            <a:off x="843573" y="1866759"/>
+            <a:ext cx="10730590" cy="1077218"/>
+          </a:xfrm>
+          <a:prstGeom prst="rect">
+            <a:avLst/>
+          </a:prstGeom>
+        </p:spPr>
+        <p:txBody>
+          <a:bodyPr wrap="square">
+            <a:spAutoFit/>
+          </a:bodyPr>
+          <a:lstStyle/>
+          <a:p>
+            <a:pPr marL="285750" indent="-285750">
+              <a:lnSpc>
+                <a:spcPct val="200000"/>
+              </a:lnSpc>
+              <a:buFont typeface="Wingdings" panose="05000000000000000000" pitchFamily="2" charset="2"/>
+              <a:buChar char="p"/>
+            </a:pPr>
+            <a:r>
+              <a:rPr lang="zh-CN" altLang="en-US" sz="1600" dirty="0" smtClean="0">
+                <a:solidFill>
+                  <a:prstClr val="black"/>
+                </a:solidFill>
+                <a:latin typeface="微软雅黑" panose="020B0503020204020204" pitchFamily="34" charset="-122"/>
+                <a:ea typeface="微软雅黑" panose="020B0503020204020204" pitchFamily="34" charset="-122"/>
+              </a:rPr>
+              <a:t>正常识别有点问题</a:t>
+            </a:r>
+            <a:endParaRPr lang="en-US" altLang="zh-CN" sz="1600" dirty="0" smtClean="0">
+              <a:solidFill>
+                <a:prstClr val="black"/>
+              </a:solidFill>
+              <a:latin typeface="微软雅黑" panose="020B0503020204020204" pitchFamily="34" charset="-122"/>
+              <a:ea typeface="微软雅黑" panose="020B0503020204020204" pitchFamily="34" charset="-122"/>
+            </a:endParaRPr>
+          </a:p>
+          <a:p>
+            <a:pPr marL="285750" indent="-285750">
+              <a:lnSpc>
+                <a:spcPct val="200000"/>
+              </a:lnSpc>
+              <a:buFont typeface="Wingdings" panose="05000000000000000000" pitchFamily="2" charset="2"/>
+              <a:buChar char="p"/>
+            </a:pPr>
+            <a:endParaRPr lang="en-US" altLang="zh-CN" sz="1600" dirty="0" smtClean="0">
+              <a:solidFill>
+                <a:prstClr val="black"/>
+              </a:solidFill>
+              <a:latin typeface="微软雅黑" panose="020B0503020204020204" pitchFamily="34" charset="-122"/>
+              <a:ea typeface="微软雅黑" panose="020B0503020204020204" pitchFamily="34" charset="-122"/>
+            </a:endParaRPr>
+          </a:p>
+        </p:txBody>
+      </p:sp>
+      <p:pic>
+        <p:nvPicPr>
+          <p:cNvPr id="2" name="图片 1"/>
+          <p:cNvPicPr>
+            <a:picLocks noChangeAspect="1"/>
+          </p:cNvPicPr>
+          <p:nvPr/>
+        </p:nvPicPr>
+        <p:blipFill>
+          <a:blip r:embed="rId3"/>
+          <a:stretch>
+            <a:fillRect/>
+          </a:stretch>
+        </p:blipFill>
+        <p:spPr>
+          <a:xfrm>
+            <a:off x="3545776" y="3573042"/>
+            <a:ext cx="5514975" cy="2019300"/>
+          </a:xfrm>
+          <a:prstGeom prst="rect">
+            <a:avLst/>
+          </a:prstGeom>
+        </p:spPr>
+      </p:pic>
+    </p:spTree>
+    <p:extLst>
+      <p:ext uri="{BB962C8B-B14F-4D97-AF65-F5344CB8AC3E}">
+        <p14:creationId xmlns:p14="http://schemas.microsoft.com/office/powerpoint/2010/main" val="2319309151"/>
+      </p:ext>
+    </p:extLst>
+  </p:cSld>
+  <p:clrMapOvr>
+    <a:masterClrMapping/>
+  </p:clrMapOvr>
+  <p:timing>
+    <p:tnLst>
+      <p:par>
+        <p:cTn id="1" dur="indefinite" restart="never" nodeType="tmRoot"/>
+      </p:par>
+    </p:tnLst>
+  </p:timing>
+</p:sld>
+</file>
+
 <file path=ppt/slides/slide8.xml><?xml version="1.0" encoding="utf-8"?>
 <p:sld xmlns:a="http://schemas.openxmlformats.org/drawingml/2006/main" xmlns:r="http://schemas.openxmlformats.org/officeDocument/2006/relationships" xmlns:p="http://schemas.openxmlformats.org/presentationml/2006/main">
   <p:cSld>
@@ -36878,7 +41291,7 @@
           <p:cNvPr id="7" name="矩形 6">
             <a:extLst>
               <a:ext uri="{FF2B5EF4-FFF2-40B4-BE49-F238E27FC236}">
-                <a16:creationId xmlns:a16="http://schemas.microsoft.com/office/drawing/2014/main" xmlns="" id="{0FDAD747-108F-4A6D-9220-5EA05067FF1E}"/>
+                <a16:creationId xmlns="" xmlns:a16="http://schemas.microsoft.com/office/drawing/2014/main" id="{0FDAD747-108F-4A6D-9220-5EA05067FF1E}"/>
               </a:ext>
             </a:extLst>
           </p:cNvPr>
@@ -37024,7 +41437,7 @@
           <p:cNvPr id="8" name="矩形 13" descr="紫色网格">
             <a:extLst>
               <a:ext uri="{FF2B5EF4-FFF2-40B4-BE49-F238E27FC236}">
-                <a16:creationId xmlns:a16="http://schemas.microsoft.com/office/drawing/2014/main" xmlns="" id="{44AEA09D-FD0A-4CA0-883D-93E5EAF762D6}"/>
+                <a16:creationId xmlns="" xmlns:a16="http://schemas.microsoft.com/office/drawing/2014/main" id="{44AEA09D-FD0A-4CA0-883D-93E5EAF762D6}"/>
               </a:ext>
             </a:extLst>
           </p:cNvPr>
@@ -37313,7 +41726,7 @@
           <p:cNvPr id="9" name="矩形 8">
             <a:extLst>
               <a:ext uri="{FF2B5EF4-FFF2-40B4-BE49-F238E27FC236}">
-                <a16:creationId xmlns:a16="http://schemas.microsoft.com/office/drawing/2014/main" xmlns="" id="{0FDAD747-108F-4A6D-9220-5EA05067FF1E}"/>
+                <a16:creationId xmlns="" xmlns:a16="http://schemas.microsoft.com/office/drawing/2014/main" id="{0FDAD747-108F-4A6D-9220-5EA05067FF1E}"/>
               </a:ext>
             </a:extLst>
           </p:cNvPr>
@@ -37423,7 +41836,7 @@
           <p:cNvPr id="9" name="矩形 8">
             <a:extLst>
               <a:ext uri="{FF2B5EF4-FFF2-40B4-BE49-F238E27FC236}">
-                <a16:creationId xmlns:a16="http://schemas.microsoft.com/office/drawing/2014/main" xmlns="" id="{AB1DF3D9-EC08-40CA-853D-48B16F99EE56}"/>
+                <a16:creationId xmlns="" xmlns:a16="http://schemas.microsoft.com/office/drawing/2014/main" id="{AB1DF3D9-EC08-40CA-853D-48B16F99EE56}"/>
               </a:ext>
             </a:extLst>
           </p:cNvPr>
@@ -37614,7 +42027,7 @@
           <p:cNvPr id="8" name="矩形 7">
             <a:extLst>
               <a:ext uri="{FF2B5EF4-FFF2-40B4-BE49-F238E27FC236}">
-                <a16:creationId xmlns:a16="http://schemas.microsoft.com/office/drawing/2014/main" xmlns="" id="{0FDAD747-108F-4A6D-9220-5EA05067FF1E}"/>
+                <a16:creationId xmlns="" xmlns:a16="http://schemas.microsoft.com/office/drawing/2014/main" id="{0FDAD747-108F-4A6D-9220-5EA05067FF1E}"/>
               </a:ext>
             </a:extLst>
           </p:cNvPr>
